--- a/PaletteInstructions.pptx
+++ b/PaletteInstructions.pptx
@@ -104,6 +104,11 @@
       </a:defRPr>
     </a:lvl9pPr>
   </p:defaultTextStyle>
+  <p:extLst>
+    <p:ext uri="{EFAFB233-063F-42B5-8137-9DF3F51BA10A}">
+      <p15:sldGuideLst xmlns:p15="http://schemas.microsoft.com/office/powerpoint/2012/main"/>
+    </p:ext>
+  </p:extLst>
 </p:presentation>
 </file>
 
@@ -256,7 +261,7 @@
           <a:p>
             <a:fld id="{2D5F75EA-5DA0-4839-9D7D-A0FA68C3529A}" type="datetimeFigureOut">
               <a:rPr lang="en-GB" smtClean="0"/>
-              <a:t>10/01/2026</a:t>
+              <a:t>11/01/2026</a:t>
             </a:fld>
             <a:endParaRPr lang="en-GB"/>
           </a:p>
@@ -456,7 +461,7 @@
           <a:p>
             <a:fld id="{2D5F75EA-5DA0-4839-9D7D-A0FA68C3529A}" type="datetimeFigureOut">
               <a:rPr lang="en-GB" smtClean="0"/>
-              <a:t>10/01/2026</a:t>
+              <a:t>11/01/2026</a:t>
             </a:fld>
             <a:endParaRPr lang="en-GB"/>
           </a:p>
@@ -666,7 +671,7 @@
           <a:p>
             <a:fld id="{2D5F75EA-5DA0-4839-9D7D-A0FA68C3529A}" type="datetimeFigureOut">
               <a:rPr lang="en-GB" smtClean="0"/>
-              <a:t>10/01/2026</a:t>
+              <a:t>11/01/2026</a:t>
             </a:fld>
             <a:endParaRPr lang="en-GB"/>
           </a:p>
@@ -866,7 +871,7 @@
           <a:p>
             <a:fld id="{2D5F75EA-5DA0-4839-9D7D-A0FA68C3529A}" type="datetimeFigureOut">
               <a:rPr lang="en-GB" smtClean="0"/>
-              <a:t>10/01/2026</a:t>
+              <a:t>11/01/2026</a:t>
             </a:fld>
             <a:endParaRPr lang="en-GB"/>
           </a:p>
@@ -1142,7 +1147,7 @@
           <a:p>
             <a:fld id="{2D5F75EA-5DA0-4839-9D7D-A0FA68C3529A}" type="datetimeFigureOut">
               <a:rPr lang="en-GB" smtClean="0"/>
-              <a:t>10/01/2026</a:t>
+              <a:t>11/01/2026</a:t>
             </a:fld>
             <a:endParaRPr lang="en-GB"/>
           </a:p>
@@ -1410,7 +1415,7 @@
           <a:p>
             <a:fld id="{2D5F75EA-5DA0-4839-9D7D-A0FA68C3529A}" type="datetimeFigureOut">
               <a:rPr lang="en-GB" smtClean="0"/>
-              <a:t>10/01/2026</a:t>
+              <a:t>11/01/2026</a:t>
             </a:fld>
             <a:endParaRPr lang="en-GB"/>
           </a:p>
@@ -1825,7 +1830,7 @@
           <a:p>
             <a:fld id="{2D5F75EA-5DA0-4839-9D7D-A0FA68C3529A}" type="datetimeFigureOut">
               <a:rPr lang="en-GB" smtClean="0"/>
-              <a:t>10/01/2026</a:t>
+              <a:t>11/01/2026</a:t>
             </a:fld>
             <a:endParaRPr lang="en-GB"/>
           </a:p>
@@ -1967,7 +1972,7 @@
           <a:p>
             <a:fld id="{2D5F75EA-5DA0-4839-9D7D-A0FA68C3529A}" type="datetimeFigureOut">
               <a:rPr lang="en-GB" smtClean="0"/>
-              <a:t>10/01/2026</a:t>
+              <a:t>11/01/2026</a:t>
             </a:fld>
             <a:endParaRPr lang="en-GB"/>
           </a:p>
@@ -2080,7 +2085,7 @@
           <a:p>
             <a:fld id="{2D5F75EA-5DA0-4839-9D7D-A0FA68C3529A}" type="datetimeFigureOut">
               <a:rPr lang="en-GB" smtClean="0"/>
-              <a:t>10/01/2026</a:t>
+              <a:t>11/01/2026</a:t>
             </a:fld>
             <a:endParaRPr lang="en-GB"/>
           </a:p>
@@ -2393,7 +2398,7 @@
           <a:p>
             <a:fld id="{2D5F75EA-5DA0-4839-9D7D-A0FA68C3529A}" type="datetimeFigureOut">
               <a:rPr lang="en-GB" smtClean="0"/>
-              <a:t>10/01/2026</a:t>
+              <a:t>11/01/2026</a:t>
             </a:fld>
             <a:endParaRPr lang="en-GB"/>
           </a:p>
@@ -2682,7 +2687,7 @@
           <a:p>
             <a:fld id="{2D5F75EA-5DA0-4839-9D7D-A0FA68C3529A}" type="datetimeFigureOut">
               <a:rPr lang="en-GB" smtClean="0"/>
-              <a:t>10/01/2026</a:t>
+              <a:t>11/01/2026</a:t>
             </a:fld>
             <a:endParaRPr lang="en-GB"/>
           </a:p>
@@ -2925,7 +2930,7 @@
           <a:p>
             <a:fld id="{2D5F75EA-5DA0-4839-9D7D-A0FA68C3529A}" type="datetimeFigureOut">
               <a:rPr lang="en-GB" smtClean="0"/>
-              <a:t>10/01/2026</a:t>
+              <a:t>11/01/2026</a:t>
             </a:fld>
             <a:endParaRPr lang="en-GB"/>
           </a:p>
@@ -3342,6 +3347,1645 @@
           <a:chExt cx="0" cy="0"/>
         </a:xfrm>
       </p:grpSpPr>
+      <p:pic>
+        <p:nvPicPr>
+          <p:cNvPr id="3" name="Picture 2">
+            <a:extLst>
+              <a:ext uri="{FF2B5EF4-FFF2-40B4-BE49-F238E27FC236}">
+                <a16:creationId xmlns:a16="http://schemas.microsoft.com/office/drawing/2014/main" id="{39EF1C0F-19D0-6809-483F-67AF669BC6DF}"/>
+              </a:ext>
+            </a:extLst>
+          </p:cNvPr>
+          <p:cNvPicPr>
+            <a:picLocks noChangeAspect="1"/>
+          </p:cNvPicPr>
+          <p:nvPr/>
+        </p:nvPicPr>
+        <p:blipFill>
+          <a:blip r:embed="rId2">
+            <a:extLst>
+              <a:ext uri="{28A0092B-C50C-407E-A947-70E740481C1C}">
+                <a14:useLocalDpi xmlns:a14="http://schemas.microsoft.com/office/drawing/2010/main" val="0"/>
+              </a:ext>
+            </a:extLst>
+          </a:blip>
+          <a:stretch>
+            <a:fillRect/>
+          </a:stretch>
+        </p:blipFill>
+        <p:spPr>
+          <a:xfrm>
+            <a:off x="111648" y="124063"/>
+            <a:ext cx="1560579" cy="1560579"/>
+          </a:xfrm>
+          <a:prstGeom prst="rect">
+            <a:avLst/>
+          </a:prstGeom>
+        </p:spPr>
+      </p:pic>
+      <p:pic>
+        <p:nvPicPr>
+          <p:cNvPr id="5" name="Picture 4">
+            <a:extLst>
+              <a:ext uri="{FF2B5EF4-FFF2-40B4-BE49-F238E27FC236}">
+                <a16:creationId xmlns:a16="http://schemas.microsoft.com/office/drawing/2014/main" id="{02C7CDD3-63EE-5958-DD46-B7B3BB0E04D9}"/>
+              </a:ext>
+            </a:extLst>
+          </p:cNvPr>
+          <p:cNvPicPr>
+            <a:picLocks noChangeAspect="1"/>
+          </p:cNvPicPr>
+          <p:nvPr/>
+        </p:nvPicPr>
+        <p:blipFill>
+          <a:blip r:embed="rId3">
+            <a:extLst>
+              <a:ext uri="{28A0092B-C50C-407E-A947-70E740481C1C}">
+                <a14:useLocalDpi xmlns:a14="http://schemas.microsoft.com/office/drawing/2010/main" val="0"/>
+              </a:ext>
+            </a:extLst>
+          </a:blip>
+          <a:stretch>
+            <a:fillRect/>
+          </a:stretch>
+        </p:blipFill>
+        <p:spPr>
+          <a:xfrm>
+            <a:off x="111647" y="1813830"/>
+            <a:ext cx="1560579" cy="1560579"/>
+          </a:xfrm>
+          <a:prstGeom prst="rect">
+            <a:avLst/>
+          </a:prstGeom>
+        </p:spPr>
+      </p:pic>
+      <p:pic>
+        <p:nvPicPr>
+          <p:cNvPr id="7" name="Picture 6">
+            <a:extLst>
+              <a:ext uri="{FF2B5EF4-FFF2-40B4-BE49-F238E27FC236}">
+                <a16:creationId xmlns:a16="http://schemas.microsoft.com/office/drawing/2014/main" id="{21A3A646-8B99-CAAD-D869-106F10CD5732}"/>
+              </a:ext>
+            </a:extLst>
+          </p:cNvPr>
+          <p:cNvPicPr>
+            <a:picLocks noChangeAspect="1"/>
+          </p:cNvPicPr>
+          <p:nvPr/>
+        </p:nvPicPr>
+        <p:blipFill>
+          <a:blip r:embed="rId4">
+            <a:extLst>
+              <a:ext uri="{28A0092B-C50C-407E-A947-70E740481C1C}">
+                <a14:useLocalDpi xmlns:a14="http://schemas.microsoft.com/office/drawing/2010/main" val="0"/>
+              </a:ext>
+            </a:extLst>
+          </a:blip>
+          <a:stretch>
+            <a:fillRect/>
+          </a:stretch>
+        </p:blipFill>
+        <p:spPr>
+          <a:xfrm>
+            <a:off x="111647" y="3503597"/>
+            <a:ext cx="1560579" cy="1560579"/>
+          </a:xfrm>
+          <a:prstGeom prst="rect">
+            <a:avLst/>
+          </a:prstGeom>
+        </p:spPr>
+      </p:pic>
+      <p:pic>
+        <p:nvPicPr>
+          <p:cNvPr id="9" name="Picture 8">
+            <a:extLst>
+              <a:ext uri="{FF2B5EF4-FFF2-40B4-BE49-F238E27FC236}">
+                <a16:creationId xmlns:a16="http://schemas.microsoft.com/office/drawing/2014/main" id="{11E80562-4B8B-C58C-5569-20CCDEC309E3}"/>
+              </a:ext>
+            </a:extLst>
+          </p:cNvPr>
+          <p:cNvPicPr>
+            <a:picLocks noChangeAspect="1"/>
+          </p:cNvPicPr>
+          <p:nvPr/>
+        </p:nvPicPr>
+        <p:blipFill>
+          <a:blip r:embed="rId5">
+            <a:extLst>
+              <a:ext uri="{28A0092B-C50C-407E-A947-70E740481C1C}">
+                <a14:useLocalDpi xmlns:a14="http://schemas.microsoft.com/office/drawing/2010/main" val="0"/>
+              </a:ext>
+            </a:extLst>
+          </a:blip>
+          <a:stretch>
+            <a:fillRect/>
+          </a:stretch>
+        </p:blipFill>
+        <p:spPr>
+          <a:xfrm>
+            <a:off x="111646" y="5169015"/>
+            <a:ext cx="1560579" cy="1560579"/>
+          </a:xfrm>
+          <a:prstGeom prst="rect">
+            <a:avLst/>
+          </a:prstGeom>
+        </p:spPr>
+      </p:pic>
+      <p:cxnSp>
+        <p:nvCxnSpPr>
+          <p:cNvPr id="11" name="Straight Connector 10">
+            <a:extLst>
+              <a:ext uri="{FF2B5EF4-FFF2-40B4-BE49-F238E27FC236}">
+                <a16:creationId xmlns:a16="http://schemas.microsoft.com/office/drawing/2014/main" id="{A6D4D824-EA80-BAE2-0C2A-0C82D14253B1}"/>
+              </a:ext>
+            </a:extLst>
+          </p:cNvPr>
+          <p:cNvCxnSpPr/>
+          <p:nvPr/>
+        </p:nvCxnSpPr>
+        <p:spPr>
+          <a:xfrm>
+            <a:off x="57150" y="1746250"/>
+            <a:ext cx="8001000" cy="0"/>
+          </a:xfrm>
+          <a:prstGeom prst="line">
+            <a:avLst/>
+          </a:prstGeom>
+        </p:spPr>
+        <p:style>
+          <a:lnRef idx="2">
+            <a:schemeClr val="dk1"/>
+          </a:lnRef>
+          <a:fillRef idx="0">
+            <a:schemeClr val="dk1"/>
+          </a:fillRef>
+          <a:effectRef idx="1">
+            <a:schemeClr val="dk1"/>
+          </a:effectRef>
+          <a:fontRef idx="minor">
+            <a:schemeClr val="tx1"/>
+          </a:fontRef>
+        </p:style>
+      </p:cxnSp>
+      <p:cxnSp>
+        <p:nvCxnSpPr>
+          <p:cNvPr id="12" name="Straight Connector 11">
+            <a:extLst>
+              <a:ext uri="{FF2B5EF4-FFF2-40B4-BE49-F238E27FC236}">
+                <a16:creationId xmlns:a16="http://schemas.microsoft.com/office/drawing/2014/main" id="{26FAABF3-09D4-2FF5-C0AC-31EC53F7F0D3}"/>
+              </a:ext>
+            </a:extLst>
+          </p:cNvPr>
+          <p:cNvCxnSpPr/>
+          <p:nvPr/>
+        </p:nvCxnSpPr>
+        <p:spPr>
+          <a:xfrm>
+            <a:off x="57150" y="3435350"/>
+            <a:ext cx="8001000" cy="0"/>
+          </a:xfrm>
+          <a:prstGeom prst="line">
+            <a:avLst/>
+          </a:prstGeom>
+        </p:spPr>
+        <p:style>
+          <a:lnRef idx="2">
+            <a:schemeClr val="dk1"/>
+          </a:lnRef>
+          <a:fillRef idx="0">
+            <a:schemeClr val="dk1"/>
+          </a:fillRef>
+          <a:effectRef idx="1">
+            <a:schemeClr val="dk1"/>
+          </a:effectRef>
+          <a:fontRef idx="minor">
+            <a:schemeClr val="tx1"/>
+          </a:fontRef>
+        </p:style>
+      </p:cxnSp>
+      <p:cxnSp>
+        <p:nvCxnSpPr>
+          <p:cNvPr id="13" name="Straight Connector 12">
+            <a:extLst>
+              <a:ext uri="{FF2B5EF4-FFF2-40B4-BE49-F238E27FC236}">
+                <a16:creationId xmlns:a16="http://schemas.microsoft.com/office/drawing/2014/main" id="{10164283-6EFF-8866-8861-0467EB7F1019}"/>
+              </a:ext>
+            </a:extLst>
+          </p:cNvPr>
+          <p:cNvCxnSpPr/>
+          <p:nvPr/>
+        </p:nvCxnSpPr>
+        <p:spPr>
+          <a:xfrm>
+            <a:off x="57150" y="5111750"/>
+            <a:ext cx="8001000" cy="0"/>
+          </a:xfrm>
+          <a:prstGeom prst="line">
+            <a:avLst/>
+          </a:prstGeom>
+        </p:spPr>
+        <p:style>
+          <a:lnRef idx="2">
+            <a:schemeClr val="dk1"/>
+          </a:lnRef>
+          <a:fillRef idx="0">
+            <a:schemeClr val="dk1"/>
+          </a:fillRef>
+          <a:effectRef idx="1">
+            <a:schemeClr val="dk1"/>
+          </a:effectRef>
+          <a:fontRef idx="minor">
+            <a:schemeClr val="tx1"/>
+          </a:fontRef>
+        </p:style>
+      </p:cxnSp>
+      <p:pic>
+        <p:nvPicPr>
+          <p:cNvPr id="15" name="Picture 14">
+            <a:extLst>
+              <a:ext uri="{FF2B5EF4-FFF2-40B4-BE49-F238E27FC236}">
+                <a16:creationId xmlns:a16="http://schemas.microsoft.com/office/drawing/2014/main" id="{93F30F31-2C14-7898-8CFA-3EE7856FCD0E}"/>
+              </a:ext>
+            </a:extLst>
+          </p:cNvPr>
+          <p:cNvPicPr>
+            <a:picLocks noChangeAspect="1"/>
+          </p:cNvPicPr>
+          <p:nvPr/>
+        </p:nvPicPr>
+        <p:blipFill>
+          <a:blip r:embed="rId6"/>
+          <a:stretch>
+            <a:fillRect/>
+          </a:stretch>
+        </p:blipFill>
+        <p:spPr>
+          <a:xfrm>
+            <a:off x="2859520" y="891292"/>
+            <a:ext cx="571580" cy="752580"/>
+          </a:xfrm>
+          <a:prstGeom prst="rect">
+            <a:avLst/>
+          </a:prstGeom>
+        </p:spPr>
+      </p:pic>
+      <p:pic>
+        <p:nvPicPr>
+          <p:cNvPr id="17" name="Picture 16">
+            <a:extLst>
+              <a:ext uri="{FF2B5EF4-FFF2-40B4-BE49-F238E27FC236}">
+                <a16:creationId xmlns:a16="http://schemas.microsoft.com/office/drawing/2014/main" id="{196E6BDD-B6DE-BD25-9FF2-245EEA7B20EA}"/>
+              </a:ext>
+            </a:extLst>
+          </p:cNvPr>
+          <p:cNvPicPr>
+            <a:picLocks noChangeAspect="1"/>
+          </p:cNvPicPr>
+          <p:nvPr/>
+        </p:nvPicPr>
+        <p:blipFill>
+          <a:blip r:embed="rId7"/>
+          <a:stretch>
+            <a:fillRect/>
+          </a:stretch>
+        </p:blipFill>
+        <p:spPr>
+          <a:xfrm>
+            <a:off x="2815070" y="2538837"/>
+            <a:ext cx="600159" cy="790685"/>
+          </a:xfrm>
+          <a:prstGeom prst="rect">
+            <a:avLst/>
+          </a:prstGeom>
+        </p:spPr>
+      </p:pic>
+      <p:pic>
+        <p:nvPicPr>
+          <p:cNvPr id="19" name="Picture 18">
+            <a:extLst>
+              <a:ext uri="{FF2B5EF4-FFF2-40B4-BE49-F238E27FC236}">
+                <a16:creationId xmlns:a16="http://schemas.microsoft.com/office/drawing/2014/main" id="{E93278CC-EDE7-EA22-86DA-4687E35A0648}"/>
+              </a:ext>
+            </a:extLst>
+          </p:cNvPr>
+          <p:cNvPicPr>
+            <a:picLocks noChangeAspect="1"/>
+          </p:cNvPicPr>
+          <p:nvPr/>
+        </p:nvPicPr>
+        <p:blipFill>
+          <a:blip r:embed="rId8"/>
+          <a:stretch>
+            <a:fillRect/>
+          </a:stretch>
+        </p:blipFill>
+        <p:spPr>
+          <a:xfrm>
+            <a:off x="4699948" y="2491352"/>
+            <a:ext cx="609685" cy="733527"/>
+          </a:xfrm>
+          <a:prstGeom prst="rect">
+            <a:avLst/>
+          </a:prstGeom>
+        </p:spPr>
+      </p:pic>
+      <p:pic>
+        <p:nvPicPr>
+          <p:cNvPr id="21" name="Picture 20">
+            <a:extLst>
+              <a:ext uri="{FF2B5EF4-FFF2-40B4-BE49-F238E27FC236}">
+                <a16:creationId xmlns:a16="http://schemas.microsoft.com/office/drawing/2014/main" id="{E58CA3D9-AF1B-C375-4F98-F7FF7920A020}"/>
+              </a:ext>
+            </a:extLst>
+          </p:cNvPr>
+          <p:cNvPicPr>
+            <a:picLocks noChangeAspect="1"/>
+          </p:cNvPicPr>
+          <p:nvPr/>
+        </p:nvPicPr>
+        <p:blipFill>
+          <a:blip r:embed="rId9"/>
+          <a:stretch>
+            <a:fillRect/>
+          </a:stretch>
+        </p:blipFill>
+        <p:spPr>
+          <a:xfrm>
+            <a:off x="4156377" y="886528"/>
+            <a:ext cx="600159" cy="771633"/>
+          </a:xfrm>
+          <a:prstGeom prst="rect">
+            <a:avLst/>
+          </a:prstGeom>
+        </p:spPr>
+      </p:pic>
+      <p:pic>
+        <p:nvPicPr>
+          <p:cNvPr id="23" name="Picture 22">
+            <a:extLst>
+              <a:ext uri="{FF2B5EF4-FFF2-40B4-BE49-F238E27FC236}">
+                <a16:creationId xmlns:a16="http://schemas.microsoft.com/office/drawing/2014/main" id="{115D0316-1BD1-E1BD-0F7C-6C0D6843CF23}"/>
+              </a:ext>
+            </a:extLst>
+          </p:cNvPr>
+          <p:cNvPicPr>
+            <a:picLocks noChangeAspect="1"/>
+          </p:cNvPicPr>
+          <p:nvPr/>
+        </p:nvPicPr>
+        <p:blipFill>
+          <a:blip r:embed="rId10"/>
+          <a:stretch>
+            <a:fillRect/>
+          </a:stretch>
+        </p:blipFill>
+        <p:spPr>
+          <a:xfrm>
+            <a:off x="2792454" y="5958994"/>
+            <a:ext cx="609685" cy="743054"/>
+          </a:xfrm>
+          <a:prstGeom prst="rect">
+            <a:avLst/>
+          </a:prstGeom>
+        </p:spPr>
+      </p:pic>
+      <p:pic>
+        <p:nvPicPr>
+          <p:cNvPr id="24" name="Picture 23">
+            <a:extLst>
+              <a:ext uri="{FF2B5EF4-FFF2-40B4-BE49-F238E27FC236}">
+                <a16:creationId xmlns:a16="http://schemas.microsoft.com/office/drawing/2014/main" id="{0F240003-3A85-9C28-D37A-06E764563FBB}"/>
+              </a:ext>
+            </a:extLst>
+          </p:cNvPr>
+          <p:cNvPicPr>
+            <a:picLocks noChangeAspect="1"/>
+          </p:cNvPicPr>
+          <p:nvPr/>
+        </p:nvPicPr>
+        <p:blipFill>
+          <a:blip r:embed="rId7"/>
+          <a:stretch>
+            <a:fillRect/>
+          </a:stretch>
+        </p:blipFill>
+        <p:spPr>
+          <a:xfrm>
+            <a:off x="2815069" y="4243295"/>
+            <a:ext cx="600159" cy="790685"/>
+          </a:xfrm>
+          <a:prstGeom prst="rect">
+            <a:avLst/>
+          </a:prstGeom>
+        </p:spPr>
+      </p:pic>
+      <p:pic>
+        <p:nvPicPr>
+          <p:cNvPr id="25" name="Picture 24">
+            <a:extLst>
+              <a:ext uri="{FF2B5EF4-FFF2-40B4-BE49-F238E27FC236}">
+                <a16:creationId xmlns:a16="http://schemas.microsoft.com/office/drawing/2014/main" id="{B98B84A4-5C13-E997-A1DD-DB1F4DA09DA5}"/>
+              </a:ext>
+            </a:extLst>
+          </p:cNvPr>
+          <p:cNvPicPr>
+            <a:picLocks noChangeAspect="1"/>
+          </p:cNvPicPr>
+          <p:nvPr/>
+        </p:nvPicPr>
+        <p:blipFill>
+          <a:blip r:embed="rId9"/>
+          <a:stretch>
+            <a:fillRect/>
+          </a:stretch>
+        </p:blipFill>
+        <p:spPr>
+          <a:xfrm>
+            <a:off x="4712693" y="4243295"/>
+            <a:ext cx="600159" cy="771633"/>
+          </a:xfrm>
+          <a:prstGeom prst="rect">
+            <a:avLst/>
+          </a:prstGeom>
+        </p:spPr>
+      </p:pic>
+      <p:pic>
+        <p:nvPicPr>
+          <p:cNvPr id="26" name="Picture 25">
+            <a:extLst>
+              <a:ext uri="{FF2B5EF4-FFF2-40B4-BE49-F238E27FC236}">
+                <a16:creationId xmlns:a16="http://schemas.microsoft.com/office/drawing/2014/main" id="{3A1E1535-821E-F790-D2FE-C290530C2DB4}"/>
+              </a:ext>
+            </a:extLst>
+          </p:cNvPr>
+          <p:cNvPicPr>
+            <a:picLocks noChangeAspect="1"/>
+          </p:cNvPicPr>
+          <p:nvPr/>
+        </p:nvPicPr>
+        <p:blipFill>
+          <a:blip r:embed="rId6"/>
+          <a:stretch>
+            <a:fillRect/>
+          </a:stretch>
+        </p:blipFill>
+        <p:spPr>
+          <a:xfrm>
+            <a:off x="6610317" y="4252820"/>
+            <a:ext cx="571580" cy="752580"/>
+          </a:xfrm>
+          <a:prstGeom prst="rect">
+            <a:avLst/>
+          </a:prstGeom>
+        </p:spPr>
+      </p:pic>
+      <p:pic>
+        <p:nvPicPr>
+          <p:cNvPr id="27" name="Picture 26">
+            <a:extLst>
+              <a:ext uri="{FF2B5EF4-FFF2-40B4-BE49-F238E27FC236}">
+                <a16:creationId xmlns:a16="http://schemas.microsoft.com/office/drawing/2014/main" id="{B89D8C7F-3DE1-E97D-BD3F-35932244226E}"/>
+              </a:ext>
+            </a:extLst>
+          </p:cNvPr>
+          <p:cNvPicPr>
+            <a:picLocks noChangeAspect="1"/>
+          </p:cNvPicPr>
+          <p:nvPr/>
+        </p:nvPicPr>
+        <p:blipFill>
+          <a:blip r:embed="rId8"/>
+          <a:stretch>
+            <a:fillRect/>
+          </a:stretch>
+        </p:blipFill>
+        <p:spPr>
+          <a:xfrm>
+            <a:off x="4694842" y="5958994"/>
+            <a:ext cx="609685" cy="733527"/>
+          </a:xfrm>
+          <a:prstGeom prst="rect">
+            <a:avLst/>
+          </a:prstGeom>
+        </p:spPr>
+      </p:pic>
+      <p:pic>
+        <p:nvPicPr>
+          <p:cNvPr id="28" name="Picture 27">
+            <a:extLst>
+              <a:ext uri="{FF2B5EF4-FFF2-40B4-BE49-F238E27FC236}">
+                <a16:creationId xmlns:a16="http://schemas.microsoft.com/office/drawing/2014/main" id="{FC3D72C8-7197-9D60-A6B4-BB60C56720FB}"/>
+              </a:ext>
+            </a:extLst>
+          </p:cNvPr>
+          <p:cNvPicPr>
+            <a:picLocks noChangeAspect="1"/>
+          </p:cNvPicPr>
+          <p:nvPr/>
+        </p:nvPicPr>
+        <p:blipFill>
+          <a:blip r:embed="rId10"/>
+          <a:stretch>
+            <a:fillRect/>
+          </a:stretch>
+        </p:blipFill>
+        <p:spPr>
+          <a:xfrm>
+            <a:off x="6605935" y="922987"/>
+            <a:ext cx="609685" cy="743054"/>
+          </a:xfrm>
+          <a:prstGeom prst="rect">
+            <a:avLst/>
+          </a:prstGeom>
+        </p:spPr>
+      </p:pic>
+      <p:sp>
+        <p:nvSpPr>
+          <p:cNvPr id="29" name="TextBox 28">
+            <a:extLst>
+              <a:ext uri="{FF2B5EF4-FFF2-40B4-BE49-F238E27FC236}">
+                <a16:creationId xmlns:a16="http://schemas.microsoft.com/office/drawing/2014/main" id="{397D4738-39D1-FBBE-39F7-47B00322E329}"/>
+              </a:ext>
+            </a:extLst>
+          </p:cNvPr>
+          <p:cNvSpPr txBox="1"/>
+          <p:nvPr/>
+        </p:nvSpPr>
+        <p:spPr>
+          <a:xfrm>
+            <a:off x="6614220" y="224737"/>
+            <a:ext cx="528286" cy="307777"/>
+          </a:xfrm>
+          <a:prstGeom prst="rect">
+            <a:avLst/>
+          </a:prstGeom>
+          <a:noFill/>
+        </p:spPr>
+        <p:txBody>
+          <a:bodyPr wrap="square" rtlCol="0">
+            <a:spAutoFit/>
+          </a:bodyPr>
+          <a:lstStyle/>
+          <a:p>
+            <a:r>
+              <a:rPr lang="en-GB" sz="1400" b="1" dirty="0"/>
+              <a:t>25%</a:t>
+            </a:r>
+          </a:p>
+        </p:txBody>
+      </p:sp>
+      <p:sp>
+        <p:nvSpPr>
+          <p:cNvPr id="30" name="TextBox 29">
+            <a:extLst>
+              <a:ext uri="{FF2B5EF4-FFF2-40B4-BE49-F238E27FC236}">
+                <a16:creationId xmlns:a16="http://schemas.microsoft.com/office/drawing/2014/main" id="{ACD516E3-159B-46FE-9D7C-E39697C971AF}"/>
+              </a:ext>
+            </a:extLst>
+          </p:cNvPr>
+          <p:cNvSpPr txBox="1"/>
+          <p:nvPr/>
+        </p:nvSpPr>
+        <p:spPr>
+          <a:xfrm>
+            <a:off x="4192313" y="514208"/>
+            <a:ext cx="528286" cy="307777"/>
+          </a:xfrm>
+          <a:prstGeom prst="rect">
+            <a:avLst/>
+          </a:prstGeom>
+          <a:noFill/>
+        </p:spPr>
+        <p:txBody>
+          <a:bodyPr wrap="square" rtlCol="0">
+            <a:spAutoFit/>
+          </a:bodyPr>
+          <a:lstStyle/>
+          <a:p>
+            <a:r>
+              <a:rPr lang="en-GB" sz="1400" dirty="0"/>
+              <a:t>60%</a:t>
+            </a:r>
+          </a:p>
+        </p:txBody>
+      </p:sp>
+      <p:sp>
+        <p:nvSpPr>
+          <p:cNvPr id="31" name="TextBox 30">
+            <a:extLst>
+              <a:ext uri="{FF2B5EF4-FFF2-40B4-BE49-F238E27FC236}">
+                <a16:creationId xmlns:a16="http://schemas.microsoft.com/office/drawing/2014/main" id="{82C7632B-A411-BACA-768B-B9C33D7ACACE}"/>
+              </a:ext>
+            </a:extLst>
+          </p:cNvPr>
+          <p:cNvSpPr txBox="1"/>
+          <p:nvPr/>
+        </p:nvSpPr>
+        <p:spPr>
+          <a:xfrm>
+            <a:off x="2859520" y="514208"/>
+            <a:ext cx="528286" cy="307777"/>
+          </a:xfrm>
+          <a:prstGeom prst="rect">
+            <a:avLst/>
+          </a:prstGeom>
+          <a:noFill/>
+        </p:spPr>
+        <p:txBody>
+          <a:bodyPr wrap="square" rtlCol="0">
+            <a:spAutoFit/>
+          </a:bodyPr>
+          <a:lstStyle/>
+          <a:p>
+            <a:r>
+              <a:rPr lang="en-GB" sz="1400" dirty="0"/>
+              <a:t>40%</a:t>
+            </a:r>
+          </a:p>
+        </p:txBody>
+      </p:sp>
+      <p:sp>
+        <p:nvSpPr>
+          <p:cNvPr id="32" name="TextBox 31">
+            <a:extLst>
+              <a:ext uri="{FF2B5EF4-FFF2-40B4-BE49-F238E27FC236}">
+                <a16:creationId xmlns:a16="http://schemas.microsoft.com/office/drawing/2014/main" id="{18FAF138-635E-3041-54D6-5712A05CDE0A}"/>
+              </a:ext>
+            </a:extLst>
+          </p:cNvPr>
+          <p:cNvSpPr txBox="1"/>
+          <p:nvPr/>
+        </p:nvSpPr>
+        <p:spPr>
+          <a:xfrm>
+            <a:off x="2851006" y="2231060"/>
+            <a:ext cx="528286" cy="307777"/>
+          </a:xfrm>
+          <a:prstGeom prst="rect">
+            <a:avLst/>
+          </a:prstGeom>
+          <a:noFill/>
+        </p:spPr>
+        <p:txBody>
+          <a:bodyPr wrap="square" rtlCol="0">
+            <a:spAutoFit/>
+          </a:bodyPr>
+          <a:lstStyle/>
+          <a:p>
+            <a:r>
+              <a:rPr lang="en-GB" sz="1400" dirty="0"/>
+              <a:t>25%</a:t>
+            </a:r>
+          </a:p>
+        </p:txBody>
+      </p:sp>
+      <p:sp>
+        <p:nvSpPr>
+          <p:cNvPr id="33" name="TextBox 32">
+            <a:extLst>
+              <a:ext uri="{FF2B5EF4-FFF2-40B4-BE49-F238E27FC236}">
+                <a16:creationId xmlns:a16="http://schemas.microsoft.com/office/drawing/2014/main" id="{F813F097-2DB2-1772-B111-ED412C982561}"/>
+              </a:ext>
+            </a:extLst>
+          </p:cNvPr>
+          <p:cNvSpPr txBox="1"/>
+          <p:nvPr/>
+        </p:nvSpPr>
+        <p:spPr>
+          <a:xfrm>
+            <a:off x="2874746" y="3904160"/>
+            <a:ext cx="528286" cy="307777"/>
+          </a:xfrm>
+          <a:prstGeom prst="rect">
+            <a:avLst/>
+          </a:prstGeom>
+          <a:noFill/>
+        </p:spPr>
+        <p:txBody>
+          <a:bodyPr wrap="square" rtlCol="0">
+            <a:spAutoFit/>
+          </a:bodyPr>
+          <a:lstStyle/>
+          <a:p>
+            <a:r>
+              <a:rPr lang="en-GB" sz="1400" dirty="0"/>
+              <a:t>40%</a:t>
+            </a:r>
+          </a:p>
+        </p:txBody>
+      </p:sp>
+      <p:sp>
+        <p:nvSpPr>
+          <p:cNvPr id="34" name="TextBox 33">
+            <a:extLst>
+              <a:ext uri="{FF2B5EF4-FFF2-40B4-BE49-F238E27FC236}">
+                <a16:creationId xmlns:a16="http://schemas.microsoft.com/office/drawing/2014/main" id="{C3AFF2FD-5B11-1C5A-9786-776861B43610}"/>
+              </a:ext>
+            </a:extLst>
+          </p:cNvPr>
+          <p:cNvSpPr txBox="1"/>
+          <p:nvPr/>
+        </p:nvSpPr>
+        <p:spPr>
+          <a:xfrm>
+            <a:off x="2833153" y="5629813"/>
+            <a:ext cx="528286" cy="307777"/>
+          </a:xfrm>
+          <a:prstGeom prst="rect">
+            <a:avLst/>
+          </a:prstGeom>
+          <a:noFill/>
+        </p:spPr>
+        <p:txBody>
+          <a:bodyPr wrap="square" rtlCol="0">
+            <a:spAutoFit/>
+          </a:bodyPr>
+          <a:lstStyle/>
+          <a:p>
+            <a:r>
+              <a:rPr lang="en-GB" sz="1400" dirty="0"/>
+              <a:t>66%</a:t>
+            </a:r>
+          </a:p>
+        </p:txBody>
+      </p:sp>
+      <p:sp>
+        <p:nvSpPr>
+          <p:cNvPr id="35" name="TextBox 34">
+            <a:extLst>
+              <a:ext uri="{FF2B5EF4-FFF2-40B4-BE49-F238E27FC236}">
+                <a16:creationId xmlns:a16="http://schemas.microsoft.com/office/drawing/2014/main" id="{11072508-B13E-E5E6-2604-E9F3A7FDD471}"/>
+              </a:ext>
+            </a:extLst>
+          </p:cNvPr>
+          <p:cNvSpPr txBox="1"/>
+          <p:nvPr/>
+        </p:nvSpPr>
+        <p:spPr>
+          <a:xfrm>
+            <a:off x="4710848" y="5629814"/>
+            <a:ext cx="528286" cy="307777"/>
+          </a:xfrm>
+          <a:prstGeom prst="rect">
+            <a:avLst/>
+          </a:prstGeom>
+          <a:noFill/>
+        </p:spPr>
+        <p:txBody>
+          <a:bodyPr wrap="square" rtlCol="0">
+            <a:spAutoFit/>
+          </a:bodyPr>
+          <a:lstStyle/>
+          <a:p>
+            <a:r>
+              <a:rPr lang="en-GB" sz="1400" dirty="0"/>
+              <a:t>34%</a:t>
+            </a:r>
+          </a:p>
+        </p:txBody>
+      </p:sp>
+      <p:sp>
+        <p:nvSpPr>
+          <p:cNvPr id="36" name="TextBox 35">
+            <a:extLst>
+              <a:ext uri="{FF2B5EF4-FFF2-40B4-BE49-F238E27FC236}">
+                <a16:creationId xmlns:a16="http://schemas.microsoft.com/office/drawing/2014/main" id="{67035DBD-0F5B-05DB-CE21-C8B1435CB537}"/>
+              </a:ext>
+            </a:extLst>
+          </p:cNvPr>
+          <p:cNvSpPr txBox="1"/>
+          <p:nvPr/>
+        </p:nvSpPr>
+        <p:spPr>
+          <a:xfrm>
+            <a:off x="4735596" y="3911156"/>
+            <a:ext cx="528286" cy="307777"/>
+          </a:xfrm>
+          <a:prstGeom prst="rect">
+            <a:avLst/>
+          </a:prstGeom>
+          <a:noFill/>
+        </p:spPr>
+        <p:txBody>
+          <a:bodyPr wrap="square" rtlCol="0">
+            <a:spAutoFit/>
+          </a:bodyPr>
+          <a:lstStyle/>
+          <a:p>
+            <a:r>
+              <a:rPr lang="en-GB" sz="1400" dirty="0"/>
+              <a:t>40%</a:t>
+            </a:r>
+          </a:p>
+        </p:txBody>
+      </p:sp>
+      <p:sp>
+        <p:nvSpPr>
+          <p:cNvPr id="37" name="TextBox 36">
+            <a:extLst>
+              <a:ext uri="{FF2B5EF4-FFF2-40B4-BE49-F238E27FC236}">
+                <a16:creationId xmlns:a16="http://schemas.microsoft.com/office/drawing/2014/main" id="{93BC3066-6006-78B6-C2B0-00D68C38440B}"/>
+              </a:ext>
+            </a:extLst>
+          </p:cNvPr>
+          <p:cNvSpPr txBox="1"/>
+          <p:nvPr/>
+        </p:nvSpPr>
+        <p:spPr>
+          <a:xfrm>
+            <a:off x="4729976" y="2197656"/>
+            <a:ext cx="528286" cy="307777"/>
+          </a:xfrm>
+          <a:prstGeom prst="rect">
+            <a:avLst/>
+          </a:prstGeom>
+          <a:noFill/>
+        </p:spPr>
+        <p:txBody>
+          <a:bodyPr wrap="square" rtlCol="0">
+            <a:spAutoFit/>
+          </a:bodyPr>
+          <a:lstStyle/>
+          <a:p>
+            <a:r>
+              <a:rPr lang="en-GB" sz="1400" dirty="0"/>
+              <a:t>75%</a:t>
+            </a:r>
+          </a:p>
+        </p:txBody>
+      </p:sp>
+      <p:sp>
+        <p:nvSpPr>
+          <p:cNvPr id="38" name="TextBox 37">
+            <a:extLst>
+              <a:ext uri="{FF2B5EF4-FFF2-40B4-BE49-F238E27FC236}">
+                <a16:creationId xmlns:a16="http://schemas.microsoft.com/office/drawing/2014/main" id="{ED131C3D-97D4-85E8-9C6D-8C260212572E}"/>
+              </a:ext>
+            </a:extLst>
+          </p:cNvPr>
+          <p:cNvSpPr txBox="1"/>
+          <p:nvPr/>
+        </p:nvSpPr>
+        <p:spPr>
+          <a:xfrm>
+            <a:off x="6653611" y="3916711"/>
+            <a:ext cx="528286" cy="307777"/>
+          </a:xfrm>
+          <a:prstGeom prst="rect">
+            <a:avLst/>
+          </a:prstGeom>
+          <a:noFill/>
+        </p:spPr>
+        <p:txBody>
+          <a:bodyPr wrap="square" rtlCol="0">
+            <a:spAutoFit/>
+          </a:bodyPr>
+          <a:lstStyle/>
+          <a:p>
+            <a:r>
+              <a:rPr lang="en-GB" sz="1400" dirty="0"/>
+              <a:t>20%</a:t>
+            </a:r>
+          </a:p>
+        </p:txBody>
+      </p:sp>
+      <p:sp>
+        <p:nvSpPr>
+          <p:cNvPr id="39" name="Rectangle 38">
+            <a:extLst>
+              <a:ext uri="{FF2B5EF4-FFF2-40B4-BE49-F238E27FC236}">
+                <a16:creationId xmlns:a16="http://schemas.microsoft.com/office/drawing/2014/main" id="{AEC4063A-89DD-3C22-81A3-0795EC7AA94A}"/>
+              </a:ext>
+            </a:extLst>
+          </p:cNvPr>
+          <p:cNvSpPr/>
+          <p:nvPr/>
+        </p:nvSpPr>
+        <p:spPr>
+          <a:xfrm>
+            <a:off x="2698750" y="514208"/>
+            <a:ext cx="2120900" cy="1184468"/>
+          </a:xfrm>
+          <a:prstGeom prst="rect">
+            <a:avLst/>
+          </a:prstGeom>
+          <a:noFill/>
+          <a:ln>
+            <a:solidFill>
+              <a:schemeClr val="tx1"/>
+            </a:solidFill>
+          </a:ln>
+        </p:spPr>
+        <p:style>
+          <a:lnRef idx="2">
+            <a:schemeClr val="accent1">
+              <a:shade val="15000"/>
+            </a:schemeClr>
+          </a:lnRef>
+          <a:fillRef idx="1">
+            <a:schemeClr val="accent1"/>
+          </a:fillRef>
+          <a:effectRef idx="0">
+            <a:schemeClr val="accent1"/>
+          </a:effectRef>
+          <a:fontRef idx="minor">
+            <a:schemeClr val="lt1"/>
+          </a:fontRef>
+        </p:style>
+        <p:txBody>
+          <a:bodyPr rtlCol="0" anchor="ctr"/>
+          <a:lstStyle/>
+          <a:p>
+            <a:pPr algn="ctr"/>
+            <a:endParaRPr lang="en-GB"/>
+          </a:p>
+        </p:txBody>
+      </p:sp>
+      <p:sp>
+        <p:nvSpPr>
+          <p:cNvPr id="40" name="TextBox 39">
+            <a:extLst>
+              <a:ext uri="{FF2B5EF4-FFF2-40B4-BE49-F238E27FC236}">
+                <a16:creationId xmlns:a16="http://schemas.microsoft.com/office/drawing/2014/main" id="{7D9BA20A-F607-1CFA-8D35-25B87D451355}"/>
+              </a:ext>
+            </a:extLst>
+          </p:cNvPr>
+          <p:cNvSpPr txBox="1"/>
+          <p:nvPr/>
+        </p:nvSpPr>
+        <p:spPr>
+          <a:xfrm>
+            <a:off x="3495057" y="149167"/>
+            <a:ext cx="528286" cy="307777"/>
+          </a:xfrm>
+          <a:prstGeom prst="rect">
+            <a:avLst/>
+          </a:prstGeom>
+          <a:noFill/>
+        </p:spPr>
+        <p:txBody>
+          <a:bodyPr wrap="square" rtlCol="0">
+            <a:spAutoFit/>
+          </a:bodyPr>
+          <a:lstStyle/>
+          <a:p>
+            <a:r>
+              <a:rPr lang="en-GB" sz="1400" b="1" dirty="0"/>
+              <a:t>75%</a:t>
+            </a:r>
+          </a:p>
+        </p:txBody>
+      </p:sp>
+      <p:sp>
+        <p:nvSpPr>
+          <p:cNvPr id="41" name="TextBox 40">
+            <a:extLst>
+              <a:ext uri="{FF2B5EF4-FFF2-40B4-BE49-F238E27FC236}">
+                <a16:creationId xmlns:a16="http://schemas.microsoft.com/office/drawing/2014/main" id="{C56BE52F-0CB0-EEBD-ECE4-867E90E45F1E}"/>
+              </a:ext>
+            </a:extLst>
+          </p:cNvPr>
+          <p:cNvSpPr txBox="1"/>
+          <p:nvPr/>
+        </p:nvSpPr>
+        <p:spPr>
+          <a:xfrm>
+            <a:off x="6612796" y="557946"/>
+            <a:ext cx="653119" cy="307777"/>
+          </a:xfrm>
+          <a:prstGeom prst="rect">
+            <a:avLst/>
+          </a:prstGeom>
+          <a:noFill/>
+        </p:spPr>
+        <p:txBody>
+          <a:bodyPr wrap="square" rtlCol="0">
+            <a:spAutoFit/>
+          </a:bodyPr>
+          <a:lstStyle/>
+          <a:p>
+            <a:r>
+              <a:rPr lang="en-GB" sz="1400" dirty="0"/>
+              <a:t>100%</a:t>
+            </a:r>
+          </a:p>
+        </p:txBody>
+      </p:sp>
+      <p:sp>
+        <p:nvSpPr>
+          <p:cNvPr id="42" name="Rectangle 41">
+            <a:extLst>
+              <a:ext uri="{FF2B5EF4-FFF2-40B4-BE49-F238E27FC236}">
+                <a16:creationId xmlns:a16="http://schemas.microsoft.com/office/drawing/2014/main" id="{37C63B35-3821-10A5-58B2-9D898B7E5405}"/>
+              </a:ext>
+            </a:extLst>
+          </p:cNvPr>
+          <p:cNvSpPr/>
+          <p:nvPr/>
+        </p:nvSpPr>
+        <p:spPr>
+          <a:xfrm>
+            <a:off x="6470224" y="504518"/>
+            <a:ext cx="816277" cy="1184468"/>
+          </a:xfrm>
+          <a:prstGeom prst="rect">
+            <a:avLst/>
+          </a:prstGeom>
+          <a:noFill/>
+          <a:ln>
+            <a:solidFill>
+              <a:schemeClr val="tx1"/>
+            </a:solidFill>
+          </a:ln>
+        </p:spPr>
+        <p:style>
+          <a:lnRef idx="2">
+            <a:schemeClr val="accent1">
+              <a:shade val="15000"/>
+            </a:schemeClr>
+          </a:lnRef>
+          <a:fillRef idx="1">
+            <a:schemeClr val="accent1"/>
+          </a:fillRef>
+          <a:effectRef idx="0">
+            <a:schemeClr val="accent1"/>
+          </a:effectRef>
+          <a:fontRef idx="minor">
+            <a:schemeClr val="lt1"/>
+          </a:fontRef>
+        </p:style>
+        <p:txBody>
+          <a:bodyPr rtlCol="0" anchor="ctr"/>
+          <a:lstStyle/>
+          <a:p>
+            <a:pPr algn="ctr"/>
+            <a:endParaRPr lang="en-GB"/>
+          </a:p>
+        </p:txBody>
+      </p:sp>
+      <p:sp>
+        <p:nvSpPr>
+          <p:cNvPr id="43" name="TextBox 42">
+            <a:extLst>
+              <a:ext uri="{FF2B5EF4-FFF2-40B4-BE49-F238E27FC236}">
+                <a16:creationId xmlns:a16="http://schemas.microsoft.com/office/drawing/2014/main" id="{62124534-E43D-35F4-D26B-33C6354F066B}"/>
+              </a:ext>
+            </a:extLst>
+          </p:cNvPr>
+          <p:cNvSpPr txBox="1"/>
+          <p:nvPr/>
+        </p:nvSpPr>
+        <p:spPr>
+          <a:xfrm>
+            <a:off x="3785367" y="1853846"/>
+            <a:ext cx="653119" cy="307777"/>
+          </a:xfrm>
+          <a:prstGeom prst="rect">
+            <a:avLst/>
+          </a:prstGeom>
+          <a:noFill/>
+        </p:spPr>
+        <p:txBody>
+          <a:bodyPr wrap="square" rtlCol="0">
+            <a:spAutoFit/>
+          </a:bodyPr>
+          <a:lstStyle/>
+          <a:p>
+            <a:r>
+              <a:rPr lang="en-GB" sz="1400" b="1" dirty="0"/>
+              <a:t>100%</a:t>
+            </a:r>
+          </a:p>
+        </p:txBody>
+      </p:sp>
+      <p:sp>
+        <p:nvSpPr>
+          <p:cNvPr id="44" name="Rectangle 43">
+            <a:extLst>
+              <a:ext uri="{FF2B5EF4-FFF2-40B4-BE49-F238E27FC236}">
+                <a16:creationId xmlns:a16="http://schemas.microsoft.com/office/drawing/2014/main" id="{7156F24D-07B4-3AAE-D5FF-8196BEC680E1}"/>
+              </a:ext>
+            </a:extLst>
+          </p:cNvPr>
+          <p:cNvSpPr/>
+          <p:nvPr/>
+        </p:nvSpPr>
+        <p:spPr>
+          <a:xfrm>
+            <a:off x="2698750" y="2185410"/>
+            <a:ext cx="2683399" cy="1184468"/>
+          </a:xfrm>
+          <a:prstGeom prst="rect">
+            <a:avLst/>
+          </a:prstGeom>
+          <a:noFill/>
+          <a:ln>
+            <a:solidFill>
+              <a:schemeClr val="tx1"/>
+            </a:solidFill>
+          </a:ln>
+        </p:spPr>
+        <p:style>
+          <a:lnRef idx="2">
+            <a:schemeClr val="accent1">
+              <a:shade val="15000"/>
+            </a:schemeClr>
+          </a:lnRef>
+          <a:fillRef idx="1">
+            <a:schemeClr val="accent1"/>
+          </a:fillRef>
+          <a:effectRef idx="0">
+            <a:schemeClr val="accent1"/>
+          </a:effectRef>
+          <a:fontRef idx="minor">
+            <a:schemeClr val="lt1"/>
+          </a:fontRef>
+        </p:style>
+        <p:txBody>
+          <a:bodyPr rtlCol="0" anchor="ctr"/>
+          <a:lstStyle/>
+          <a:p>
+            <a:pPr algn="ctr"/>
+            <a:endParaRPr lang="en-GB"/>
+          </a:p>
+        </p:txBody>
+      </p:sp>
+      <p:sp>
+        <p:nvSpPr>
+          <p:cNvPr id="45" name="TextBox 44">
+            <a:extLst>
+              <a:ext uri="{FF2B5EF4-FFF2-40B4-BE49-F238E27FC236}">
+                <a16:creationId xmlns:a16="http://schemas.microsoft.com/office/drawing/2014/main" id="{E2F1FDDA-7779-46DC-6ECF-DF8E34F75DF5}"/>
+              </a:ext>
+            </a:extLst>
+          </p:cNvPr>
+          <p:cNvSpPr txBox="1"/>
+          <p:nvPr/>
+        </p:nvSpPr>
+        <p:spPr>
+          <a:xfrm>
+            <a:off x="4729975" y="3496292"/>
+            <a:ext cx="653119" cy="307777"/>
+          </a:xfrm>
+          <a:prstGeom prst="rect">
+            <a:avLst/>
+          </a:prstGeom>
+          <a:noFill/>
+        </p:spPr>
+        <p:txBody>
+          <a:bodyPr wrap="square" rtlCol="0">
+            <a:spAutoFit/>
+          </a:bodyPr>
+          <a:lstStyle/>
+          <a:p>
+            <a:r>
+              <a:rPr lang="en-GB" sz="1400" b="1" dirty="0"/>
+              <a:t>100%</a:t>
+            </a:r>
+          </a:p>
+        </p:txBody>
+      </p:sp>
+      <p:sp>
+        <p:nvSpPr>
+          <p:cNvPr id="46" name="Rectangle 45">
+            <a:extLst>
+              <a:ext uri="{FF2B5EF4-FFF2-40B4-BE49-F238E27FC236}">
+                <a16:creationId xmlns:a16="http://schemas.microsoft.com/office/drawing/2014/main" id="{ABBB29FA-2547-7E7B-EE9D-449E377D6B6A}"/>
+              </a:ext>
+            </a:extLst>
+          </p:cNvPr>
+          <p:cNvSpPr/>
+          <p:nvPr/>
+        </p:nvSpPr>
+        <p:spPr>
+          <a:xfrm>
+            <a:off x="2698750" y="3859624"/>
+            <a:ext cx="4679012" cy="1184468"/>
+          </a:xfrm>
+          <a:prstGeom prst="rect">
+            <a:avLst/>
+          </a:prstGeom>
+          <a:noFill/>
+          <a:ln>
+            <a:solidFill>
+              <a:schemeClr val="tx1"/>
+            </a:solidFill>
+          </a:ln>
+        </p:spPr>
+        <p:style>
+          <a:lnRef idx="2">
+            <a:schemeClr val="accent1">
+              <a:shade val="15000"/>
+            </a:schemeClr>
+          </a:lnRef>
+          <a:fillRef idx="1">
+            <a:schemeClr val="accent1"/>
+          </a:fillRef>
+          <a:effectRef idx="0">
+            <a:schemeClr val="accent1"/>
+          </a:effectRef>
+          <a:fontRef idx="minor">
+            <a:schemeClr val="lt1"/>
+          </a:fontRef>
+        </p:style>
+        <p:txBody>
+          <a:bodyPr rtlCol="0" anchor="ctr"/>
+          <a:lstStyle/>
+          <a:p>
+            <a:pPr algn="ctr"/>
+            <a:endParaRPr lang="en-GB"/>
+          </a:p>
+        </p:txBody>
+      </p:sp>
+      <p:sp>
+        <p:nvSpPr>
+          <p:cNvPr id="47" name="TextBox 46">
+            <a:extLst>
+              <a:ext uri="{FF2B5EF4-FFF2-40B4-BE49-F238E27FC236}">
+                <a16:creationId xmlns:a16="http://schemas.microsoft.com/office/drawing/2014/main" id="{00B77318-047F-530B-FD2E-C0F2B4848BE2}"/>
+              </a:ext>
+            </a:extLst>
+          </p:cNvPr>
+          <p:cNvSpPr txBox="1"/>
+          <p:nvPr/>
+        </p:nvSpPr>
+        <p:spPr>
+          <a:xfrm>
+            <a:off x="3785367" y="5169015"/>
+            <a:ext cx="653119" cy="307777"/>
+          </a:xfrm>
+          <a:prstGeom prst="rect">
+            <a:avLst/>
+          </a:prstGeom>
+          <a:noFill/>
+        </p:spPr>
+        <p:txBody>
+          <a:bodyPr wrap="square" rtlCol="0">
+            <a:spAutoFit/>
+          </a:bodyPr>
+          <a:lstStyle/>
+          <a:p>
+            <a:r>
+              <a:rPr lang="en-GB" sz="1400" b="1" dirty="0"/>
+              <a:t>100%</a:t>
+            </a:r>
+          </a:p>
+        </p:txBody>
+      </p:sp>
+      <p:sp>
+        <p:nvSpPr>
+          <p:cNvPr id="48" name="Rectangle 47">
+            <a:extLst>
+              <a:ext uri="{FF2B5EF4-FFF2-40B4-BE49-F238E27FC236}">
+                <a16:creationId xmlns:a16="http://schemas.microsoft.com/office/drawing/2014/main" id="{BA0BEAAD-336B-D169-01D9-63E8055D937A}"/>
+              </a:ext>
+            </a:extLst>
+          </p:cNvPr>
+          <p:cNvSpPr/>
+          <p:nvPr/>
+        </p:nvSpPr>
+        <p:spPr>
+          <a:xfrm>
+            <a:off x="2698750" y="5560600"/>
+            <a:ext cx="2684345" cy="1184468"/>
+          </a:xfrm>
+          <a:prstGeom prst="rect">
+            <a:avLst/>
+          </a:prstGeom>
+          <a:noFill/>
+          <a:ln>
+            <a:solidFill>
+              <a:schemeClr val="tx1"/>
+            </a:solidFill>
+          </a:ln>
+        </p:spPr>
+        <p:style>
+          <a:lnRef idx="2">
+            <a:schemeClr val="accent1">
+              <a:shade val="15000"/>
+            </a:schemeClr>
+          </a:lnRef>
+          <a:fillRef idx="1">
+            <a:schemeClr val="accent1"/>
+          </a:fillRef>
+          <a:effectRef idx="0">
+            <a:schemeClr val="accent1"/>
+          </a:effectRef>
+          <a:fontRef idx="minor">
+            <a:schemeClr val="lt1"/>
+          </a:fontRef>
+        </p:style>
+        <p:txBody>
+          <a:bodyPr rtlCol="0" anchor="ctr"/>
+          <a:lstStyle/>
+          <a:p>
+            <a:pPr algn="ctr"/>
+            <a:endParaRPr lang="en-GB"/>
+          </a:p>
+        </p:txBody>
+      </p:sp>
+      <p:sp>
+        <p:nvSpPr>
+          <p:cNvPr id="57" name="Rectangle 56">
+            <a:extLst>
+              <a:ext uri="{FF2B5EF4-FFF2-40B4-BE49-F238E27FC236}">
+                <a16:creationId xmlns:a16="http://schemas.microsoft.com/office/drawing/2014/main" id="{7C52358D-32EA-9F32-4594-0FD8BC1DC24F}"/>
+              </a:ext>
+            </a:extLst>
+          </p:cNvPr>
+          <p:cNvSpPr/>
+          <p:nvPr/>
+        </p:nvSpPr>
+        <p:spPr>
+          <a:xfrm>
+            <a:off x="8672933" y="273489"/>
+            <a:ext cx="591717" cy="570665"/>
+          </a:xfrm>
+          <a:prstGeom prst="rect">
+            <a:avLst/>
+          </a:prstGeom>
+          <a:noFill/>
+          <a:ln>
+            <a:solidFill>
+              <a:schemeClr val="tx1"/>
+            </a:solidFill>
+          </a:ln>
+        </p:spPr>
+        <p:style>
+          <a:lnRef idx="2">
+            <a:schemeClr val="accent1">
+              <a:shade val="15000"/>
+            </a:schemeClr>
+          </a:lnRef>
+          <a:fillRef idx="1">
+            <a:schemeClr val="accent1"/>
+          </a:fillRef>
+          <a:effectRef idx="0">
+            <a:schemeClr val="accent1"/>
+          </a:effectRef>
+          <a:fontRef idx="minor">
+            <a:schemeClr val="lt1"/>
+          </a:fontRef>
+        </p:style>
+        <p:txBody>
+          <a:bodyPr rtlCol="0" anchor="ctr"/>
+          <a:lstStyle/>
+          <a:p>
+            <a:pPr algn="ctr"/>
+            <a:endParaRPr lang="en-GB"/>
+          </a:p>
+        </p:txBody>
+      </p:sp>
+      <p:sp>
+        <p:nvSpPr>
+          <p:cNvPr id="58" name="TextBox 57">
+            <a:extLst>
+              <a:ext uri="{FF2B5EF4-FFF2-40B4-BE49-F238E27FC236}">
+                <a16:creationId xmlns:a16="http://schemas.microsoft.com/office/drawing/2014/main" id="{025AEB19-1706-6727-1B37-7381965447DA}"/>
+              </a:ext>
+            </a:extLst>
+          </p:cNvPr>
+          <p:cNvSpPr txBox="1"/>
+          <p:nvPr/>
+        </p:nvSpPr>
+        <p:spPr>
+          <a:xfrm>
+            <a:off x="9355682" y="373280"/>
+            <a:ext cx="2590800" cy="369332"/>
+          </a:xfrm>
+          <a:prstGeom prst="rect">
+            <a:avLst/>
+          </a:prstGeom>
+          <a:noFill/>
+        </p:spPr>
+        <p:txBody>
+          <a:bodyPr wrap="square" rtlCol="0">
+            <a:spAutoFit/>
+          </a:bodyPr>
+          <a:lstStyle/>
+          <a:p>
+            <a:r>
+              <a:rPr lang="en-GB" dirty="0"/>
+              <a:t>= Individual Group</a:t>
+            </a:r>
+          </a:p>
+        </p:txBody>
+      </p:sp>
+      <p:sp>
+        <p:nvSpPr>
+          <p:cNvPr id="59" name="TextBox 58">
+            <a:extLst>
+              <a:ext uri="{FF2B5EF4-FFF2-40B4-BE49-F238E27FC236}">
+                <a16:creationId xmlns:a16="http://schemas.microsoft.com/office/drawing/2014/main" id="{F78CCB45-0FF2-F7F3-6AEA-09E94B6762C0}"/>
+              </a:ext>
+            </a:extLst>
+          </p:cNvPr>
+          <p:cNvSpPr txBox="1"/>
+          <p:nvPr/>
+        </p:nvSpPr>
+        <p:spPr>
+          <a:xfrm>
+            <a:off x="174385" y="188614"/>
+            <a:ext cx="1435100" cy="923330"/>
+          </a:xfrm>
+          <a:prstGeom prst="rect">
+            <a:avLst/>
+          </a:prstGeom>
+          <a:noFill/>
+        </p:spPr>
+        <p:txBody>
+          <a:bodyPr wrap="square" rtlCol="0">
+            <a:spAutoFit/>
+          </a:bodyPr>
+          <a:lstStyle/>
+          <a:p>
+            <a:r>
+              <a:rPr lang="en-GB" dirty="0"/>
+              <a:t>Palette 1</a:t>
+            </a:r>
+          </a:p>
+          <a:p>
+            <a:endParaRPr lang="en-GB" dirty="0"/>
+          </a:p>
+          <a:p>
+            <a:r>
+              <a:rPr lang="en-GB" dirty="0"/>
+              <a:t>Density: 25</a:t>
+            </a:r>
+          </a:p>
+        </p:txBody>
+      </p:sp>
+      <p:sp>
+        <p:nvSpPr>
+          <p:cNvPr id="60" name="TextBox 59">
+            <a:extLst>
+              <a:ext uri="{FF2B5EF4-FFF2-40B4-BE49-F238E27FC236}">
+                <a16:creationId xmlns:a16="http://schemas.microsoft.com/office/drawing/2014/main" id="{98D69543-98FA-9D05-FA8B-6E2D2B73DC58}"/>
+              </a:ext>
+            </a:extLst>
+          </p:cNvPr>
+          <p:cNvSpPr txBox="1"/>
+          <p:nvPr/>
+        </p:nvSpPr>
+        <p:spPr>
+          <a:xfrm>
+            <a:off x="111646" y="1877713"/>
+            <a:ext cx="1435100" cy="923330"/>
+          </a:xfrm>
+          <a:prstGeom prst="rect">
+            <a:avLst/>
+          </a:prstGeom>
+          <a:noFill/>
+        </p:spPr>
+        <p:txBody>
+          <a:bodyPr wrap="square" rtlCol="0">
+            <a:spAutoFit/>
+          </a:bodyPr>
+          <a:lstStyle/>
+          <a:p>
+            <a:r>
+              <a:rPr lang="en-GB" dirty="0"/>
+              <a:t>Palette 2</a:t>
+            </a:r>
+          </a:p>
+          <a:p>
+            <a:endParaRPr lang="en-GB" dirty="0"/>
+          </a:p>
+          <a:p>
+            <a:r>
+              <a:rPr lang="en-GB" dirty="0"/>
+              <a:t>Density: 50</a:t>
+            </a:r>
+          </a:p>
+        </p:txBody>
+      </p:sp>
+      <p:sp>
+        <p:nvSpPr>
+          <p:cNvPr id="61" name="TextBox 60">
+            <a:extLst>
+              <a:ext uri="{FF2B5EF4-FFF2-40B4-BE49-F238E27FC236}">
+                <a16:creationId xmlns:a16="http://schemas.microsoft.com/office/drawing/2014/main" id="{2E39D29A-F44D-D6AE-8172-F3FCEE6EA930}"/>
+              </a:ext>
+            </a:extLst>
+          </p:cNvPr>
+          <p:cNvSpPr txBox="1"/>
+          <p:nvPr/>
+        </p:nvSpPr>
+        <p:spPr>
+          <a:xfrm>
+            <a:off x="174385" y="3568759"/>
+            <a:ext cx="1435100" cy="923330"/>
+          </a:xfrm>
+          <a:prstGeom prst="rect">
+            <a:avLst/>
+          </a:prstGeom>
+          <a:noFill/>
+        </p:spPr>
+        <p:txBody>
+          <a:bodyPr wrap="square" rtlCol="0">
+            <a:spAutoFit/>
+          </a:bodyPr>
+          <a:lstStyle/>
+          <a:p>
+            <a:r>
+              <a:rPr lang="en-GB" dirty="0"/>
+              <a:t>Palette 3</a:t>
+            </a:r>
+          </a:p>
+          <a:p>
+            <a:endParaRPr lang="en-GB" dirty="0"/>
+          </a:p>
+          <a:p>
+            <a:r>
+              <a:rPr lang="en-GB" dirty="0"/>
+              <a:t>Density: 50</a:t>
+            </a:r>
+          </a:p>
+        </p:txBody>
+      </p:sp>
+      <p:sp>
+        <p:nvSpPr>
+          <p:cNvPr id="62" name="TextBox 61">
+            <a:extLst>
+              <a:ext uri="{FF2B5EF4-FFF2-40B4-BE49-F238E27FC236}">
+                <a16:creationId xmlns:a16="http://schemas.microsoft.com/office/drawing/2014/main" id="{D2131F5F-9469-7523-74AD-873394A4B489}"/>
+              </a:ext>
+            </a:extLst>
+          </p:cNvPr>
+          <p:cNvSpPr txBox="1"/>
+          <p:nvPr/>
+        </p:nvSpPr>
+        <p:spPr>
+          <a:xfrm>
+            <a:off x="174385" y="5245158"/>
+            <a:ext cx="1435100" cy="923330"/>
+          </a:xfrm>
+          <a:prstGeom prst="rect">
+            <a:avLst/>
+          </a:prstGeom>
+          <a:noFill/>
+        </p:spPr>
+        <p:txBody>
+          <a:bodyPr wrap="square" rtlCol="0">
+            <a:spAutoFit/>
+          </a:bodyPr>
+          <a:lstStyle/>
+          <a:p>
+            <a:r>
+              <a:rPr lang="en-GB" dirty="0"/>
+              <a:t>Palette 4</a:t>
+            </a:r>
+          </a:p>
+          <a:p>
+            <a:endParaRPr lang="en-GB" dirty="0"/>
+          </a:p>
+          <a:p>
+            <a:r>
+              <a:rPr lang="en-GB" dirty="0"/>
+              <a:t>Density: 33</a:t>
+            </a:r>
+          </a:p>
+        </p:txBody>
+      </p:sp>
+      <p:sp>
+        <p:nvSpPr>
+          <p:cNvPr id="63" name="TextBox 62">
+            <a:extLst>
+              <a:ext uri="{FF2B5EF4-FFF2-40B4-BE49-F238E27FC236}">
+                <a16:creationId xmlns:a16="http://schemas.microsoft.com/office/drawing/2014/main" id="{A5D0A326-223F-391F-E943-1DCA9822D04A}"/>
+              </a:ext>
+            </a:extLst>
+          </p:cNvPr>
+          <p:cNvSpPr txBox="1"/>
+          <p:nvPr/>
+        </p:nvSpPr>
+        <p:spPr>
+          <a:xfrm>
+            <a:off x="8672933" y="978872"/>
+            <a:ext cx="3273549" cy="369332"/>
+          </a:xfrm>
+          <a:prstGeom prst="rect">
+            <a:avLst/>
+          </a:prstGeom>
+          <a:noFill/>
+        </p:spPr>
+        <p:txBody>
+          <a:bodyPr wrap="square" rtlCol="0">
+            <a:spAutoFit/>
+          </a:bodyPr>
+          <a:lstStyle/>
+          <a:p>
+            <a:r>
+              <a:rPr lang="en-GB" b="1" dirty="0"/>
+              <a:t>Bold    </a:t>
+            </a:r>
+            <a:r>
+              <a:rPr lang="en-GB" dirty="0"/>
+              <a:t>= Group Weighting</a:t>
+            </a:r>
+          </a:p>
+        </p:txBody>
+      </p:sp>
     </p:spTree>
     <p:extLst>
       <p:ext uri="{BB962C8B-B14F-4D97-AF65-F5344CB8AC3E}">

--- a/PaletteInstructions.pptx
+++ b/PaletteInstructions.pptx
@@ -261,7 +261,7 @@
           <a:p>
             <a:fld id="{2D5F75EA-5DA0-4839-9D7D-A0FA68C3529A}" type="datetimeFigureOut">
               <a:rPr lang="en-GB" smtClean="0"/>
-              <a:t>11/01/2026</a:t>
+              <a:t>12/01/2026</a:t>
             </a:fld>
             <a:endParaRPr lang="en-GB"/>
           </a:p>
@@ -461,7 +461,7 @@
           <a:p>
             <a:fld id="{2D5F75EA-5DA0-4839-9D7D-A0FA68C3529A}" type="datetimeFigureOut">
               <a:rPr lang="en-GB" smtClean="0"/>
-              <a:t>11/01/2026</a:t>
+              <a:t>12/01/2026</a:t>
             </a:fld>
             <a:endParaRPr lang="en-GB"/>
           </a:p>
@@ -671,7 +671,7 @@
           <a:p>
             <a:fld id="{2D5F75EA-5DA0-4839-9D7D-A0FA68C3529A}" type="datetimeFigureOut">
               <a:rPr lang="en-GB" smtClean="0"/>
-              <a:t>11/01/2026</a:t>
+              <a:t>12/01/2026</a:t>
             </a:fld>
             <a:endParaRPr lang="en-GB"/>
           </a:p>
@@ -871,7 +871,7 @@
           <a:p>
             <a:fld id="{2D5F75EA-5DA0-4839-9D7D-A0FA68C3529A}" type="datetimeFigureOut">
               <a:rPr lang="en-GB" smtClean="0"/>
-              <a:t>11/01/2026</a:t>
+              <a:t>12/01/2026</a:t>
             </a:fld>
             <a:endParaRPr lang="en-GB"/>
           </a:p>
@@ -1147,7 +1147,7 @@
           <a:p>
             <a:fld id="{2D5F75EA-5DA0-4839-9D7D-A0FA68C3529A}" type="datetimeFigureOut">
               <a:rPr lang="en-GB" smtClean="0"/>
-              <a:t>11/01/2026</a:t>
+              <a:t>12/01/2026</a:t>
             </a:fld>
             <a:endParaRPr lang="en-GB"/>
           </a:p>
@@ -1415,7 +1415,7 @@
           <a:p>
             <a:fld id="{2D5F75EA-5DA0-4839-9D7D-A0FA68C3529A}" type="datetimeFigureOut">
               <a:rPr lang="en-GB" smtClean="0"/>
-              <a:t>11/01/2026</a:t>
+              <a:t>12/01/2026</a:t>
             </a:fld>
             <a:endParaRPr lang="en-GB"/>
           </a:p>
@@ -1830,7 +1830,7 @@
           <a:p>
             <a:fld id="{2D5F75EA-5DA0-4839-9D7D-A0FA68C3529A}" type="datetimeFigureOut">
               <a:rPr lang="en-GB" smtClean="0"/>
-              <a:t>11/01/2026</a:t>
+              <a:t>12/01/2026</a:t>
             </a:fld>
             <a:endParaRPr lang="en-GB"/>
           </a:p>
@@ -1972,7 +1972,7 @@
           <a:p>
             <a:fld id="{2D5F75EA-5DA0-4839-9D7D-A0FA68C3529A}" type="datetimeFigureOut">
               <a:rPr lang="en-GB" smtClean="0"/>
-              <a:t>11/01/2026</a:t>
+              <a:t>12/01/2026</a:t>
             </a:fld>
             <a:endParaRPr lang="en-GB"/>
           </a:p>
@@ -2085,7 +2085,7 @@
           <a:p>
             <a:fld id="{2D5F75EA-5DA0-4839-9D7D-A0FA68C3529A}" type="datetimeFigureOut">
               <a:rPr lang="en-GB" smtClean="0"/>
-              <a:t>11/01/2026</a:t>
+              <a:t>12/01/2026</a:t>
             </a:fld>
             <a:endParaRPr lang="en-GB"/>
           </a:p>
@@ -2398,7 +2398,7 @@
           <a:p>
             <a:fld id="{2D5F75EA-5DA0-4839-9D7D-A0FA68C3529A}" type="datetimeFigureOut">
               <a:rPr lang="en-GB" smtClean="0"/>
-              <a:t>11/01/2026</a:t>
+              <a:t>12/01/2026</a:t>
             </a:fld>
             <a:endParaRPr lang="en-GB"/>
           </a:p>
@@ -2687,7 +2687,7 @@
           <a:p>
             <a:fld id="{2D5F75EA-5DA0-4839-9D7D-A0FA68C3529A}" type="datetimeFigureOut">
               <a:rPr lang="en-GB" smtClean="0"/>
-              <a:t>11/01/2026</a:t>
+              <a:t>12/01/2026</a:t>
             </a:fld>
             <a:endParaRPr lang="en-GB"/>
           </a:p>
@@ -2930,7 +2930,7 @@
           <a:p>
             <a:fld id="{2D5F75EA-5DA0-4839-9D7D-A0FA68C3529A}" type="datetimeFigureOut">
               <a:rPr lang="en-GB" smtClean="0"/>
-              <a:t>11/01/2026</a:t>
+              <a:t>12/01/2026</a:t>
             </a:fld>
             <a:endParaRPr lang="en-GB"/>
           </a:p>
@@ -4982,6 +4982,67 @@
             <a:r>
               <a:rPr lang="en-GB" dirty="0"/>
               <a:t>= Group Weighting</a:t>
+            </a:r>
+          </a:p>
+        </p:txBody>
+      </p:sp>
+      <p:sp>
+        <p:nvSpPr>
+          <p:cNvPr id="2" name="TextBox 1">
+            <a:extLst>
+              <a:ext uri="{FF2B5EF4-FFF2-40B4-BE49-F238E27FC236}">
+                <a16:creationId xmlns:a16="http://schemas.microsoft.com/office/drawing/2014/main" id="{C17A49C7-27F7-5264-9AAA-5DF7B36CA60B}"/>
+              </a:ext>
+            </a:extLst>
+          </p:cNvPr>
+          <p:cNvSpPr txBox="1"/>
+          <p:nvPr/>
+        </p:nvSpPr>
+        <p:spPr>
+          <a:xfrm>
+            <a:off x="8333362" y="1684642"/>
+            <a:ext cx="3684253" cy="3139321"/>
+          </a:xfrm>
+          <a:prstGeom prst="rect">
+            <a:avLst/>
+          </a:prstGeom>
+          <a:noFill/>
+        </p:spPr>
+        <p:txBody>
+          <a:bodyPr wrap="square" rtlCol="0">
+            <a:spAutoFit/>
+          </a:bodyPr>
+          <a:lstStyle/>
+          <a:p>
+            <a:r>
+              <a:rPr lang="en-GB" dirty="0"/>
+              <a:t>Please use a muted screen recorder e.g. </a:t>
+            </a:r>
+            <a:r>
+              <a:rPr lang="en-GB" dirty="0" err="1"/>
+              <a:t>shareX</a:t>
+            </a:r>
+            <a:r>
+              <a:rPr lang="en-GB" dirty="0"/>
+              <a:t> or muted OBS to record painting each unity scene with each tool.</a:t>
+            </a:r>
+          </a:p>
+          <a:p>
+            <a:endParaRPr lang="en-GB" dirty="0"/>
+          </a:p>
+          <a:p>
+            <a:r>
+              <a:rPr lang="en-GB" dirty="0"/>
+              <a:t>1 recording per tool, painting all 3 scenes within that recording.</a:t>
+            </a:r>
+          </a:p>
+          <a:p>
+            <a:endParaRPr lang="en-GB" dirty="0"/>
+          </a:p>
+          <a:p>
+            <a:r>
+              <a:rPr lang="en-GB" dirty="0"/>
+              <a:t>Note: Don’t worry about time taken or file size, the limit per recording is 1GB.</a:t>
             </a:r>
           </a:p>
         </p:txBody>

--- a/PaletteInstructions.pptx
+++ b/PaletteInstructions.pptx
@@ -261,7 +261,7 @@
           <a:p>
             <a:fld id="{2D5F75EA-5DA0-4839-9D7D-A0FA68C3529A}" type="datetimeFigureOut">
               <a:rPr lang="en-GB" smtClean="0"/>
-              <a:t>12/01/2026</a:t>
+              <a:t>16/01/2026</a:t>
             </a:fld>
             <a:endParaRPr lang="en-GB"/>
           </a:p>
@@ -461,7 +461,7 @@
           <a:p>
             <a:fld id="{2D5F75EA-5DA0-4839-9D7D-A0FA68C3529A}" type="datetimeFigureOut">
               <a:rPr lang="en-GB" smtClean="0"/>
-              <a:t>12/01/2026</a:t>
+              <a:t>16/01/2026</a:t>
             </a:fld>
             <a:endParaRPr lang="en-GB"/>
           </a:p>
@@ -671,7 +671,7 @@
           <a:p>
             <a:fld id="{2D5F75EA-5DA0-4839-9D7D-A0FA68C3529A}" type="datetimeFigureOut">
               <a:rPr lang="en-GB" smtClean="0"/>
-              <a:t>12/01/2026</a:t>
+              <a:t>16/01/2026</a:t>
             </a:fld>
             <a:endParaRPr lang="en-GB"/>
           </a:p>
@@ -871,7 +871,7 @@
           <a:p>
             <a:fld id="{2D5F75EA-5DA0-4839-9D7D-A0FA68C3529A}" type="datetimeFigureOut">
               <a:rPr lang="en-GB" smtClean="0"/>
-              <a:t>12/01/2026</a:t>
+              <a:t>16/01/2026</a:t>
             </a:fld>
             <a:endParaRPr lang="en-GB"/>
           </a:p>
@@ -1147,7 +1147,7 @@
           <a:p>
             <a:fld id="{2D5F75EA-5DA0-4839-9D7D-A0FA68C3529A}" type="datetimeFigureOut">
               <a:rPr lang="en-GB" smtClean="0"/>
-              <a:t>12/01/2026</a:t>
+              <a:t>16/01/2026</a:t>
             </a:fld>
             <a:endParaRPr lang="en-GB"/>
           </a:p>
@@ -1415,7 +1415,7 @@
           <a:p>
             <a:fld id="{2D5F75EA-5DA0-4839-9D7D-A0FA68C3529A}" type="datetimeFigureOut">
               <a:rPr lang="en-GB" smtClean="0"/>
-              <a:t>12/01/2026</a:t>
+              <a:t>16/01/2026</a:t>
             </a:fld>
             <a:endParaRPr lang="en-GB"/>
           </a:p>
@@ -1830,7 +1830,7 @@
           <a:p>
             <a:fld id="{2D5F75EA-5DA0-4839-9D7D-A0FA68C3529A}" type="datetimeFigureOut">
               <a:rPr lang="en-GB" smtClean="0"/>
-              <a:t>12/01/2026</a:t>
+              <a:t>16/01/2026</a:t>
             </a:fld>
             <a:endParaRPr lang="en-GB"/>
           </a:p>
@@ -1972,7 +1972,7 @@
           <a:p>
             <a:fld id="{2D5F75EA-5DA0-4839-9D7D-A0FA68C3529A}" type="datetimeFigureOut">
               <a:rPr lang="en-GB" smtClean="0"/>
-              <a:t>12/01/2026</a:t>
+              <a:t>16/01/2026</a:t>
             </a:fld>
             <a:endParaRPr lang="en-GB"/>
           </a:p>
@@ -2085,7 +2085,7 @@
           <a:p>
             <a:fld id="{2D5F75EA-5DA0-4839-9D7D-A0FA68C3529A}" type="datetimeFigureOut">
               <a:rPr lang="en-GB" smtClean="0"/>
-              <a:t>12/01/2026</a:t>
+              <a:t>16/01/2026</a:t>
             </a:fld>
             <a:endParaRPr lang="en-GB"/>
           </a:p>
@@ -2398,7 +2398,7 @@
           <a:p>
             <a:fld id="{2D5F75EA-5DA0-4839-9D7D-A0FA68C3529A}" type="datetimeFigureOut">
               <a:rPr lang="en-GB" smtClean="0"/>
-              <a:t>12/01/2026</a:t>
+              <a:t>16/01/2026</a:t>
             </a:fld>
             <a:endParaRPr lang="en-GB"/>
           </a:p>
@@ -2687,7 +2687,7 @@
           <a:p>
             <a:fld id="{2D5F75EA-5DA0-4839-9D7D-A0FA68C3529A}" type="datetimeFigureOut">
               <a:rPr lang="en-GB" smtClean="0"/>
-              <a:t>12/01/2026</a:t>
+              <a:t>16/01/2026</a:t>
             </a:fld>
             <a:endParaRPr lang="en-GB"/>
           </a:p>
@@ -2930,7 +2930,7 @@
           <a:p>
             <a:fld id="{2D5F75EA-5DA0-4839-9D7D-A0FA68C3529A}" type="datetimeFigureOut">
               <a:rPr lang="en-GB" smtClean="0"/>
-              <a:t>12/01/2026</a:t>
+              <a:t>16/01/2026</a:t>
             </a:fld>
             <a:endParaRPr lang="en-GB"/>
           </a:p>
@@ -3913,7 +3913,7 @@
         </p:nvSpPr>
         <p:spPr>
           <a:xfrm>
-            <a:off x="6614220" y="224737"/>
+            <a:off x="6653611" y="111283"/>
             <a:ext cx="528286" cy="307777"/>
           </a:xfrm>
           <a:prstGeom prst="rect">
@@ -4315,7 +4315,7 @@
         </p:nvSpPr>
         <p:spPr>
           <a:xfrm>
-            <a:off x="3495057" y="149167"/>
+            <a:off x="3583640" y="148986"/>
             <a:ext cx="528286" cy="307777"/>
           </a:xfrm>
           <a:prstGeom prst="rect">
@@ -4786,7 +4786,7 @@
         <p:spPr>
           <a:xfrm>
             <a:off x="174385" y="188614"/>
-            <a:ext cx="1435100" cy="923330"/>
+            <a:ext cx="1435100" cy="1569660"/>
           </a:xfrm>
           <a:prstGeom prst="rect">
             <a:avLst/>
@@ -4801,7 +4801,13 @@
           <a:p>
             <a:r>
               <a:rPr lang="en-GB" dirty="0"/>
-              <a:t>Palette 1</a:t>
+              <a:t>Palette/</a:t>
+            </a:r>
+          </a:p>
+          <a:p>
+            <a:r>
+              <a:rPr lang="en-GB" dirty="0"/>
+              <a:t>Biome 1</a:t>
             </a:r>
           </a:p>
           <a:p>
@@ -4813,6 +4819,12 @@
               <a:t>Density: 25</a:t>
             </a:r>
           </a:p>
+          <a:p>
+            <a:r>
+              <a:rPr lang="en-GB" sz="1050" dirty="0"/>
+              <a:t>(% of biome taken up by objects)</a:t>
+            </a:r>
+          </a:p>
         </p:txBody>
       </p:sp>
       <p:sp>
@@ -4830,7 +4842,7 @@
         <p:spPr>
           <a:xfrm>
             <a:off x="111646" y="1877713"/>
-            <a:ext cx="1435100" cy="923330"/>
+            <a:ext cx="1435100" cy="1200329"/>
           </a:xfrm>
           <a:prstGeom prst="rect">
             <a:avLst/>
@@ -4845,7 +4857,13 @@
           <a:p>
             <a:r>
               <a:rPr lang="en-GB" dirty="0"/>
-              <a:t>Palette 2</a:t>
+              <a:t>Palette /</a:t>
+            </a:r>
+          </a:p>
+          <a:p>
+            <a:r>
+              <a:rPr lang="en-GB" dirty="0"/>
+              <a:t>Biome 2</a:t>
             </a:r>
           </a:p>
           <a:p>
@@ -4874,7 +4892,7 @@
         <p:spPr>
           <a:xfrm>
             <a:off x="174385" y="3568759"/>
-            <a:ext cx="1435100" cy="923330"/>
+            <a:ext cx="1435100" cy="1200329"/>
           </a:xfrm>
           <a:prstGeom prst="rect">
             <a:avLst/>
@@ -4889,7 +4907,13 @@
           <a:p>
             <a:r>
               <a:rPr lang="en-GB" dirty="0"/>
-              <a:t>Palette 3</a:t>
+              <a:t>Palette /</a:t>
+            </a:r>
+          </a:p>
+          <a:p>
+            <a:r>
+              <a:rPr lang="en-GB" dirty="0"/>
+              <a:t>Biome 3</a:t>
             </a:r>
           </a:p>
           <a:p>
@@ -4918,7 +4942,7 @@
         <p:spPr>
           <a:xfrm>
             <a:off x="174385" y="5245158"/>
-            <a:ext cx="1435100" cy="923330"/>
+            <a:ext cx="1435100" cy="1200329"/>
           </a:xfrm>
           <a:prstGeom prst="rect">
             <a:avLst/>
@@ -4933,7 +4957,13 @@
           <a:p>
             <a:r>
               <a:rPr lang="en-GB" dirty="0"/>
-              <a:t>Palette 4</a:t>
+              <a:t>Palette /</a:t>
+            </a:r>
+          </a:p>
+          <a:p>
+            <a:r>
+              <a:rPr lang="en-GB" dirty="0"/>
+              <a:t>Biome 4</a:t>
             </a:r>
           </a:p>
           <a:p>
@@ -4962,7 +4992,7 @@
         <p:spPr>
           <a:xfrm>
             <a:off x="8672933" y="978872"/>
-            <a:ext cx="3273549" cy="369332"/>
+            <a:ext cx="3273549" cy="738664"/>
           </a:xfrm>
           <a:prstGeom prst="rect">
             <a:avLst/>
@@ -4981,8 +5011,15 @@
             </a:r>
             <a:r>
               <a:rPr lang="en-GB" dirty="0"/>
-              <a:t>= Group Weighting</a:t>
-            </a:r>
+              <a:t>= Group Weighting </a:t>
+            </a:r>
+          </a:p>
+          <a:p>
+            <a:r>
+              <a:rPr lang="en-GB" sz="1200" dirty="0"/>
+              <a:t>(% chance of object from group being placed when placing an object)</a:t>
+            </a:r>
+            <a:endParaRPr lang="en-GB" dirty="0"/>
           </a:p>
         </p:txBody>
       </p:sp>

--- a/PaletteInstructions.pptx
+++ b/PaletteInstructions.pptx
@@ -6,6 +6,7 @@
   </p:sldMasterIdLst>
   <p:sldIdLst>
     <p:sldId id="256" r:id="rId2"/>
+    <p:sldId id="257" r:id="rId3"/>
   </p:sldIdLst>
   <p:sldSz cx="12192000" cy="6858000"/>
   <p:notesSz cx="6858000" cy="9144000"/>
@@ -261,7 +262,7 @@
           <a:p>
             <a:fld id="{2D5F75EA-5DA0-4839-9D7D-A0FA68C3529A}" type="datetimeFigureOut">
               <a:rPr lang="en-GB" smtClean="0"/>
-              <a:t>16/01/2026</a:t>
+              <a:t>21/01/2026</a:t>
             </a:fld>
             <a:endParaRPr lang="en-GB"/>
           </a:p>
@@ -461,7 +462,7 @@
           <a:p>
             <a:fld id="{2D5F75EA-5DA0-4839-9D7D-A0FA68C3529A}" type="datetimeFigureOut">
               <a:rPr lang="en-GB" smtClean="0"/>
-              <a:t>16/01/2026</a:t>
+              <a:t>21/01/2026</a:t>
             </a:fld>
             <a:endParaRPr lang="en-GB"/>
           </a:p>
@@ -671,7 +672,7 @@
           <a:p>
             <a:fld id="{2D5F75EA-5DA0-4839-9D7D-A0FA68C3529A}" type="datetimeFigureOut">
               <a:rPr lang="en-GB" smtClean="0"/>
-              <a:t>16/01/2026</a:t>
+              <a:t>21/01/2026</a:t>
             </a:fld>
             <a:endParaRPr lang="en-GB"/>
           </a:p>
@@ -871,7 +872,7 @@
           <a:p>
             <a:fld id="{2D5F75EA-5DA0-4839-9D7D-A0FA68C3529A}" type="datetimeFigureOut">
               <a:rPr lang="en-GB" smtClean="0"/>
-              <a:t>16/01/2026</a:t>
+              <a:t>21/01/2026</a:t>
             </a:fld>
             <a:endParaRPr lang="en-GB"/>
           </a:p>
@@ -1147,7 +1148,7 @@
           <a:p>
             <a:fld id="{2D5F75EA-5DA0-4839-9D7D-A0FA68C3529A}" type="datetimeFigureOut">
               <a:rPr lang="en-GB" smtClean="0"/>
-              <a:t>16/01/2026</a:t>
+              <a:t>21/01/2026</a:t>
             </a:fld>
             <a:endParaRPr lang="en-GB"/>
           </a:p>
@@ -1415,7 +1416,7 @@
           <a:p>
             <a:fld id="{2D5F75EA-5DA0-4839-9D7D-A0FA68C3529A}" type="datetimeFigureOut">
               <a:rPr lang="en-GB" smtClean="0"/>
-              <a:t>16/01/2026</a:t>
+              <a:t>21/01/2026</a:t>
             </a:fld>
             <a:endParaRPr lang="en-GB"/>
           </a:p>
@@ -1830,7 +1831,7 @@
           <a:p>
             <a:fld id="{2D5F75EA-5DA0-4839-9D7D-A0FA68C3529A}" type="datetimeFigureOut">
               <a:rPr lang="en-GB" smtClean="0"/>
-              <a:t>16/01/2026</a:t>
+              <a:t>21/01/2026</a:t>
             </a:fld>
             <a:endParaRPr lang="en-GB"/>
           </a:p>
@@ -1972,7 +1973,7 @@
           <a:p>
             <a:fld id="{2D5F75EA-5DA0-4839-9D7D-A0FA68C3529A}" type="datetimeFigureOut">
               <a:rPr lang="en-GB" smtClean="0"/>
-              <a:t>16/01/2026</a:t>
+              <a:t>21/01/2026</a:t>
             </a:fld>
             <a:endParaRPr lang="en-GB"/>
           </a:p>
@@ -2085,7 +2086,7 @@
           <a:p>
             <a:fld id="{2D5F75EA-5DA0-4839-9D7D-A0FA68C3529A}" type="datetimeFigureOut">
               <a:rPr lang="en-GB" smtClean="0"/>
-              <a:t>16/01/2026</a:t>
+              <a:t>21/01/2026</a:t>
             </a:fld>
             <a:endParaRPr lang="en-GB"/>
           </a:p>
@@ -2398,7 +2399,7 @@
           <a:p>
             <a:fld id="{2D5F75EA-5DA0-4839-9D7D-A0FA68C3529A}" type="datetimeFigureOut">
               <a:rPr lang="en-GB" smtClean="0"/>
-              <a:t>16/01/2026</a:t>
+              <a:t>21/01/2026</a:t>
             </a:fld>
             <a:endParaRPr lang="en-GB"/>
           </a:p>
@@ -2687,7 +2688,7 @@
           <a:p>
             <a:fld id="{2D5F75EA-5DA0-4839-9D7D-A0FA68C3529A}" type="datetimeFigureOut">
               <a:rPr lang="en-GB" smtClean="0"/>
-              <a:t>16/01/2026</a:t>
+              <a:t>21/01/2026</a:t>
             </a:fld>
             <a:endParaRPr lang="en-GB"/>
           </a:p>
@@ -2930,7 +2931,7 @@
           <a:p>
             <a:fld id="{2D5F75EA-5DA0-4839-9D7D-A0FA68C3529A}" type="datetimeFigureOut">
               <a:rPr lang="en-GB" smtClean="0"/>
-              <a:t>16/01/2026</a:t>
+              <a:t>21/01/2026</a:t>
             </a:fld>
             <a:endParaRPr lang="en-GB"/>
           </a:p>
@@ -5097,6 +5098,118 @@
 </p:sld>
 </file>
 
+<file path=ppt/slides/slide2.xml><?xml version="1.0" encoding="utf-8"?>
+<p:sld xmlns:a="http://schemas.openxmlformats.org/drawingml/2006/main" xmlns:r="http://schemas.openxmlformats.org/officeDocument/2006/relationships" xmlns:p="http://schemas.openxmlformats.org/presentationml/2006/main">
+  <p:cSld>
+    <p:spTree>
+      <p:nvGrpSpPr>
+        <p:cNvPr id="1" name=""/>
+        <p:cNvGrpSpPr/>
+        <p:nvPr/>
+      </p:nvGrpSpPr>
+      <p:grpSpPr>
+        <a:xfrm>
+          <a:off x="0" y="0"/>
+          <a:ext cx="0" cy="0"/>
+          <a:chOff x="0" y="0"/>
+          <a:chExt cx="0" cy="0"/>
+        </a:xfrm>
+      </p:grpSpPr>
+      <p:sp>
+        <p:nvSpPr>
+          <p:cNvPr id="3" name="Content Placeholder 2">
+            <a:extLst>
+              <a:ext uri="{FF2B5EF4-FFF2-40B4-BE49-F238E27FC236}">
+                <a16:creationId xmlns:a16="http://schemas.microsoft.com/office/drawing/2014/main" id="{053EF046-E325-9BA1-B94B-585349065372}"/>
+              </a:ext>
+            </a:extLst>
+          </p:cNvPr>
+          <p:cNvSpPr>
+            <a:spLocks noGrp="1"/>
+          </p:cNvSpPr>
+          <p:nvPr>
+            <p:ph idx="1"/>
+          </p:nvPr>
+        </p:nvSpPr>
+        <p:spPr>
+          <a:xfrm>
+            <a:off x="911352" y="1057529"/>
+            <a:ext cx="10515600" cy="4351338"/>
+          </a:xfrm>
+        </p:spPr>
+        <p:txBody>
+          <a:bodyPr>
+            <a:normAutofit/>
+          </a:bodyPr>
+          <a:lstStyle/>
+          <a:p>
+            <a:r>
+              <a:rPr lang="en-GB" dirty="0"/>
+              <a:t>T1 - stones random</a:t>
+            </a:r>
+          </a:p>
+          <a:p>
+            <a:r>
+              <a:rPr lang="en-GB" dirty="0"/>
+              <a:t>- spacing = density</a:t>
+            </a:r>
+          </a:p>
+          <a:p>
+            <a:endParaRPr lang="en-GB" dirty="0"/>
+          </a:p>
+          <a:p>
+            <a:r>
+              <a:rPr lang="en-GB" dirty="0"/>
+              <a:t>T2 - grid</a:t>
+            </a:r>
+          </a:p>
+          <a:p>
+            <a:r>
+              <a:rPr lang="en-GB" dirty="0"/>
+              <a:t>- place on surface</a:t>
+            </a:r>
+          </a:p>
+          <a:p>
+            <a:r>
+              <a:rPr lang="en-GB" dirty="0"/>
+              <a:t>- high jitter 7 on x and z</a:t>
+            </a:r>
+          </a:p>
+          <a:p>
+            <a:r>
+              <a:rPr lang="en-GB" dirty="0"/>
+              <a:t>- </a:t>
+            </a:r>
+            <a:r>
+              <a:rPr lang="en-GB" dirty="0" err="1"/>
+              <a:t>countment</a:t>
+            </a:r>
+            <a:r>
+              <a:rPr lang="en-GB" dirty="0"/>
+              <a:t> should be delta / distance – 3 &amp; 3</a:t>
+            </a:r>
+          </a:p>
+          <a:p>
+            <a:r>
+              <a:rPr lang="en-GB" dirty="0"/>
+              <a:t>- fill rate for density</a:t>
+            </a:r>
+          </a:p>
+        </p:txBody>
+      </p:sp>
+    </p:spTree>
+    <p:extLst>
+      <p:ext uri="{BB962C8B-B14F-4D97-AF65-F5344CB8AC3E}">
+        <p14:creationId xmlns:p14="http://schemas.microsoft.com/office/powerpoint/2010/main" val="3658050002"/>
+      </p:ext>
+    </p:extLst>
+  </p:cSld>
+  <p:clrMapOvr>
+    <a:masterClrMapping/>
+  </p:clrMapOvr>
+</p:sld>
+</file>
+
 <file path=ppt/theme/theme1.xml><?xml version="1.0" encoding="utf-8"?>
 <a:theme xmlns:a="http://schemas.openxmlformats.org/drawingml/2006/main" name="Office Theme">
   <a:themeElements>

--- a/PaletteInstructions.pptx
+++ b/PaletteInstructions.pptx
@@ -6,6 +6,7 @@
   </p:sldMasterIdLst>
   <p:sldIdLst>
     <p:sldId id="256" r:id="rId2"/>
+    <p:sldId id="257" r:id="rId3"/>
   </p:sldIdLst>
   <p:sldSz cx="12192000" cy="6858000"/>
   <p:notesSz cx="6858000" cy="9144000"/>
@@ -261,7 +262,7 @@
           <a:p>
             <a:fld id="{2D5F75EA-5DA0-4839-9D7D-A0FA68C3529A}" type="datetimeFigureOut">
               <a:rPr lang="en-GB" smtClean="0"/>
-              <a:t>12/01/2026</a:t>
+              <a:t>21/01/2026</a:t>
             </a:fld>
             <a:endParaRPr lang="en-GB"/>
           </a:p>
@@ -461,7 +462,7 @@
           <a:p>
             <a:fld id="{2D5F75EA-5DA0-4839-9D7D-A0FA68C3529A}" type="datetimeFigureOut">
               <a:rPr lang="en-GB" smtClean="0"/>
-              <a:t>12/01/2026</a:t>
+              <a:t>21/01/2026</a:t>
             </a:fld>
             <a:endParaRPr lang="en-GB"/>
           </a:p>
@@ -671,7 +672,7 @@
           <a:p>
             <a:fld id="{2D5F75EA-5DA0-4839-9D7D-A0FA68C3529A}" type="datetimeFigureOut">
               <a:rPr lang="en-GB" smtClean="0"/>
-              <a:t>12/01/2026</a:t>
+              <a:t>21/01/2026</a:t>
             </a:fld>
             <a:endParaRPr lang="en-GB"/>
           </a:p>
@@ -871,7 +872,7 @@
           <a:p>
             <a:fld id="{2D5F75EA-5DA0-4839-9D7D-A0FA68C3529A}" type="datetimeFigureOut">
               <a:rPr lang="en-GB" smtClean="0"/>
-              <a:t>12/01/2026</a:t>
+              <a:t>21/01/2026</a:t>
             </a:fld>
             <a:endParaRPr lang="en-GB"/>
           </a:p>
@@ -1147,7 +1148,7 @@
           <a:p>
             <a:fld id="{2D5F75EA-5DA0-4839-9D7D-A0FA68C3529A}" type="datetimeFigureOut">
               <a:rPr lang="en-GB" smtClean="0"/>
-              <a:t>12/01/2026</a:t>
+              <a:t>21/01/2026</a:t>
             </a:fld>
             <a:endParaRPr lang="en-GB"/>
           </a:p>
@@ -1415,7 +1416,7 @@
           <a:p>
             <a:fld id="{2D5F75EA-5DA0-4839-9D7D-A0FA68C3529A}" type="datetimeFigureOut">
               <a:rPr lang="en-GB" smtClean="0"/>
-              <a:t>12/01/2026</a:t>
+              <a:t>21/01/2026</a:t>
             </a:fld>
             <a:endParaRPr lang="en-GB"/>
           </a:p>
@@ -1830,7 +1831,7 @@
           <a:p>
             <a:fld id="{2D5F75EA-5DA0-4839-9D7D-A0FA68C3529A}" type="datetimeFigureOut">
               <a:rPr lang="en-GB" smtClean="0"/>
-              <a:t>12/01/2026</a:t>
+              <a:t>21/01/2026</a:t>
             </a:fld>
             <a:endParaRPr lang="en-GB"/>
           </a:p>
@@ -1972,7 +1973,7 @@
           <a:p>
             <a:fld id="{2D5F75EA-5DA0-4839-9D7D-A0FA68C3529A}" type="datetimeFigureOut">
               <a:rPr lang="en-GB" smtClean="0"/>
-              <a:t>12/01/2026</a:t>
+              <a:t>21/01/2026</a:t>
             </a:fld>
             <a:endParaRPr lang="en-GB"/>
           </a:p>
@@ -2085,7 +2086,7 @@
           <a:p>
             <a:fld id="{2D5F75EA-5DA0-4839-9D7D-A0FA68C3529A}" type="datetimeFigureOut">
               <a:rPr lang="en-GB" smtClean="0"/>
-              <a:t>12/01/2026</a:t>
+              <a:t>21/01/2026</a:t>
             </a:fld>
             <a:endParaRPr lang="en-GB"/>
           </a:p>
@@ -2398,7 +2399,7 @@
           <a:p>
             <a:fld id="{2D5F75EA-5DA0-4839-9D7D-A0FA68C3529A}" type="datetimeFigureOut">
               <a:rPr lang="en-GB" smtClean="0"/>
-              <a:t>12/01/2026</a:t>
+              <a:t>21/01/2026</a:t>
             </a:fld>
             <a:endParaRPr lang="en-GB"/>
           </a:p>
@@ -2687,7 +2688,7 @@
           <a:p>
             <a:fld id="{2D5F75EA-5DA0-4839-9D7D-A0FA68C3529A}" type="datetimeFigureOut">
               <a:rPr lang="en-GB" smtClean="0"/>
-              <a:t>12/01/2026</a:t>
+              <a:t>21/01/2026</a:t>
             </a:fld>
             <a:endParaRPr lang="en-GB"/>
           </a:p>
@@ -2930,7 +2931,7 @@
           <a:p>
             <a:fld id="{2D5F75EA-5DA0-4839-9D7D-A0FA68C3529A}" type="datetimeFigureOut">
               <a:rPr lang="en-GB" smtClean="0"/>
-              <a:t>12/01/2026</a:t>
+              <a:t>21/01/2026</a:t>
             </a:fld>
             <a:endParaRPr lang="en-GB"/>
           </a:p>
@@ -3913,7 +3914,7 @@
         </p:nvSpPr>
         <p:spPr>
           <a:xfrm>
-            <a:off x="6614220" y="224737"/>
+            <a:off x="6653611" y="111283"/>
             <a:ext cx="528286" cy="307777"/>
           </a:xfrm>
           <a:prstGeom prst="rect">
@@ -4315,7 +4316,7 @@
         </p:nvSpPr>
         <p:spPr>
           <a:xfrm>
-            <a:off x="3495057" y="149167"/>
+            <a:off x="3583640" y="148986"/>
             <a:ext cx="528286" cy="307777"/>
           </a:xfrm>
           <a:prstGeom prst="rect">
@@ -4786,7 +4787,7 @@
         <p:spPr>
           <a:xfrm>
             <a:off x="174385" y="188614"/>
-            <a:ext cx="1435100" cy="923330"/>
+            <a:ext cx="1435100" cy="1569660"/>
           </a:xfrm>
           <a:prstGeom prst="rect">
             <a:avLst/>
@@ -4801,7 +4802,13 @@
           <a:p>
             <a:r>
               <a:rPr lang="en-GB" dirty="0"/>
-              <a:t>Palette 1</a:t>
+              <a:t>Palette/</a:t>
+            </a:r>
+          </a:p>
+          <a:p>
+            <a:r>
+              <a:rPr lang="en-GB" dirty="0"/>
+              <a:t>Biome 1</a:t>
             </a:r>
           </a:p>
           <a:p>
@@ -4813,6 +4820,12 @@
               <a:t>Density: 25</a:t>
             </a:r>
           </a:p>
+          <a:p>
+            <a:r>
+              <a:rPr lang="en-GB" sz="1050" dirty="0"/>
+              <a:t>(% of biome taken up by objects)</a:t>
+            </a:r>
+          </a:p>
         </p:txBody>
       </p:sp>
       <p:sp>
@@ -4830,7 +4843,7 @@
         <p:spPr>
           <a:xfrm>
             <a:off x="111646" y="1877713"/>
-            <a:ext cx="1435100" cy="923330"/>
+            <a:ext cx="1435100" cy="1200329"/>
           </a:xfrm>
           <a:prstGeom prst="rect">
             <a:avLst/>
@@ -4845,7 +4858,13 @@
           <a:p>
             <a:r>
               <a:rPr lang="en-GB" dirty="0"/>
-              <a:t>Palette 2</a:t>
+              <a:t>Palette /</a:t>
+            </a:r>
+          </a:p>
+          <a:p>
+            <a:r>
+              <a:rPr lang="en-GB" dirty="0"/>
+              <a:t>Biome 2</a:t>
             </a:r>
           </a:p>
           <a:p>
@@ -4874,7 +4893,7 @@
         <p:spPr>
           <a:xfrm>
             <a:off x="174385" y="3568759"/>
-            <a:ext cx="1435100" cy="923330"/>
+            <a:ext cx="1435100" cy="1200329"/>
           </a:xfrm>
           <a:prstGeom prst="rect">
             <a:avLst/>
@@ -4889,7 +4908,13 @@
           <a:p>
             <a:r>
               <a:rPr lang="en-GB" dirty="0"/>
-              <a:t>Palette 3</a:t>
+              <a:t>Palette /</a:t>
+            </a:r>
+          </a:p>
+          <a:p>
+            <a:r>
+              <a:rPr lang="en-GB" dirty="0"/>
+              <a:t>Biome 3</a:t>
             </a:r>
           </a:p>
           <a:p>
@@ -4918,7 +4943,7 @@
         <p:spPr>
           <a:xfrm>
             <a:off x="174385" y="5245158"/>
-            <a:ext cx="1435100" cy="923330"/>
+            <a:ext cx="1435100" cy="1200329"/>
           </a:xfrm>
           <a:prstGeom prst="rect">
             <a:avLst/>
@@ -4933,7 +4958,13 @@
           <a:p>
             <a:r>
               <a:rPr lang="en-GB" dirty="0"/>
-              <a:t>Palette 4</a:t>
+              <a:t>Palette /</a:t>
+            </a:r>
+          </a:p>
+          <a:p>
+            <a:r>
+              <a:rPr lang="en-GB" dirty="0"/>
+              <a:t>Biome 4</a:t>
             </a:r>
           </a:p>
           <a:p>
@@ -4962,7 +4993,7 @@
         <p:spPr>
           <a:xfrm>
             <a:off x="8672933" y="978872"/>
-            <a:ext cx="3273549" cy="369332"/>
+            <a:ext cx="3273549" cy="738664"/>
           </a:xfrm>
           <a:prstGeom prst="rect">
             <a:avLst/>
@@ -4981,8 +5012,15 @@
             </a:r>
             <a:r>
               <a:rPr lang="en-GB" dirty="0"/>
-              <a:t>= Group Weighting</a:t>
-            </a:r>
+              <a:t>= Group Weighting </a:t>
+            </a:r>
+          </a:p>
+          <a:p>
+            <a:r>
+              <a:rPr lang="en-GB" sz="1200" dirty="0"/>
+              <a:t>(% chance of object from group being placed when placing an object)</a:t>
+            </a:r>
+            <a:endParaRPr lang="en-GB" dirty="0"/>
           </a:p>
         </p:txBody>
       </p:sp>
@@ -5051,6 +5089,118 @@
     <p:extLst>
       <p:ext uri="{BB962C8B-B14F-4D97-AF65-F5344CB8AC3E}">
         <p14:creationId xmlns:p14="http://schemas.microsoft.com/office/powerpoint/2010/main" val="3541877911"/>
+      </p:ext>
+    </p:extLst>
+  </p:cSld>
+  <p:clrMapOvr>
+    <a:masterClrMapping/>
+  </p:clrMapOvr>
+</p:sld>
+</file>
+
+<file path=ppt/slides/slide2.xml><?xml version="1.0" encoding="utf-8"?>
+<p:sld xmlns:a="http://schemas.openxmlformats.org/drawingml/2006/main" xmlns:r="http://schemas.openxmlformats.org/officeDocument/2006/relationships" xmlns:p="http://schemas.openxmlformats.org/presentationml/2006/main">
+  <p:cSld>
+    <p:spTree>
+      <p:nvGrpSpPr>
+        <p:cNvPr id="1" name=""/>
+        <p:cNvGrpSpPr/>
+        <p:nvPr/>
+      </p:nvGrpSpPr>
+      <p:grpSpPr>
+        <a:xfrm>
+          <a:off x="0" y="0"/>
+          <a:ext cx="0" cy="0"/>
+          <a:chOff x="0" y="0"/>
+          <a:chExt cx="0" cy="0"/>
+        </a:xfrm>
+      </p:grpSpPr>
+      <p:sp>
+        <p:nvSpPr>
+          <p:cNvPr id="3" name="Content Placeholder 2">
+            <a:extLst>
+              <a:ext uri="{FF2B5EF4-FFF2-40B4-BE49-F238E27FC236}">
+                <a16:creationId xmlns:a16="http://schemas.microsoft.com/office/drawing/2014/main" id="{053EF046-E325-9BA1-B94B-585349065372}"/>
+              </a:ext>
+            </a:extLst>
+          </p:cNvPr>
+          <p:cNvSpPr>
+            <a:spLocks noGrp="1"/>
+          </p:cNvSpPr>
+          <p:nvPr>
+            <p:ph idx="1"/>
+          </p:nvPr>
+        </p:nvSpPr>
+        <p:spPr>
+          <a:xfrm>
+            <a:off x="911352" y="1057529"/>
+            <a:ext cx="10515600" cy="4351338"/>
+          </a:xfrm>
+        </p:spPr>
+        <p:txBody>
+          <a:bodyPr>
+            <a:normAutofit/>
+          </a:bodyPr>
+          <a:lstStyle/>
+          <a:p>
+            <a:r>
+              <a:rPr lang="en-GB" dirty="0"/>
+              <a:t>T1 - stones random</a:t>
+            </a:r>
+          </a:p>
+          <a:p>
+            <a:r>
+              <a:rPr lang="en-GB" dirty="0"/>
+              <a:t>- spacing = density</a:t>
+            </a:r>
+          </a:p>
+          <a:p>
+            <a:endParaRPr lang="en-GB" dirty="0"/>
+          </a:p>
+          <a:p>
+            <a:r>
+              <a:rPr lang="en-GB" dirty="0"/>
+              <a:t>T2 - grid</a:t>
+            </a:r>
+          </a:p>
+          <a:p>
+            <a:r>
+              <a:rPr lang="en-GB" dirty="0"/>
+              <a:t>- place on surface</a:t>
+            </a:r>
+          </a:p>
+          <a:p>
+            <a:r>
+              <a:rPr lang="en-GB" dirty="0"/>
+              <a:t>- high jitter 7 on x and z</a:t>
+            </a:r>
+          </a:p>
+          <a:p>
+            <a:r>
+              <a:rPr lang="en-GB" dirty="0"/>
+              <a:t>- </a:t>
+            </a:r>
+            <a:r>
+              <a:rPr lang="en-GB" dirty="0" err="1"/>
+              <a:t>countment</a:t>
+            </a:r>
+            <a:r>
+              <a:rPr lang="en-GB" dirty="0"/>
+              <a:t> should be delta / distance – 3 &amp; 3</a:t>
+            </a:r>
+          </a:p>
+          <a:p>
+            <a:r>
+              <a:rPr lang="en-GB" dirty="0"/>
+              <a:t>- fill rate for density</a:t>
+            </a:r>
+          </a:p>
+        </p:txBody>
+      </p:sp>
+    </p:spTree>
+    <p:extLst>
+      <p:ext uri="{BB962C8B-B14F-4D97-AF65-F5344CB8AC3E}">
+        <p14:creationId xmlns:p14="http://schemas.microsoft.com/office/powerpoint/2010/main" val="3658050002"/>
       </p:ext>
     </p:extLst>
   </p:cSld>

--- a/PaletteInstructions.pptx
+++ b/PaletteInstructions.pptx
@@ -7,6 +7,7 @@
   <p:sldIdLst>
     <p:sldId id="256" r:id="rId2"/>
     <p:sldId id="257" r:id="rId3"/>
+    <p:sldId id="258" r:id="rId4"/>
   </p:sldIdLst>
   <p:sldSz cx="12192000" cy="6858000"/>
   <p:notesSz cx="6858000" cy="9144000"/>
@@ -262,7 +263,7 @@
           <a:p>
             <a:fld id="{2D5F75EA-5DA0-4839-9D7D-A0FA68C3529A}" type="datetimeFigureOut">
               <a:rPr lang="en-GB" smtClean="0"/>
-              <a:t>21/01/2026</a:t>
+              <a:t>23/01/2026</a:t>
             </a:fld>
             <a:endParaRPr lang="en-GB"/>
           </a:p>
@@ -462,7 +463,7 @@
           <a:p>
             <a:fld id="{2D5F75EA-5DA0-4839-9D7D-A0FA68C3529A}" type="datetimeFigureOut">
               <a:rPr lang="en-GB" smtClean="0"/>
-              <a:t>21/01/2026</a:t>
+              <a:t>23/01/2026</a:t>
             </a:fld>
             <a:endParaRPr lang="en-GB"/>
           </a:p>
@@ -672,7 +673,7 @@
           <a:p>
             <a:fld id="{2D5F75EA-5DA0-4839-9D7D-A0FA68C3529A}" type="datetimeFigureOut">
               <a:rPr lang="en-GB" smtClean="0"/>
-              <a:t>21/01/2026</a:t>
+              <a:t>23/01/2026</a:t>
             </a:fld>
             <a:endParaRPr lang="en-GB"/>
           </a:p>
@@ -872,7 +873,7 @@
           <a:p>
             <a:fld id="{2D5F75EA-5DA0-4839-9D7D-A0FA68C3529A}" type="datetimeFigureOut">
               <a:rPr lang="en-GB" smtClean="0"/>
-              <a:t>21/01/2026</a:t>
+              <a:t>23/01/2026</a:t>
             </a:fld>
             <a:endParaRPr lang="en-GB"/>
           </a:p>
@@ -1148,7 +1149,7 @@
           <a:p>
             <a:fld id="{2D5F75EA-5DA0-4839-9D7D-A0FA68C3529A}" type="datetimeFigureOut">
               <a:rPr lang="en-GB" smtClean="0"/>
-              <a:t>21/01/2026</a:t>
+              <a:t>23/01/2026</a:t>
             </a:fld>
             <a:endParaRPr lang="en-GB"/>
           </a:p>
@@ -1416,7 +1417,7 @@
           <a:p>
             <a:fld id="{2D5F75EA-5DA0-4839-9D7D-A0FA68C3529A}" type="datetimeFigureOut">
               <a:rPr lang="en-GB" smtClean="0"/>
-              <a:t>21/01/2026</a:t>
+              <a:t>23/01/2026</a:t>
             </a:fld>
             <a:endParaRPr lang="en-GB"/>
           </a:p>
@@ -1831,7 +1832,7 @@
           <a:p>
             <a:fld id="{2D5F75EA-5DA0-4839-9D7D-A0FA68C3529A}" type="datetimeFigureOut">
               <a:rPr lang="en-GB" smtClean="0"/>
-              <a:t>21/01/2026</a:t>
+              <a:t>23/01/2026</a:t>
             </a:fld>
             <a:endParaRPr lang="en-GB"/>
           </a:p>
@@ -1973,7 +1974,7 @@
           <a:p>
             <a:fld id="{2D5F75EA-5DA0-4839-9D7D-A0FA68C3529A}" type="datetimeFigureOut">
               <a:rPr lang="en-GB" smtClean="0"/>
-              <a:t>21/01/2026</a:t>
+              <a:t>23/01/2026</a:t>
             </a:fld>
             <a:endParaRPr lang="en-GB"/>
           </a:p>
@@ -2086,7 +2087,7 @@
           <a:p>
             <a:fld id="{2D5F75EA-5DA0-4839-9D7D-A0FA68C3529A}" type="datetimeFigureOut">
               <a:rPr lang="en-GB" smtClean="0"/>
-              <a:t>21/01/2026</a:t>
+              <a:t>23/01/2026</a:t>
             </a:fld>
             <a:endParaRPr lang="en-GB"/>
           </a:p>
@@ -2399,7 +2400,7 @@
           <a:p>
             <a:fld id="{2D5F75EA-5DA0-4839-9D7D-A0FA68C3529A}" type="datetimeFigureOut">
               <a:rPr lang="en-GB" smtClean="0"/>
-              <a:t>21/01/2026</a:t>
+              <a:t>23/01/2026</a:t>
             </a:fld>
             <a:endParaRPr lang="en-GB"/>
           </a:p>
@@ -2688,7 +2689,7 @@
           <a:p>
             <a:fld id="{2D5F75EA-5DA0-4839-9D7D-A0FA68C3529A}" type="datetimeFigureOut">
               <a:rPr lang="en-GB" smtClean="0"/>
-              <a:t>21/01/2026</a:t>
+              <a:t>23/01/2026</a:t>
             </a:fld>
             <a:endParaRPr lang="en-GB"/>
           </a:p>
@@ -2931,7 +2932,7 @@
           <a:p>
             <a:fld id="{2D5F75EA-5DA0-4839-9D7D-A0FA68C3529A}" type="datetimeFigureOut">
               <a:rPr lang="en-GB" smtClean="0"/>
-              <a:t>21/01/2026</a:t>
+              <a:t>23/01/2026</a:t>
             </a:fld>
             <a:endParaRPr lang="en-GB"/>
           </a:p>
@@ -5210,6 +5211,119 @@
 </p:sld>
 </file>
 
+<file path=ppt/slides/slide3.xml><?xml version="1.0" encoding="utf-8"?>
+<p:sld xmlns:a="http://schemas.openxmlformats.org/drawingml/2006/main" xmlns:r="http://schemas.openxmlformats.org/officeDocument/2006/relationships" xmlns:p="http://schemas.openxmlformats.org/presentationml/2006/main">
+  <p:cSld>
+    <p:spTree>
+      <p:nvGrpSpPr>
+        <p:cNvPr id="1" name=""/>
+        <p:cNvGrpSpPr/>
+        <p:nvPr/>
+      </p:nvGrpSpPr>
+      <p:grpSpPr>
+        <a:xfrm>
+          <a:off x="0" y="0"/>
+          <a:ext cx="0" cy="0"/>
+          <a:chOff x="0" y="0"/>
+          <a:chExt cx="0" cy="0"/>
+        </a:xfrm>
+      </p:grpSpPr>
+      <p:sp>
+        <p:nvSpPr>
+          <p:cNvPr id="2" name="Title 1">
+            <a:extLst>
+              <a:ext uri="{FF2B5EF4-FFF2-40B4-BE49-F238E27FC236}">
+                <a16:creationId xmlns:a16="http://schemas.microsoft.com/office/drawing/2014/main" id="{C3C41B83-81DF-657F-42DC-2AE8087CA6C6}"/>
+              </a:ext>
+            </a:extLst>
+          </p:cNvPr>
+          <p:cNvSpPr>
+            <a:spLocks noGrp="1"/>
+          </p:cNvSpPr>
+          <p:nvPr>
+            <p:ph type="title"/>
+          </p:nvPr>
+        </p:nvSpPr>
+        <p:spPr/>
+        <p:txBody>
+          <a:bodyPr/>
+          <a:lstStyle/>
+          <a:p>
+            <a:r>
+              <a:rPr lang="en-GB" dirty="0"/>
+              <a:t>How to access each tool</a:t>
+            </a:r>
+          </a:p>
+        </p:txBody>
+      </p:sp>
+      <p:sp>
+        <p:nvSpPr>
+          <p:cNvPr id="3" name="Content Placeholder 2">
+            <a:extLst>
+              <a:ext uri="{FF2B5EF4-FFF2-40B4-BE49-F238E27FC236}">
+                <a16:creationId xmlns:a16="http://schemas.microsoft.com/office/drawing/2014/main" id="{8D31C74A-D281-7DFA-603C-FBF0F64CA464}"/>
+              </a:ext>
+            </a:extLst>
+          </p:cNvPr>
+          <p:cNvSpPr>
+            <a:spLocks noGrp="1"/>
+          </p:cNvSpPr>
+          <p:nvPr>
+            <p:ph idx="1"/>
+          </p:nvPr>
+        </p:nvSpPr>
+        <p:spPr/>
+        <p:txBody>
+          <a:bodyPr/>
+          <a:lstStyle/>
+          <a:p>
+            <a:endParaRPr lang="en-GB"/>
+          </a:p>
+        </p:txBody>
+      </p:sp>
+      <p:pic>
+        <p:nvPicPr>
+          <p:cNvPr id="5" name="Picture 4">
+            <a:extLst>
+              <a:ext uri="{FF2B5EF4-FFF2-40B4-BE49-F238E27FC236}">
+                <a16:creationId xmlns:a16="http://schemas.microsoft.com/office/drawing/2014/main" id="{CEC20D0B-46E0-6D64-F1DC-985236AE561A}"/>
+              </a:ext>
+            </a:extLst>
+          </p:cNvPr>
+          <p:cNvPicPr>
+            <a:picLocks noChangeAspect="1"/>
+          </p:cNvPicPr>
+          <p:nvPr/>
+        </p:nvPicPr>
+        <p:blipFill>
+          <a:blip r:embed="rId2"/>
+          <a:stretch>
+            <a:fillRect/>
+          </a:stretch>
+        </p:blipFill>
+        <p:spPr>
+          <a:xfrm>
+            <a:off x="838200" y="1690688"/>
+            <a:ext cx="6754168" cy="4677428"/>
+          </a:xfrm>
+          <a:prstGeom prst="rect">
+            <a:avLst/>
+          </a:prstGeom>
+        </p:spPr>
+      </p:pic>
+    </p:spTree>
+    <p:extLst>
+      <p:ext uri="{BB962C8B-B14F-4D97-AF65-F5344CB8AC3E}">
+        <p14:creationId xmlns:p14="http://schemas.microsoft.com/office/powerpoint/2010/main" val="2287900787"/>
+      </p:ext>
+    </p:extLst>
+  </p:cSld>
+  <p:clrMapOvr>
+    <a:masterClrMapping/>
+  </p:clrMapOvr>
+</p:sld>
+</file>
+
 <file path=ppt/theme/theme1.xml><?xml version="1.0" encoding="utf-8"?>
 <a:theme xmlns:a="http://schemas.openxmlformats.org/drawingml/2006/main" name="Office Theme">
   <a:themeElements>

--- a/PaletteInstructions.pptx
+++ b/PaletteInstructions.pptx
@@ -5256,31 +5256,6 @@
           </a:p>
         </p:txBody>
       </p:sp>
-      <p:sp>
-        <p:nvSpPr>
-          <p:cNvPr id="3" name="Content Placeholder 2">
-            <a:extLst>
-              <a:ext uri="{FF2B5EF4-FFF2-40B4-BE49-F238E27FC236}">
-                <a16:creationId xmlns:a16="http://schemas.microsoft.com/office/drawing/2014/main" id="{8D31C74A-D281-7DFA-603C-FBF0F64CA464}"/>
-              </a:ext>
-            </a:extLst>
-          </p:cNvPr>
-          <p:cNvSpPr>
-            <a:spLocks noGrp="1"/>
-          </p:cNvSpPr>
-          <p:nvPr>
-            <p:ph idx="1"/>
-          </p:nvPr>
-        </p:nvSpPr>
-        <p:spPr/>
-        <p:txBody>
-          <a:bodyPr/>
-          <a:lstStyle/>
-          <a:p>
-            <a:endParaRPr lang="en-GB"/>
-          </a:p>
-        </p:txBody>
-      </p:sp>
       <p:pic>
         <p:nvPicPr>
           <p:cNvPr id="5" name="Picture 4">
@@ -5311,6 +5286,41 @@
           </a:prstGeom>
         </p:spPr>
       </p:pic>
+      <p:sp>
+        <p:nvSpPr>
+          <p:cNvPr id="4" name="TextBox 3">
+            <a:extLst>
+              <a:ext uri="{FF2B5EF4-FFF2-40B4-BE49-F238E27FC236}">
+                <a16:creationId xmlns:a16="http://schemas.microsoft.com/office/drawing/2014/main" id="{060FECD5-959D-3478-9F75-91B52DD75991}"/>
+              </a:ext>
+            </a:extLst>
+          </p:cNvPr>
+          <p:cNvSpPr txBox="1"/>
+          <p:nvPr/>
+        </p:nvSpPr>
+        <p:spPr>
+          <a:xfrm>
+            <a:off x="7743217" y="1690688"/>
+            <a:ext cx="3702996" cy="2554545"/>
+          </a:xfrm>
+          <a:prstGeom prst="rect">
+            <a:avLst/>
+          </a:prstGeom>
+          <a:noFill/>
+        </p:spPr>
+        <p:txBody>
+          <a:bodyPr wrap="square" rtlCol="0">
+            <a:spAutoFit/>
+          </a:bodyPr>
+          <a:lstStyle/>
+          <a:p>
+            <a:r>
+              <a:rPr lang="en-GB" sz="3200" dirty="0"/>
+              <a:t>Take as much time  as you need to learn each tool before starting to time the scenes.</a:t>
+            </a:r>
+          </a:p>
+        </p:txBody>
+      </p:sp>
     </p:spTree>
     <p:extLst>
       <p:ext uri="{BB962C8B-B14F-4D97-AF65-F5344CB8AC3E}">

--- a/PaletteInstructions.pptx
+++ b/PaletteInstructions.pptx
@@ -5134,7 +5134,7 @@
         </p:nvSpPr>
         <p:spPr>
           <a:xfrm>
-            <a:off x="911352" y="1057529"/>
+            <a:off x="898381" y="1543912"/>
             <a:ext cx="10515600" cy="4351338"/>
           </a:xfrm>
         </p:spPr>
@@ -5194,6 +5194,41 @@
             <a:r>
               <a:rPr lang="en-GB" dirty="0"/>
               <a:t>- fill rate for density</a:t>
+            </a:r>
+          </a:p>
+        </p:txBody>
+      </p:sp>
+      <p:sp>
+        <p:nvSpPr>
+          <p:cNvPr id="2" name="TextBox 1">
+            <a:extLst>
+              <a:ext uri="{FF2B5EF4-FFF2-40B4-BE49-F238E27FC236}">
+                <a16:creationId xmlns:a16="http://schemas.microsoft.com/office/drawing/2014/main" id="{9B419542-0773-0526-E565-CFB9A3703D9F}"/>
+              </a:ext>
+            </a:extLst>
+          </p:cNvPr>
+          <p:cNvSpPr txBox="1"/>
+          <p:nvPr/>
+        </p:nvSpPr>
+        <p:spPr>
+          <a:xfrm>
+            <a:off x="252919" y="207523"/>
+            <a:ext cx="11096017" cy="830997"/>
+          </a:xfrm>
+          <a:prstGeom prst="rect">
+            <a:avLst/>
+          </a:prstGeom>
+          <a:noFill/>
+        </p:spPr>
+        <p:txBody>
+          <a:bodyPr wrap="square" rtlCol="0">
+            <a:spAutoFit/>
+          </a:bodyPr>
+          <a:lstStyle/>
+          <a:p>
+            <a:r>
+              <a:rPr lang="en-GB" sz="4800" b="1" dirty="0"/>
+              <a:t>Settings to change for tool 1 and 2</a:t>
             </a:r>
           </a:p>
         </p:txBody>
@@ -5250,7 +5285,7 @@
           <a:lstStyle/>
           <a:p>
             <a:r>
-              <a:rPr lang="en-GB" dirty="0"/>
+              <a:rPr lang="en-GB" b="1" dirty="0"/>
               <a:t>How to access each tool</a:t>
             </a:r>
           </a:p>

--- a/PaletteInstructions.pptx
+++ b/PaletteInstructions.pptx
@@ -114,6 +114,35 @@
 </p:presentation>
 </file>
 
+<file path=ppt/changesInfos/changesInfo1.xml><?xml version="1.0" encoding="utf-8"?>
+<pc:chgInfo xmlns:a="http://schemas.openxmlformats.org/drawingml/2006/main" xmlns:r="http://schemas.openxmlformats.org/officeDocument/2006/relationships" xmlns:ac="http://schemas.microsoft.com/office/drawing/2013/main/command" xmlns:pc="http://schemas.microsoft.com/office/powerpoint/2013/main/command">
+  <pc:docChgLst>
+    <pc:chgData name="Cayden Andrews" userId="a900b0b9c2d9fc9f" providerId="LiveId" clId="{6272F847-9BB4-417F-A861-A1D82C3E6007}"/>
+    <pc:docChg chg="modSld">
+      <pc:chgData name="Cayden Andrews" userId="a900b0b9c2d9fc9f" providerId="LiveId" clId="{6272F847-9BB4-417F-A861-A1D82C3E6007}" dt="2026-01-24T10:25:55.759" v="139" actId="20577"/>
+      <pc:docMkLst>
+        <pc:docMk/>
+      </pc:docMkLst>
+      <pc:sldChg chg="modSp mod">
+        <pc:chgData name="Cayden Andrews" userId="a900b0b9c2d9fc9f" providerId="LiveId" clId="{6272F847-9BB4-417F-A861-A1D82C3E6007}" dt="2026-01-24T10:25:55.759" v="139" actId="20577"/>
+        <pc:sldMkLst>
+          <pc:docMk/>
+          <pc:sldMk cId="3541877911" sldId="256"/>
+        </pc:sldMkLst>
+        <pc:spChg chg="mod">
+          <ac:chgData name="Cayden Andrews" userId="a900b0b9c2d9fc9f" providerId="LiveId" clId="{6272F847-9BB4-417F-A861-A1D82C3E6007}" dt="2026-01-24T10:25:55.759" v="139" actId="20577"/>
+          <ac:spMkLst>
+            <pc:docMk/>
+            <pc:sldMk cId="3541877911" sldId="256"/>
+            <ac:spMk id="2" creationId="{C17A49C7-27F7-5264-9AAA-5DF7B36CA60B}"/>
+          </ac:spMkLst>
+        </pc:spChg>
+      </pc:sldChg>
+    </pc:docChg>
+  </pc:docChgLst>
+</pc:chgInfo>
+</file>
+
 <file path=ppt/slideLayouts/slideLayout1.xml><?xml version="1.0" encoding="utf-8"?>
 <p:sldLayout xmlns:a="http://schemas.openxmlformats.org/drawingml/2006/main" xmlns:r="http://schemas.openxmlformats.org/officeDocument/2006/relationships" xmlns:p="http://schemas.openxmlformats.org/presentationml/2006/main" type="title" preserve="1">
   <p:cSld name="Title Slide">
@@ -263,7 +292,7 @@
           <a:p>
             <a:fld id="{2D5F75EA-5DA0-4839-9D7D-A0FA68C3529A}" type="datetimeFigureOut">
               <a:rPr lang="en-GB" smtClean="0"/>
-              <a:t>23/01/2026</a:t>
+              <a:t>24/01/2026</a:t>
             </a:fld>
             <a:endParaRPr lang="en-GB"/>
           </a:p>
@@ -463,7 +492,7 @@
           <a:p>
             <a:fld id="{2D5F75EA-5DA0-4839-9D7D-A0FA68C3529A}" type="datetimeFigureOut">
               <a:rPr lang="en-GB" smtClean="0"/>
-              <a:t>23/01/2026</a:t>
+              <a:t>24/01/2026</a:t>
             </a:fld>
             <a:endParaRPr lang="en-GB"/>
           </a:p>
@@ -673,7 +702,7 @@
           <a:p>
             <a:fld id="{2D5F75EA-5DA0-4839-9D7D-A0FA68C3529A}" type="datetimeFigureOut">
               <a:rPr lang="en-GB" smtClean="0"/>
-              <a:t>23/01/2026</a:t>
+              <a:t>24/01/2026</a:t>
             </a:fld>
             <a:endParaRPr lang="en-GB"/>
           </a:p>
@@ -873,7 +902,7 @@
           <a:p>
             <a:fld id="{2D5F75EA-5DA0-4839-9D7D-A0FA68C3529A}" type="datetimeFigureOut">
               <a:rPr lang="en-GB" smtClean="0"/>
-              <a:t>23/01/2026</a:t>
+              <a:t>24/01/2026</a:t>
             </a:fld>
             <a:endParaRPr lang="en-GB"/>
           </a:p>
@@ -1149,7 +1178,7 @@
           <a:p>
             <a:fld id="{2D5F75EA-5DA0-4839-9D7D-A0FA68C3529A}" type="datetimeFigureOut">
               <a:rPr lang="en-GB" smtClean="0"/>
-              <a:t>23/01/2026</a:t>
+              <a:t>24/01/2026</a:t>
             </a:fld>
             <a:endParaRPr lang="en-GB"/>
           </a:p>
@@ -1417,7 +1446,7 @@
           <a:p>
             <a:fld id="{2D5F75EA-5DA0-4839-9D7D-A0FA68C3529A}" type="datetimeFigureOut">
               <a:rPr lang="en-GB" smtClean="0"/>
-              <a:t>23/01/2026</a:t>
+              <a:t>24/01/2026</a:t>
             </a:fld>
             <a:endParaRPr lang="en-GB"/>
           </a:p>
@@ -1832,7 +1861,7 @@
           <a:p>
             <a:fld id="{2D5F75EA-5DA0-4839-9D7D-A0FA68C3529A}" type="datetimeFigureOut">
               <a:rPr lang="en-GB" smtClean="0"/>
-              <a:t>23/01/2026</a:t>
+              <a:t>24/01/2026</a:t>
             </a:fld>
             <a:endParaRPr lang="en-GB"/>
           </a:p>
@@ -1974,7 +2003,7 @@
           <a:p>
             <a:fld id="{2D5F75EA-5DA0-4839-9D7D-A0FA68C3529A}" type="datetimeFigureOut">
               <a:rPr lang="en-GB" smtClean="0"/>
-              <a:t>23/01/2026</a:t>
+              <a:t>24/01/2026</a:t>
             </a:fld>
             <a:endParaRPr lang="en-GB"/>
           </a:p>
@@ -2087,7 +2116,7 @@
           <a:p>
             <a:fld id="{2D5F75EA-5DA0-4839-9D7D-A0FA68C3529A}" type="datetimeFigureOut">
               <a:rPr lang="en-GB" smtClean="0"/>
-              <a:t>23/01/2026</a:t>
+              <a:t>24/01/2026</a:t>
             </a:fld>
             <a:endParaRPr lang="en-GB"/>
           </a:p>
@@ -2400,7 +2429,7 @@
           <a:p>
             <a:fld id="{2D5F75EA-5DA0-4839-9D7D-A0FA68C3529A}" type="datetimeFigureOut">
               <a:rPr lang="en-GB" smtClean="0"/>
-              <a:t>23/01/2026</a:t>
+              <a:t>24/01/2026</a:t>
             </a:fld>
             <a:endParaRPr lang="en-GB"/>
           </a:p>
@@ -2689,7 +2718,7 @@
           <a:p>
             <a:fld id="{2D5F75EA-5DA0-4839-9D7D-A0FA68C3529A}" type="datetimeFigureOut">
               <a:rPr lang="en-GB" smtClean="0"/>
-              <a:t>23/01/2026</a:t>
+              <a:t>24/01/2026</a:t>
             </a:fld>
             <a:endParaRPr lang="en-GB"/>
           </a:p>
@@ -2932,7 +2961,7 @@
           <a:p>
             <a:fld id="{2D5F75EA-5DA0-4839-9D7D-A0FA68C3529A}" type="datetimeFigureOut">
               <a:rPr lang="en-GB" smtClean="0"/>
-              <a:t>23/01/2026</a:t>
+              <a:t>24/01/2026</a:t>
             </a:fld>
             <a:endParaRPr lang="en-GB"/>
           </a:p>
@@ -5040,7 +5069,7 @@
         <p:spPr>
           <a:xfrm>
             <a:off x="8333362" y="1684642"/>
-            <a:ext cx="3684253" cy="3139321"/>
+            <a:ext cx="3684253" cy="4524315"/>
           </a:xfrm>
           <a:prstGeom prst="rect">
             <a:avLst/>
@@ -5083,6 +5112,20 @@
               <a:rPr lang="en-GB" dirty="0"/>
               <a:t>Note: Don’t worry about time taken or file size, the limit per recording is 1GB.</a:t>
             </a:r>
+          </a:p>
+          <a:p>
+            <a:endParaRPr lang="en-GB" dirty="0"/>
+          </a:p>
+          <a:p>
+            <a:r>
+              <a:rPr lang="en-GB" dirty="0"/>
+              <a:t>One finished in the large scene, you should delete all objects placed in the red biome and time the time taken to then </a:t>
+            </a:r>
+            <a:r>
+              <a:rPr lang="en-GB"/>
+              <a:t>repaint that biome.</a:t>
+            </a:r>
+            <a:endParaRPr lang="en-GB" dirty="0"/>
           </a:p>
         </p:txBody>
       </p:sp>
@@ -5134,7 +5177,7 @@
         </p:nvSpPr>
         <p:spPr>
           <a:xfrm>
-            <a:off x="911352" y="1057529"/>
+            <a:off x="898381" y="1543912"/>
             <a:ext cx="10515600" cy="4351338"/>
           </a:xfrm>
         </p:spPr>
@@ -5194,6 +5237,41 @@
             <a:r>
               <a:rPr lang="en-GB" dirty="0"/>
               <a:t>- fill rate for density</a:t>
+            </a:r>
+          </a:p>
+        </p:txBody>
+      </p:sp>
+      <p:sp>
+        <p:nvSpPr>
+          <p:cNvPr id="2" name="TextBox 1">
+            <a:extLst>
+              <a:ext uri="{FF2B5EF4-FFF2-40B4-BE49-F238E27FC236}">
+                <a16:creationId xmlns:a16="http://schemas.microsoft.com/office/drawing/2014/main" id="{9B419542-0773-0526-E565-CFB9A3703D9F}"/>
+              </a:ext>
+            </a:extLst>
+          </p:cNvPr>
+          <p:cNvSpPr txBox="1"/>
+          <p:nvPr/>
+        </p:nvSpPr>
+        <p:spPr>
+          <a:xfrm>
+            <a:off x="252919" y="207523"/>
+            <a:ext cx="11096017" cy="830997"/>
+          </a:xfrm>
+          <a:prstGeom prst="rect">
+            <a:avLst/>
+          </a:prstGeom>
+          <a:noFill/>
+        </p:spPr>
+        <p:txBody>
+          <a:bodyPr wrap="square" rtlCol="0">
+            <a:spAutoFit/>
+          </a:bodyPr>
+          <a:lstStyle/>
+          <a:p>
+            <a:r>
+              <a:rPr lang="en-GB" sz="4800" b="1" dirty="0"/>
+              <a:t>Settings to change for tool 1 and 2</a:t>
             </a:r>
           </a:p>
         </p:txBody>
@@ -5250,7 +5328,7 @@
           <a:lstStyle/>
           <a:p>
             <a:r>
-              <a:rPr lang="en-GB" dirty="0"/>
+              <a:rPr lang="en-GB" b="1" dirty="0"/>
               <a:t>How to access each tool</a:t>
             </a:r>
           </a:p>

--- a/PaletteInstructions.pptx
+++ b/PaletteInstructions.pptx
@@ -114,6 +114,35 @@
 </p:presentation>
 </file>
 
+<file path=ppt/changesInfos/changesInfo1.xml><?xml version="1.0" encoding="utf-8"?>
+<pc:chgInfo xmlns:a="http://schemas.openxmlformats.org/drawingml/2006/main" xmlns:r="http://schemas.openxmlformats.org/officeDocument/2006/relationships" xmlns:ac="http://schemas.microsoft.com/office/drawing/2013/main/command" xmlns:pc="http://schemas.microsoft.com/office/powerpoint/2013/main/command">
+  <pc:docChgLst>
+    <pc:chgData name="Cayden Andrews" userId="a900b0b9c2d9fc9f" providerId="LiveId" clId="{6272F847-9BB4-417F-A861-A1D82C3E6007}"/>
+    <pc:docChg chg="modSld">
+      <pc:chgData name="Cayden Andrews" userId="a900b0b9c2d9fc9f" providerId="LiveId" clId="{6272F847-9BB4-417F-A861-A1D82C3E6007}" dt="2026-01-24T10:25:55.759" v="139" actId="20577"/>
+      <pc:docMkLst>
+        <pc:docMk/>
+      </pc:docMkLst>
+      <pc:sldChg chg="modSp mod">
+        <pc:chgData name="Cayden Andrews" userId="a900b0b9c2d9fc9f" providerId="LiveId" clId="{6272F847-9BB4-417F-A861-A1D82C3E6007}" dt="2026-01-24T10:25:55.759" v="139" actId="20577"/>
+        <pc:sldMkLst>
+          <pc:docMk/>
+          <pc:sldMk cId="3541877911" sldId="256"/>
+        </pc:sldMkLst>
+        <pc:spChg chg="mod">
+          <ac:chgData name="Cayden Andrews" userId="a900b0b9c2d9fc9f" providerId="LiveId" clId="{6272F847-9BB4-417F-A861-A1D82C3E6007}" dt="2026-01-24T10:25:55.759" v="139" actId="20577"/>
+          <ac:spMkLst>
+            <pc:docMk/>
+            <pc:sldMk cId="3541877911" sldId="256"/>
+            <ac:spMk id="2" creationId="{C17A49C7-27F7-5264-9AAA-5DF7B36CA60B}"/>
+          </ac:spMkLst>
+        </pc:spChg>
+      </pc:sldChg>
+    </pc:docChg>
+  </pc:docChgLst>
+</pc:chgInfo>
+</file>
+
 <file path=ppt/slideLayouts/slideLayout1.xml><?xml version="1.0" encoding="utf-8"?>
 <p:sldLayout xmlns:a="http://schemas.openxmlformats.org/drawingml/2006/main" xmlns:r="http://schemas.openxmlformats.org/officeDocument/2006/relationships" xmlns:p="http://schemas.openxmlformats.org/presentationml/2006/main" type="title" preserve="1">
   <p:cSld name="Title Slide">
@@ -263,7 +292,7 @@
           <a:p>
             <a:fld id="{2D5F75EA-5DA0-4839-9D7D-A0FA68C3529A}" type="datetimeFigureOut">
               <a:rPr lang="en-GB" smtClean="0"/>
-              <a:t>23/01/2026</a:t>
+              <a:t>24/01/2026</a:t>
             </a:fld>
             <a:endParaRPr lang="en-GB"/>
           </a:p>
@@ -463,7 +492,7 @@
           <a:p>
             <a:fld id="{2D5F75EA-5DA0-4839-9D7D-A0FA68C3529A}" type="datetimeFigureOut">
               <a:rPr lang="en-GB" smtClean="0"/>
-              <a:t>23/01/2026</a:t>
+              <a:t>24/01/2026</a:t>
             </a:fld>
             <a:endParaRPr lang="en-GB"/>
           </a:p>
@@ -673,7 +702,7 @@
           <a:p>
             <a:fld id="{2D5F75EA-5DA0-4839-9D7D-A0FA68C3529A}" type="datetimeFigureOut">
               <a:rPr lang="en-GB" smtClean="0"/>
-              <a:t>23/01/2026</a:t>
+              <a:t>24/01/2026</a:t>
             </a:fld>
             <a:endParaRPr lang="en-GB"/>
           </a:p>
@@ -873,7 +902,7 @@
           <a:p>
             <a:fld id="{2D5F75EA-5DA0-4839-9D7D-A0FA68C3529A}" type="datetimeFigureOut">
               <a:rPr lang="en-GB" smtClean="0"/>
-              <a:t>23/01/2026</a:t>
+              <a:t>24/01/2026</a:t>
             </a:fld>
             <a:endParaRPr lang="en-GB"/>
           </a:p>
@@ -1149,7 +1178,7 @@
           <a:p>
             <a:fld id="{2D5F75EA-5DA0-4839-9D7D-A0FA68C3529A}" type="datetimeFigureOut">
               <a:rPr lang="en-GB" smtClean="0"/>
-              <a:t>23/01/2026</a:t>
+              <a:t>24/01/2026</a:t>
             </a:fld>
             <a:endParaRPr lang="en-GB"/>
           </a:p>
@@ -1417,7 +1446,7 @@
           <a:p>
             <a:fld id="{2D5F75EA-5DA0-4839-9D7D-A0FA68C3529A}" type="datetimeFigureOut">
               <a:rPr lang="en-GB" smtClean="0"/>
-              <a:t>23/01/2026</a:t>
+              <a:t>24/01/2026</a:t>
             </a:fld>
             <a:endParaRPr lang="en-GB"/>
           </a:p>
@@ -1832,7 +1861,7 @@
           <a:p>
             <a:fld id="{2D5F75EA-5DA0-4839-9D7D-A0FA68C3529A}" type="datetimeFigureOut">
               <a:rPr lang="en-GB" smtClean="0"/>
-              <a:t>23/01/2026</a:t>
+              <a:t>24/01/2026</a:t>
             </a:fld>
             <a:endParaRPr lang="en-GB"/>
           </a:p>
@@ -1974,7 +2003,7 @@
           <a:p>
             <a:fld id="{2D5F75EA-5DA0-4839-9D7D-A0FA68C3529A}" type="datetimeFigureOut">
               <a:rPr lang="en-GB" smtClean="0"/>
-              <a:t>23/01/2026</a:t>
+              <a:t>24/01/2026</a:t>
             </a:fld>
             <a:endParaRPr lang="en-GB"/>
           </a:p>
@@ -2087,7 +2116,7 @@
           <a:p>
             <a:fld id="{2D5F75EA-5DA0-4839-9D7D-A0FA68C3529A}" type="datetimeFigureOut">
               <a:rPr lang="en-GB" smtClean="0"/>
-              <a:t>23/01/2026</a:t>
+              <a:t>24/01/2026</a:t>
             </a:fld>
             <a:endParaRPr lang="en-GB"/>
           </a:p>
@@ -2400,7 +2429,7 @@
           <a:p>
             <a:fld id="{2D5F75EA-5DA0-4839-9D7D-A0FA68C3529A}" type="datetimeFigureOut">
               <a:rPr lang="en-GB" smtClean="0"/>
-              <a:t>23/01/2026</a:t>
+              <a:t>24/01/2026</a:t>
             </a:fld>
             <a:endParaRPr lang="en-GB"/>
           </a:p>
@@ -2689,7 +2718,7 @@
           <a:p>
             <a:fld id="{2D5F75EA-5DA0-4839-9D7D-A0FA68C3529A}" type="datetimeFigureOut">
               <a:rPr lang="en-GB" smtClean="0"/>
-              <a:t>23/01/2026</a:t>
+              <a:t>24/01/2026</a:t>
             </a:fld>
             <a:endParaRPr lang="en-GB"/>
           </a:p>
@@ -2932,7 +2961,7 @@
           <a:p>
             <a:fld id="{2D5F75EA-5DA0-4839-9D7D-A0FA68C3529A}" type="datetimeFigureOut">
               <a:rPr lang="en-GB" smtClean="0"/>
-              <a:t>23/01/2026</a:t>
+              <a:t>24/01/2026</a:t>
             </a:fld>
             <a:endParaRPr lang="en-GB"/>
           </a:p>
@@ -5040,7 +5069,7 @@
         <p:spPr>
           <a:xfrm>
             <a:off x="8333362" y="1684642"/>
-            <a:ext cx="3684253" cy="3139321"/>
+            <a:ext cx="3684253" cy="4524315"/>
           </a:xfrm>
           <a:prstGeom prst="rect">
             <a:avLst/>
@@ -5083,6 +5112,20 @@
               <a:rPr lang="en-GB" dirty="0"/>
               <a:t>Note: Don’t worry about time taken or file size, the limit per recording is 1GB.</a:t>
             </a:r>
+          </a:p>
+          <a:p>
+            <a:endParaRPr lang="en-GB" dirty="0"/>
+          </a:p>
+          <a:p>
+            <a:r>
+              <a:rPr lang="en-GB" dirty="0"/>
+              <a:t>One finished in the large scene, you should delete all objects placed in the red biome and time the time taken to then </a:t>
+            </a:r>
+            <a:r>
+              <a:rPr lang="en-GB"/>
+              <a:t>repaint that biome.</a:t>
+            </a:r>
+            <a:endParaRPr lang="en-GB" dirty="0"/>
           </a:p>
         </p:txBody>
       </p:sp>

--- a/PaletteInstructions.pptx
+++ b/PaletteInstructions.pptx
@@ -292,7 +292,7 @@
           <a:p>
             <a:fld id="{2D5F75EA-5DA0-4839-9D7D-A0FA68C3529A}" type="datetimeFigureOut">
               <a:rPr lang="en-GB" smtClean="0"/>
-              <a:t>24/01/2026</a:t>
+              <a:t>28/01/2026</a:t>
             </a:fld>
             <a:endParaRPr lang="en-GB"/>
           </a:p>
@@ -492,7 +492,7 @@
           <a:p>
             <a:fld id="{2D5F75EA-5DA0-4839-9D7D-A0FA68C3529A}" type="datetimeFigureOut">
               <a:rPr lang="en-GB" smtClean="0"/>
-              <a:t>24/01/2026</a:t>
+              <a:t>28/01/2026</a:t>
             </a:fld>
             <a:endParaRPr lang="en-GB"/>
           </a:p>
@@ -702,7 +702,7 @@
           <a:p>
             <a:fld id="{2D5F75EA-5DA0-4839-9D7D-A0FA68C3529A}" type="datetimeFigureOut">
               <a:rPr lang="en-GB" smtClean="0"/>
-              <a:t>24/01/2026</a:t>
+              <a:t>28/01/2026</a:t>
             </a:fld>
             <a:endParaRPr lang="en-GB"/>
           </a:p>
@@ -902,7 +902,7 @@
           <a:p>
             <a:fld id="{2D5F75EA-5DA0-4839-9D7D-A0FA68C3529A}" type="datetimeFigureOut">
               <a:rPr lang="en-GB" smtClean="0"/>
-              <a:t>24/01/2026</a:t>
+              <a:t>28/01/2026</a:t>
             </a:fld>
             <a:endParaRPr lang="en-GB"/>
           </a:p>
@@ -1178,7 +1178,7 @@
           <a:p>
             <a:fld id="{2D5F75EA-5DA0-4839-9D7D-A0FA68C3529A}" type="datetimeFigureOut">
               <a:rPr lang="en-GB" smtClean="0"/>
-              <a:t>24/01/2026</a:t>
+              <a:t>28/01/2026</a:t>
             </a:fld>
             <a:endParaRPr lang="en-GB"/>
           </a:p>
@@ -1446,7 +1446,7 @@
           <a:p>
             <a:fld id="{2D5F75EA-5DA0-4839-9D7D-A0FA68C3529A}" type="datetimeFigureOut">
               <a:rPr lang="en-GB" smtClean="0"/>
-              <a:t>24/01/2026</a:t>
+              <a:t>28/01/2026</a:t>
             </a:fld>
             <a:endParaRPr lang="en-GB"/>
           </a:p>
@@ -1861,7 +1861,7 @@
           <a:p>
             <a:fld id="{2D5F75EA-5DA0-4839-9D7D-A0FA68C3529A}" type="datetimeFigureOut">
               <a:rPr lang="en-GB" smtClean="0"/>
-              <a:t>24/01/2026</a:t>
+              <a:t>28/01/2026</a:t>
             </a:fld>
             <a:endParaRPr lang="en-GB"/>
           </a:p>
@@ -2003,7 +2003,7 @@
           <a:p>
             <a:fld id="{2D5F75EA-5DA0-4839-9D7D-A0FA68C3529A}" type="datetimeFigureOut">
               <a:rPr lang="en-GB" smtClean="0"/>
-              <a:t>24/01/2026</a:t>
+              <a:t>28/01/2026</a:t>
             </a:fld>
             <a:endParaRPr lang="en-GB"/>
           </a:p>
@@ -2116,7 +2116,7 @@
           <a:p>
             <a:fld id="{2D5F75EA-5DA0-4839-9D7D-A0FA68C3529A}" type="datetimeFigureOut">
               <a:rPr lang="en-GB" smtClean="0"/>
-              <a:t>24/01/2026</a:t>
+              <a:t>28/01/2026</a:t>
             </a:fld>
             <a:endParaRPr lang="en-GB"/>
           </a:p>
@@ -2429,7 +2429,7 @@
           <a:p>
             <a:fld id="{2D5F75EA-5DA0-4839-9D7D-A0FA68C3529A}" type="datetimeFigureOut">
               <a:rPr lang="en-GB" smtClean="0"/>
-              <a:t>24/01/2026</a:t>
+              <a:t>28/01/2026</a:t>
             </a:fld>
             <a:endParaRPr lang="en-GB"/>
           </a:p>
@@ -2718,7 +2718,7 @@
           <a:p>
             <a:fld id="{2D5F75EA-5DA0-4839-9D7D-A0FA68C3529A}" type="datetimeFigureOut">
               <a:rPr lang="en-GB" smtClean="0"/>
-              <a:t>24/01/2026</a:t>
+              <a:t>28/01/2026</a:t>
             </a:fld>
             <a:endParaRPr lang="en-GB"/>
           </a:p>
@@ -2961,7 +2961,7 @@
           <a:p>
             <a:fld id="{2D5F75EA-5DA0-4839-9D7D-A0FA68C3529A}" type="datetimeFigureOut">
               <a:rPr lang="en-GB" smtClean="0"/>
-              <a:t>24/01/2026</a:t>
+              <a:t>28/01/2026</a:t>
             </a:fld>
             <a:endParaRPr lang="en-GB"/>
           </a:p>
@@ -4014,7 +4014,7 @@
         </p:nvSpPr>
         <p:spPr>
           <a:xfrm>
-            <a:off x="2859520" y="514208"/>
+            <a:off x="2778063" y="569061"/>
             <a:ext cx="528286" cy="307777"/>
           </a:xfrm>
           <a:prstGeom prst="rect">
@@ -4346,8 +4346,8 @@
         </p:nvSpPr>
         <p:spPr>
           <a:xfrm>
-            <a:off x="3583640" y="148986"/>
-            <a:ext cx="528286" cy="307777"/>
+            <a:off x="2283583" y="129902"/>
+            <a:ext cx="3548134" cy="307777"/>
           </a:xfrm>
           <a:prstGeom prst="rect">
             <a:avLst/>
@@ -4362,7 +4362,11 @@
           <a:p>
             <a:r>
               <a:rPr lang="en-GB" sz="1400" b="1" dirty="0"/>
-              <a:t>75%</a:t>
+              <a:t>75% </a:t>
+            </a:r>
+            <a:r>
+              <a:rPr lang="en-GB" sz="1000" b="1" dirty="0"/>
+              <a:t>- (chance of an object from this group being placed)</a:t>
             </a:r>
           </a:p>
         </p:txBody>
@@ -5068,7 +5072,7 @@
         </p:nvSpPr>
         <p:spPr>
           <a:xfrm>
-            <a:off x="8333362" y="1684642"/>
+            <a:off x="8329164" y="2161623"/>
             <a:ext cx="3684253" cy="4524315"/>
           </a:xfrm>
           <a:prstGeom prst="rect">

--- a/PaletteInstructions.pptx
+++ b/PaletteInstructions.pptx
@@ -8,6 +8,7 @@
     <p:sldId id="256" r:id="rId2"/>
     <p:sldId id="257" r:id="rId3"/>
     <p:sldId id="258" r:id="rId4"/>
+    <p:sldId id="259" r:id="rId5"/>
   </p:sldIdLst>
   <p:sldSz cx="12192000" cy="6858000"/>
   <p:notesSz cx="6858000" cy="9144000"/>
@@ -114,12 +115,20 @@
 </p:presentation>
 </file>
 
+<file path=ppt/revisionInfo.xml><?xml version="1.0" encoding="utf-8"?>
+<p1510:revInfo xmlns:a="http://schemas.openxmlformats.org/drawingml/2006/main" xmlns:r="http://schemas.openxmlformats.org/officeDocument/2006/relationships" xmlns:p1510="http://schemas.microsoft.com/office/powerpoint/2015/10/main">
+  <p1510:revLst>
+    <p1510:client id="{7D5027E6-3D61-40AE-B196-13DB84CC30F2}" v="16" dt="2026-01-30T11:35:55.100"/>
+  </p1510:revLst>
+</p1510:revInfo>
+</file>
+
 <file path=ppt/changesInfos/changesInfo1.xml><?xml version="1.0" encoding="utf-8"?>
 <pc:chgInfo xmlns:a="http://schemas.openxmlformats.org/drawingml/2006/main" xmlns:r="http://schemas.openxmlformats.org/officeDocument/2006/relationships" xmlns:ac="http://schemas.microsoft.com/office/drawing/2013/main/command" xmlns:pc="http://schemas.microsoft.com/office/powerpoint/2013/main/command">
   <pc:docChgLst>
     <pc:chgData name="Cayden Andrews" userId="a900b0b9c2d9fc9f" providerId="LiveId" clId="{6272F847-9BB4-417F-A861-A1D82C3E6007}"/>
-    <pc:docChg chg="modSld">
-      <pc:chgData name="Cayden Andrews" userId="a900b0b9c2d9fc9f" providerId="LiveId" clId="{6272F847-9BB4-417F-A861-A1D82C3E6007}" dt="2026-01-24T10:25:55.759" v="139" actId="20577"/>
+    <pc:docChg chg="undo custSel addSld modSld">
+      <pc:chgData name="Cayden Andrews" userId="a900b0b9c2d9fc9f" providerId="LiveId" clId="{6272F847-9BB4-417F-A861-A1D82C3E6007}" dt="2026-01-30T11:36:39.925" v="1061" actId="208"/>
       <pc:docMkLst>
         <pc:docMk/>
       </pc:docMkLst>
@@ -137,6 +146,284 @@
             <ac:spMk id="2" creationId="{C17A49C7-27F7-5264-9AAA-5DF7B36CA60B}"/>
           </ac:spMkLst>
         </pc:spChg>
+      </pc:sldChg>
+      <pc:sldChg chg="modSp mod">
+        <pc:chgData name="Cayden Andrews" userId="a900b0b9c2d9fc9f" providerId="LiveId" clId="{6272F847-9BB4-417F-A861-A1D82C3E6007}" dt="2026-01-30T11:10:24.742" v="266" actId="404"/>
+        <pc:sldMkLst>
+          <pc:docMk/>
+          <pc:sldMk cId="2287900787" sldId="258"/>
+        </pc:sldMkLst>
+        <pc:spChg chg="mod">
+          <ac:chgData name="Cayden Andrews" userId="a900b0b9c2d9fc9f" providerId="LiveId" clId="{6272F847-9BB4-417F-A861-A1D82C3E6007}" dt="2026-01-30T11:10:24.742" v="266" actId="404"/>
+          <ac:spMkLst>
+            <pc:docMk/>
+            <pc:sldMk cId="2287900787" sldId="258"/>
+            <ac:spMk id="4" creationId="{060FECD5-959D-3478-9F75-91B52DD75991}"/>
+          </ac:spMkLst>
+        </pc:spChg>
+      </pc:sldChg>
+      <pc:sldChg chg="addSp delSp modSp new mod">
+        <pc:chgData name="Cayden Andrews" userId="a900b0b9c2d9fc9f" providerId="LiveId" clId="{6272F847-9BB4-417F-A861-A1D82C3E6007}" dt="2026-01-30T11:36:39.925" v="1061" actId="208"/>
+        <pc:sldMkLst>
+          <pc:docMk/>
+          <pc:sldMk cId="80140700" sldId="259"/>
+        </pc:sldMkLst>
+        <pc:spChg chg="del">
+          <ac:chgData name="Cayden Andrews" userId="a900b0b9c2d9fc9f" providerId="LiveId" clId="{6272F847-9BB4-417F-A861-A1D82C3E6007}" dt="2026-01-30T11:09:15.080" v="141" actId="478"/>
+          <ac:spMkLst>
+            <pc:docMk/>
+            <pc:sldMk cId="80140700" sldId="259"/>
+            <ac:spMk id="2" creationId="{76D51EBE-8712-86CA-A26A-EF17AC472FDC}"/>
+          </ac:spMkLst>
+        </pc:spChg>
+        <pc:spChg chg="del">
+          <ac:chgData name="Cayden Andrews" userId="a900b0b9c2d9fc9f" providerId="LiveId" clId="{6272F847-9BB4-417F-A861-A1D82C3E6007}" dt="2026-01-30T11:09:15.080" v="141" actId="478"/>
+          <ac:spMkLst>
+            <pc:docMk/>
+            <pc:sldMk cId="80140700" sldId="259"/>
+            <ac:spMk id="3" creationId="{8C41A23B-0C7C-2A03-4A9A-8478FAFAE471}"/>
+          </ac:spMkLst>
+        </pc:spChg>
+        <pc:spChg chg="add mod">
+          <ac:chgData name="Cayden Andrews" userId="a900b0b9c2d9fc9f" providerId="LiveId" clId="{6272F847-9BB4-417F-A861-A1D82C3E6007}" dt="2026-01-30T11:34:40.925" v="938" actId="20577"/>
+          <ac:spMkLst>
+            <pc:docMk/>
+            <pc:sldMk cId="80140700" sldId="259"/>
+            <ac:spMk id="4" creationId="{00755088-3855-5A72-D832-7BACAFF9A9C9}"/>
+          </ac:spMkLst>
+        </pc:spChg>
+        <pc:spChg chg="add mod">
+          <ac:chgData name="Cayden Andrews" userId="a900b0b9c2d9fc9f" providerId="LiveId" clId="{6272F847-9BB4-417F-A861-A1D82C3E6007}" dt="2026-01-30T11:18:24.316" v="536" actId="1076"/>
+          <ac:spMkLst>
+            <pc:docMk/>
+            <pc:sldMk cId="80140700" sldId="259"/>
+            <ac:spMk id="7" creationId="{19F92180-E691-D7BC-E03C-E1A4F8594743}"/>
+          </ac:spMkLst>
+        </pc:spChg>
+        <pc:spChg chg="add mod">
+          <ac:chgData name="Cayden Andrews" userId="a900b0b9c2d9fc9f" providerId="LiveId" clId="{6272F847-9BB4-417F-A861-A1D82C3E6007}" dt="2026-01-30T11:18:24.316" v="536" actId="1076"/>
+          <ac:spMkLst>
+            <pc:docMk/>
+            <pc:sldMk cId="80140700" sldId="259"/>
+            <ac:spMk id="12" creationId="{41EBA784-3D82-20A7-10E7-ED77F31367AA}"/>
+          </ac:spMkLst>
+        </pc:spChg>
+        <pc:spChg chg="add mod">
+          <ac:chgData name="Cayden Andrews" userId="a900b0b9c2d9fc9f" providerId="LiveId" clId="{6272F847-9BB4-417F-A861-A1D82C3E6007}" dt="2026-01-30T11:18:24.316" v="536" actId="1076"/>
+          <ac:spMkLst>
+            <pc:docMk/>
+            <pc:sldMk cId="80140700" sldId="259"/>
+            <ac:spMk id="13" creationId="{BBA828AF-3F17-D682-F6EC-3E01198E9147}"/>
+          </ac:spMkLst>
+        </pc:spChg>
+        <pc:spChg chg="add mod">
+          <ac:chgData name="Cayden Andrews" userId="a900b0b9c2d9fc9f" providerId="LiveId" clId="{6272F847-9BB4-417F-A861-A1D82C3E6007}" dt="2026-01-30T11:18:24.316" v="536" actId="1076"/>
+          <ac:spMkLst>
+            <pc:docMk/>
+            <pc:sldMk cId="80140700" sldId="259"/>
+            <ac:spMk id="14" creationId="{4AF45523-2863-F422-1C1C-6DD0CE3423C6}"/>
+          </ac:spMkLst>
+        </pc:spChg>
+        <pc:spChg chg="add mod">
+          <ac:chgData name="Cayden Andrews" userId="a900b0b9c2d9fc9f" providerId="LiveId" clId="{6272F847-9BB4-417F-A861-A1D82C3E6007}" dt="2026-01-30T11:18:24.316" v="536" actId="1076"/>
+          <ac:spMkLst>
+            <pc:docMk/>
+            <pc:sldMk cId="80140700" sldId="259"/>
+            <ac:spMk id="15" creationId="{C0D0A5A6-770F-B451-C8C9-81E10992950E}"/>
+          </ac:spMkLst>
+        </pc:spChg>
+        <pc:spChg chg="add mod">
+          <ac:chgData name="Cayden Andrews" userId="a900b0b9c2d9fc9f" providerId="LiveId" clId="{6272F847-9BB4-417F-A861-A1D82C3E6007}" dt="2026-01-30T11:18:24.316" v="536" actId="1076"/>
+          <ac:spMkLst>
+            <pc:docMk/>
+            <pc:sldMk cId="80140700" sldId="259"/>
+            <ac:spMk id="16" creationId="{709538AD-1CA3-367B-E120-D8A2BCB9E423}"/>
+          </ac:spMkLst>
+        </pc:spChg>
+        <pc:spChg chg="add mod">
+          <ac:chgData name="Cayden Andrews" userId="a900b0b9c2d9fc9f" providerId="LiveId" clId="{6272F847-9BB4-417F-A861-A1D82C3E6007}" dt="2026-01-30T11:18:24.316" v="536" actId="1076"/>
+          <ac:spMkLst>
+            <pc:docMk/>
+            <pc:sldMk cId="80140700" sldId="259"/>
+            <ac:spMk id="17" creationId="{7017B5C8-D1FA-FCC9-F0CA-049E18E928F5}"/>
+          </ac:spMkLst>
+        </pc:spChg>
+        <pc:spChg chg="add mod">
+          <ac:chgData name="Cayden Andrews" userId="a900b0b9c2d9fc9f" providerId="LiveId" clId="{6272F847-9BB4-417F-A861-A1D82C3E6007}" dt="2026-01-30T11:33:15.755" v="731" actId="207"/>
+          <ac:spMkLst>
+            <pc:docMk/>
+            <pc:sldMk cId="80140700" sldId="259"/>
+            <ac:spMk id="20" creationId="{5DADB918-190F-0739-EE5A-DE9ED4B48706}"/>
+          </ac:spMkLst>
+        </pc:spChg>
+        <pc:spChg chg="add mod">
+          <ac:chgData name="Cayden Andrews" userId="a900b0b9c2d9fc9f" providerId="LiveId" clId="{6272F847-9BB4-417F-A861-A1D82C3E6007}" dt="2026-01-30T11:18:24.316" v="536" actId="1076"/>
+          <ac:spMkLst>
+            <pc:docMk/>
+            <pc:sldMk cId="80140700" sldId="259"/>
+            <ac:spMk id="23" creationId="{2C6E4AA6-0B17-8E19-B480-29B0B06B21CA}"/>
+          </ac:spMkLst>
+        </pc:spChg>
+        <pc:spChg chg="add mod">
+          <ac:chgData name="Cayden Andrews" userId="a900b0b9c2d9fc9f" providerId="LiveId" clId="{6272F847-9BB4-417F-A861-A1D82C3E6007}" dt="2026-01-30T11:17:37.907" v="485" actId="1076"/>
+          <ac:spMkLst>
+            <pc:docMk/>
+            <pc:sldMk cId="80140700" sldId="259"/>
+            <ac:spMk id="24" creationId="{F53B2B9C-1893-C95F-CE37-7DC520117389}"/>
+          </ac:spMkLst>
+        </pc:spChg>
+        <pc:spChg chg="add mod">
+          <ac:chgData name="Cayden Andrews" userId="a900b0b9c2d9fc9f" providerId="LiveId" clId="{6272F847-9BB4-417F-A861-A1D82C3E6007}" dt="2026-01-30T11:35:48.999" v="944" actId="14100"/>
+          <ac:spMkLst>
+            <pc:docMk/>
+            <pc:sldMk cId="80140700" sldId="259"/>
+            <ac:spMk id="25" creationId="{CCBA8DE8-80CF-755F-0D3A-7302980664F2}"/>
+          </ac:spMkLst>
+        </pc:spChg>
+        <pc:spChg chg="add mod">
+          <ac:chgData name="Cayden Andrews" userId="a900b0b9c2d9fc9f" providerId="LiveId" clId="{6272F847-9BB4-417F-A861-A1D82C3E6007}" dt="2026-01-30T11:17:52.059" v="492" actId="14100"/>
+          <ac:spMkLst>
+            <pc:docMk/>
+            <pc:sldMk cId="80140700" sldId="259"/>
+            <ac:spMk id="26" creationId="{8181A841-3F1B-8CC7-4AB8-CECC6B6B60E7}"/>
+          </ac:spMkLst>
+        </pc:spChg>
+        <pc:spChg chg="add mod">
+          <ac:chgData name="Cayden Andrews" userId="a900b0b9c2d9fc9f" providerId="LiveId" clId="{6272F847-9BB4-417F-A861-A1D82C3E6007}" dt="2026-01-30T11:24:45.639" v="546" actId="14100"/>
+          <ac:spMkLst>
+            <pc:docMk/>
+            <pc:sldMk cId="80140700" sldId="259"/>
+            <ac:spMk id="30" creationId="{BB21909B-24A5-75C1-EBA6-466721CDEB9D}"/>
+          </ac:spMkLst>
+        </pc:spChg>
+        <pc:spChg chg="add mod">
+          <ac:chgData name="Cayden Andrews" userId="a900b0b9c2d9fc9f" providerId="LiveId" clId="{6272F847-9BB4-417F-A861-A1D82C3E6007}" dt="2026-01-30T11:32:45.117" v="725" actId="14100"/>
+          <ac:spMkLst>
+            <pc:docMk/>
+            <pc:sldMk cId="80140700" sldId="259"/>
+            <ac:spMk id="33" creationId="{29147147-271D-1434-BF28-55685725BB7F}"/>
+          </ac:spMkLst>
+        </pc:spChg>
+        <pc:spChg chg="add mod">
+          <ac:chgData name="Cayden Andrews" userId="a900b0b9c2d9fc9f" providerId="LiveId" clId="{6272F847-9BB4-417F-A861-A1D82C3E6007}" dt="2026-01-30T11:34:25.682" v="933" actId="20577"/>
+          <ac:spMkLst>
+            <pc:docMk/>
+            <pc:sldMk cId="80140700" sldId="259"/>
+            <ac:spMk id="36" creationId="{18554E41-74F5-1A14-527D-98F305FEE73D}"/>
+          </ac:spMkLst>
+        </pc:spChg>
+        <pc:spChg chg="add mod">
+          <ac:chgData name="Cayden Andrews" userId="a900b0b9c2d9fc9f" providerId="LiveId" clId="{6272F847-9BB4-417F-A861-A1D82C3E6007}" dt="2026-01-30T11:36:26.066" v="1057" actId="20577"/>
+          <ac:spMkLst>
+            <pc:docMk/>
+            <pc:sldMk cId="80140700" sldId="259"/>
+            <ac:spMk id="45" creationId="{DFFBA3EE-ECB2-4FB3-ACF7-AB2D70BE094C}"/>
+          </ac:spMkLst>
+        </pc:spChg>
+        <pc:picChg chg="add del mod">
+          <ac:chgData name="Cayden Andrews" userId="a900b0b9c2d9fc9f" providerId="LiveId" clId="{6272F847-9BB4-417F-A861-A1D82C3E6007}" dt="2026-01-30T11:14:18.058" v="299" actId="478"/>
+          <ac:picMkLst>
+            <pc:docMk/>
+            <pc:sldMk cId="80140700" sldId="259"/>
+            <ac:picMk id="6" creationId="{2E3474B0-DFB7-F589-0C6B-78E1E7276C9F}"/>
+          </ac:picMkLst>
+        </pc:picChg>
+        <pc:picChg chg="add mod ord">
+          <ac:chgData name="Cayden Andrews" userId="a900b0b9c2d9fc9f" providerId="LiveId" clId="{6272F847-9BB4-417F-A861-A1D82C3E6007}" dt="2026-01-30T11:18:24.316" v="536" actId="1076"/>
+          <ac:picMkLst>
+            <pc:docMk/>
+            <pc:sldMk cId="80140700" sldId="259"/>
+            <ac:picMk id="9" creationId="{0BF2FFDA-486E-5A6C-ACF1-FB6663B54A29}"/>
+          </ac:picMkLst>
+        </pc:picChg>
+        <pc:picChg chg="add del">
+          <ac:chgData name="Cayden Andrews" userId="a900b0b9c2d9fc9f" providerId="LiveId" clId="{6272F847-9BB4-417F-A861-A1D82C3E6007}" dt="2026-01-30T11:14:34.053" v="307" actId="22"/>
+          <ac:picMkLst>
+            <pc:docMk/>
+            <pc:sldMk cId="80140700" sldId="259"/>
+            <ac:picMk id="11" creationId="{7873A720-AE90-237E-A46A-F0904D0210BF}"/>
+          </ac:picMkLst>
+        </pc:picChg>
+        <pc:picChg chg="add mod">
+          <ac:chgData name="Cayden Andrews" userId="a900b0b9c2d9fc9f" providerId="LiveId" clId="{6272F847-9BB4-417F-A861-A1D82C3E6007}" dt="2026-01-30T11:17:35.891" v="484" actId="1076"/>
+          <ac:picMkLst>
+            <pc:docMk/>
+            <pc:sldMk cId="80140700" sldId="259"/>
+            <ac:picMk id="22" creationId="{0A3B5DD4-AB8F-29B0-695C-964A03BF9B0C}"/>
+          </ac:picMkLst>
+        </pc:picChg>
+        <pc:picChg chg="add mod">
+          <ac:chgData name="Cayden Andrews" userId="a900b0b9c2d9fc9f" providerId="LiveId" clId="{6272F847-9BB4-417F-A861-A1D82C3E6007}" dt="2026-01-30T11:31:45.301" v="553" actId="1076"/>
+          <ac:picMkLst>
+            <pc:docMk/>
+            <pc:sldMk cId="80140700" sldId="259"/>
+            <ac:picMk id="32" creationId="{5FE9B3D5-8EA6-F855-09FA-527DC7315DD3}"/>
+          </ac:picMkLst>
+        </pc:picChg>
+        <pc:picChg chg="add mod">
+          <ac:chgData name="Cayden Andrews" userId="a900b0b9c2d9fc9f" providerId="LiveId" clId="{6272F847-9BB4-417F-A861-A1D82C3E6007}" dt="2026-01-30T11:33:20.161" v="732" actId="1076"/>
+          <ac:picMkLst>
+            <pc:docMk/>
+            <pc:sldMk cId="80140700" sldId="259"/>
+            <ac:picMk id="35" creationId="{9109D0F1-C1AA-06F7-E275-10EDA317D775}"/>
+          </ac:picMkLst>
+        </pc:picChg>
+        <pc:cxnChg chg="add mod">
+          <ac:chgData name="Cayden Andrews" userId="a900b0b9c2d9fc9f" providerId="LiveId" clId="{6272F847-9BB4-417F-A861-A1D82C3E6007}" dt="2026-01-30T11:36:37.853" v="1060" actId="208"/>
+          <ac:cxnSpMkLst>
+            <pc:docMk/>
+            <pc:sldMk cId="80140700" sldId="259"/>
+            <ac:cxnSpMk id="19" creationId="{2FF95C9F-C6F7-5FE3-095F-BEE3DB66DE98}"/>
+          </ac:cxnSpMkLst>
+        </pc:cxnChg>
+        <pc:cxnChg chg="add mod">
+          <ac:chgData name="Cayden Andrews" userId="a900b0b9c2d9fc9f" providerId="LiveId" clId="{6272F847-9BB4-417F-A861-A1D82C3E6007}" dt="2026-01-30T11:36:39.925" v="1061" actId="208"/>
+          <ac:cxnSpMkLst>
+            <pc:docMk/>
+            <pc:sldMk cId="80140700" sldId="259"/>
+            <ac:cxnSpMk id="28" creationId="{CD466385-7CCC-B385-28D3-113363C7085F}"/>
+          </ac:cxnSpMkLst>
+        </pc:cxnChg>
+        <pc:cxnChg chg="add">
+          <ac:chgData name="Cayden Andrews" userId="a900b0b9c2d9fc9f" providerId="LiveId" clId="{6272F847-9BB4-417F-A861-A1D82C3E6007}" dt="2026-01-30T11:34:47.290" v="939" actId="11529"/>
+          <ac:cxnSpMkLst>
+            <pc:docMk/>
+            <pc:sldMk cId="80140700" sldId="259"/>
+            <ac:cxnSpMk id="38" creationId="{486E0C2A-B0C8-D8B8-4929-94453EB70193}"/>
+          </ac:cxnSpMkLst>
+        </pc:cxnChg>
+        <pc:cxnChg chg="add">
+          <ac:chgData name="Cayden Andrews" userId="a900b0b9c2d9fc9f" providerId="LiveId" clId="{6272F847-9BB4-417F-A861-A1D82C3E6007}" dt="2026-01-30T11:34:51.754" v="940" actId="11529"/>
+          <ac:cxnSpMkLst>
+            <pc:docMk/>
+            <pc:sldMk cId="80140700" sldId="259"/>
+            <ac:cxnSpMk id="40" creationId="{4D57D0EF-6F4D-3A8F-79D1-90FFCF66AAA9}"/>
+          </ac:cxnSpMkLst>
+        </pc:cxnChg>
+        <pc:cxnChg chg="add">
+          <ac:chgData name="Cayden Andrews" userId="a900b0b9c2d9fc9f" providerId="LiveId" clId="{6272F847-9BB4-417F-A861-A1D82C3E6007}" dt="2026-01-30T11:34:56.472" v="941" actId="11529"/>
+          <ac:cxnSpMkLst>
+            <pc:docMk/>
+            <pc:sldMk cId="80140700" sldId="259"/>
+            <ac:cxnSpMk id="42" creationId="{345BA78A-F1CE-F5F6-BE19-A2D1061A1C33}"/>
+          </ac:cxnSpMkLst>
+        </pc:cxnChg>
+        <pc:cxnChg chg="add">
+          <ac:chgData name="Cayden Andrews" userId="a900b0b9c2d9fc9f" providerId="LiveId" clId="{6272F847-9BB4-417F-A861-A1D82C3E6007}" dt="2026-01-30T11:35:00.625" v="942" actId="11529"/>
+          <ac:cxnSpMkLst>
+            <pc:docMk/>
+            <pc:sldMk cId="80140700" sldId="259"/>
+            <ac:cxnSpMk id="44" creationId="{C6A46CE8-6C5E-C4D8-1334-61319648D01C}"/>
+          </ac:cxnSpMkLst>
+        </pc:cxnChg>
+        <pc:cxnChg chg="add mod">
+          <ac:chgData name="Cayden Andrews" userId="a900b0b9c2d9fc9f" providerId="LiveId" clId="{6272F847-9BB4-417F-A861-A1D82C3E6007}" dt="2026-01-30T11:36:35.747" v="1059" actId="208"/>
+          <ac:cxnSpMkLst>
+            <pc:docMk/>
+            <pc:sldMk cId="80140700" sldId="259"/>
+            <ac:cxnSpMk id="47" creationId="{ABCA5E34-53A7-CA17-C421-F137FFFC6289}"/>
+          </ac:cxnSpMkLst>
+        </pc:cxnChg>
       </pc:sldChg>
     </pc:docChg>
   </pc:docChgLst>
@@ -292,7 +579,7 @@
           <a:p>
             <a:fld id="{2D5F75EA-5DA0-4839-9D7D-A0FA68C3529A}" type="datetimeFigureOut">
               <a:rPr lang="en-GB" smtClean="0"/>
-              <a:t>28/01/2026</a:t>
+              <a:t>30/01/2026</a:t>
             </a:fld>
             <a:endParaRPr lang="en-GB"/>
           </a:p>
@@ -492,7 +779,7 @@
           <a:p>
             <a:fld id="{2D5F75EA-5DA0-4839-9D7D-A0FA68C3529A}" type="datetimeFigureOut">
               <a:rPr lang="en-GB" smtClean="0"/>
-              <a:t>28/01/2026</a:t>
+              <a:t>30/01/2026</a:t>
             </a:fld>
             <a:endParaRPr lang="en-GB"/>
           </a:p>
@@ -702,7 +989,7 @@
           <a:p>
             <a:fld id="{2D5F75EA-5DA0-4839-9D7D-A0FA68C3529A}" type="datetimeFigureOut">
               <a:rPr lang="en-GB" smtClean="0"/>
-              <a:t>28/01/2026</a:t>
+              <a:t>30/01/2026</a:t>
             </a:fld>
             <a:endParaRPr lang="en-GB"/>
           </a:p>
@@ -902,7 +1189,7 @@
           <a:p>
             <a:fld id="{2D5F75EA-5DA0-4839-9D7D-A0FA68C3529A}" type="datetimeFigureOut">
               <a:rPr lang="en-GB" smtClean="0"/>
-              <a:t>28/01/2026</a:t>
+              <a:t>30/01/2026</a:t>
             </a:fld>
             <a:endParaRPr lang="en-GB"/>
           </a:p>
@@ -1178,7 +1465,7 @@
           <a:p>
             <a:fld id="{2D5F75EA-5DA0-4839-9D7D-A0FA68C3529A}" type="datetimeFigureOut">
               <a:rPr lang="en-GB" smtClean="0"/>
-              <a:t>28/01/2026</a:t>
+              <a:t>30/01/2026</a:t>
             </a:fld>
             <a:endParaRPr lang="en-GB"/>
           </a:p>
@@ -1446,7 +1733,7 @@
           <a:p>
             <a:fld id="{2D5F75EA-5DA0-4839-9D7D-A0FA68C3529A}" type="datetimeFigureOut">
               <a:rPr lang="en-GB" smtClean="0"/>
-              <a:t>28/01/2026</a:t>
+              <a:t>30/01/2026</a:t>
             </a:fld>
             <a:endParaRPr lang="en-GB"/>
           </a:p>
@@ -1861,7 +2148,7 @@
           <a:p>
             <a:fld id="{2D5F75EA-5DA0-4839-9D7D-A0FA68C3529A}" type="datetimeFigureOut">
               <a:rPr lang="en-GB" smtClean="0"/>
-              <a:t>28/01/2026</a:t>
+              <a:t>30/01/2026</a:t>
             </a:fld>
             <a:endParaRPr lang="en-GB"/>
           </a:p>
@@ -2003,7 +2290,7 @@
           <a:p>
             <a:fld id="{2D5F75EA-5DA0-4839-9D7D-A0FA68C3529A}" type="datetimeFigureOut">
               <a:rPr lang="en-GB" smtClean="0"/>
-              <a:t>28/01/2026</a:t>
+              <a:t>30/01/2026</a:t>
             </a:fld>
             <a:endParaRPr lang="en-GB"/>
           </a:p>
@@ -2116,7 +2403,7 @@
           <a:p>
             <a:fld id="{2D5F75EA-5DA0-4839-9D7D-A0FA68C3529A}" type="datetimeFigureOut">
               <a:rPr lang="en-GB" smtClean="0"/>
-              <a:t>28/01/2026</a:t>
+              <a:t>30/01/2026</a:t>
             </a:fld>
             <a:endParaRPr lang="en-GB"/>
           </a:p>
@@ -2429,7 +2716,7 @@
           <a:p>
             <a:fld id="{2D5F75EA-5DA0-4839-9D7D-A0FA68C3529A}" type="datetimeFigureOut">
               <a:rPr lang="en-GB" smtClean="0"/>
-              <a:t>28/01/2026</a:t>
+              <a:t>30/01/2026</a:t>
             </a:fld>
             <a:endParaRPr lang="en-GB"/>
           </a:p>
@@ -2718,7 +3005,7 @@
           <a:p>
             <a:fld id="{2D5F75EA-5DA0-4839-9D7D-A0FA68C3529A}" type="datetimeFigureOut">
               <a:rPr lang="en-GB" smtClean="0"/>
-              <a:t>28/01/2026</a:t>
+              <a:t>30/01/2026</a:t>
             </a:fld>
             <a:endParaRPr lang="en-GB"/>
           </a:p>
@@ -2961,7 +3248,7 @@
           <a:p>
             <a:fld id="{2D5F75EA-5DA0-4839-9D7D-A0FA68C3529A}" type="datetimeFigureOut">
               <a:rPr lang="en-GB" smtClean="0"/>
-              <a:t>28/01/2026</a:t>
+              <a:t>30/01/2026</a:t>
             </a:fld>
             <a:endParaRPr lang="en-GB"/>
           </a:p>
@@ -4014,7 +4301,7 @@
         </p:nvSpPr>
         <p:spPr>
           <a:xfrm>
-            <a:off x="2778063" y="569061"/>
+            <a:off x="2859520" y="514208"/>
             <a:ext cx="528286" cy="307777"/>
           </a:xfrm>
           <a:prstGeom prst="rect">
@@ -4346,8 +4633,8 @@
         </p:nvSpPr>
         <p:spPr>
           <a:xfrm>
-            <a:off x="2283583" y="129902"/>
-            <a:ext cx="3548134" cy="307777"/>
+            <a:off x="3583640" y="148986"/>
+            <a:ext cx="528286" cy="307777"/>
           </a:xfrm>
           <a:prstGeom prst="rect">
             <a:avLst/>
@@ -4362,11 +4649,7 @@
           <a:p>
             <a:r>
               <a:rPr lang="en-GB" sz="1400" b="1" dirty="0"/>
-              <a:t>75% </a:t>
-            </a:r>
-            <a:r>
-              <a:rPr lang="en-GB" sz="1000" b="1" dirty="0"/>
-              <a:t>- (chance of an object from this group being placed)</a:t>
+              <a:t>75%</a:t>
             </a:r>
           </a:p>
         </p:txBody>
@@ -5072,7 +5355,7 @@
         </p:nvSpPr>
         <p:spPr>
           <a:xfrm>
-            <a:off x="8329164" y="2161623"/>
+            <a:off x="8333362" y="1684642"/>
             <a:ext cx="3684253" cy="4524315"/>
           </a:xfrm>
           <a:prstGeom prst="rect">
@@ -5383,7 +5666,7 @@
         <p:spPr>
           <a:xfrm>
             <a:off x="7743217" y="1690688"/>
-            <a:ext cx="3702996" cy="2554545"/>
+            <a:ext cx="3702996" cy="4278094"/>
           </a:xfrm>
           <a:prstGeom prst="rect">
             <a:avLst/>
@@ -5399,6 +5682,15 @@
             <a:r>
               <a:rPr lang="en-GB" sz="3200" dirty="0"/>
               <a:t>Take as much time  as you need to learn each tool before starting to time the scenes.</a:t>
+            </a:r>
+          </a:p>
+          <a:p>
+            <a:endParaRPr lang="en-GB" sz="3200" dirty="0"/>
+          </a:p>
+          <a:p>
+            <a:r>
+              <a:rPr lang="en-GB" sz="2000" dirty="0"/>
+              <a:t>Note: clicking the terrain will activate the unity terrain tool – this is not any of the 3 tools so should not be used.</a:t>
             </a:r>
           </a:p>
         </p:txBody>
@@ -5407,6 +5699,1273 @@
     <p:extLst>
       <p:ext uri="{BB962C8B-B14F-4D97-AF65-F5344CB8AC3E}">
         <p14:creationId xmlns:p14="http://schemas.microsoft.com/office/powerpoint/2010/main" val="2287900787"/>
+      </p:ext>
+    </p:extLst>
+  </p:cSld>
+  <p:clrMapOvr>
+    <a:masterClrMapping/>
+  </p:clrMapOvr>
+</p:sld>
+</file>
+
+<file path=ppt/slides/slide4.xml><?xml version="1.0" encoding="utf-8"?>
+<p:sld xmlns:a="http://schemas.openxmlformats.org/drawingml/2006/main" xmlns:r="http://schemas.openxmlformats.org/officeDocument/2006/relationships" xmlns:p="http://schemas.openxmlformats.org/presentationml/2006/main">
+  <p:cSld>
+    <p:spTree>
+      <p:nvGrpSpPr>
+        <p:cNvPr id="1" name=""/>
+        <p:cNvGrpSpPr/>
+        <p:nvPr/>
+      </p:nvGrpSpPr>
+      <p:grpSpPr>
+        <a:xfrm>
+          <a:off x="0" y="0"/>
+          <a:ext cx="0" cy="0"/>
+          <a:chOff x="0" y="0"/>
+          <a:chExt cx="0" cy="0"/>
+        </a:xfrm>
+      </p:grpSpPr>
+      <p:pic>
+        <p:nvPicPr>
+          <p:cNvPr id="9" name="Picture 8">
+            <a:extLst>
+              <a:ext uri="{FF2B5EF4-FFF2-40B4-BE49-F238E27FC236}">
+                <a16:creationId xmlns:a16="http://schemas.microsoft.com/office/drawing/2014/main" id="{0BF2FFDA-486E-5A6C-ACF1-FB6663B54A29}"/>
+              </a:ext>
+            </a:extLst>
+          </p:cNvPr>
+          <p:cNvPicPr>
+            <a:picLocks noChangeAspect="1"/>
+          </p:cNvPicPr>
+          <p:nvPr/>
+        </p:nvPicPr>
+        <p:blipFill>
+          <a:blip r:embed="rId2"/>
+          <a:stretch>
+            <a:fillRect/>
+          </a:stretch>
+        </p:blipFill>
+        <p:spPr>
+          <a:xfrm>
+            <a:off x="3733874" y="723900"/>
+            <a:ext cx="2877199" cy="5880100"/>
+          </a:xfrm>
+          <a:prstGeom prst="rect">
+            <a:avLst/>
+          </a:prstGeom>
+        </p:spPr>
+      </p:pic>
+      <p:sp>
+        <p:nvSpPr>
+          <p:cNvPr id="4" name="TextBox 3">
+            <a:extLst>
+              <a:ext uri="{FF2B5EF4-FFF2-40B4-BE49-F238E27FC236}">
+                <a16:creationId xmlns:a16="http://schemas.microsoft.com/office/drawing/2014/main" id="{00755088-3855-5A72-D832-7BACAFF9A9C9}"/>
+              </a:ext>
+            </a:extLst>
+          </p:cNvPr>
+          <p:cNvSpPr txBox="1"/>
+          <p:nvPr/>
+        </p:nvSpPr>
+        <p:spPr>
+          <a:xfrm>
+            <a:off x="127000" y="152400"/>
+            <a:ext cx="11563350" cy="369332"/>
+          </a:xfrm>
+          <a:prstGeom prst="rect">
+            <a:avLst/>
+          </a:prstGeom>
+          <a:noFill/>
+        </p:spPr>
+        <p:txBody>
+          <a:bodyPr wrap="square" rtlCol="0">
+            <a:spAutoFit/>
+          </a:bodyPr>
+          <a:lstStyle/>
+          <a:p>
+            <a:r>
+              <a:rPr lang="en-GB" dirty="0"/>
+              <a:t>Tool1					Tool2					CAAPT</a:t>
+            </a:r>
+          </a:p>
+        </p:txBody>
+      </p:sp>
+      <p:sp>
+        <p:nvSpPr>
+          <p:cNvPr id="7" name="Rectangle 6">
+            <a:extLst>
+              <a:ext uri="{FF2B5EF4-FFF2-40B4-BE49-F238E27FC236}">
+                <a16:creationId xmlns:a16="http://schemas.microsoft.com/office/drawing/2014/main" id="{19F92180-E691-D7BC-E03C-E1A4F8594743}"/>
+              </a:ext>
+            </a:extLst>
+          </p:cNvPr>
+          <p:cNvSpPr/>
+          <p:nvPr/>
+        </p:nvSpPr>
+        <p:spPr>
+          <a:xfrm>
+            <a:off x="5244376" y="1041400"/>
+            <a:ext cx="901700" cy="234950"/>
+          </a:xfrm>
+          <a:prstGeom prst="rect">
+            <a:avLst/>
+          </a:prstGeom>
+          <a:noFill/>
+          <a:ln>
+            <a:solidFill>
+              <a:srgbClr val="FF0000"/>
+            </a:solidFill>
+          </a:ln>
+        </p:spPr>
+        <p:style>
+          <a:lnRef idx="2">
+            <a:schemeClr val="accent1">
+              <a:shade val="15000"/>
+            </a:schemeClr>
+          </a:lnRef>
+          <a:fillRef idx="1">
+            <a:schemeClr val="accent1"/>
+          </a:fillRef>
+          <a:effectRef idx="0">
+            <a:schemeClr val="accent1"/>
+          </a:effectRef>
+          <a:fontRef idx="minor">
+            <a:schemeClr val="lt1"/>
+          </a:fontRef>
+        </p:style>
+        <p:txBody>
+          <a:bodyPr rtlCol="0" anchor="ctr"/>
+          <a:lstStyle/>
+          <a:p>
+            <a:pPr algn="ctr"/>
+            <a:endParaRPr lang="en-GB"/>
+          </a:p>
+        </p:txBody>
+      </p:sp>
+      <p:sp>
+        <p:nvSpPr>
+          <p:cNvPr id="12" name="Rectangle 11">
+            <a:extLst>
+              <a:ext uri="{FF2B5EF4-FFF2-40B4-BE49-F238E27FC236}">
+                <a16:creationId xmlns:a16="http://schemas.microsoft.com/office/drawing/2014/main" id="{41EBA784-3D82-20A7-10E7-ED77F31367AA}"/>
+              </a:ext>
+            </a:extLst>
+          </p:cNvPr>
+          <p:cNvSpPr/>
+          <p:nvPr/>
+        </p:nvSpPr>
+        <p:spPr>
+          <a:xfrm>
+            <a:off x="5384076" y="2609850"/>
+            <a:ext cx="901700" cy="234950"/>
+          </a:xfrm>
+          <a:prstGeom prst="rect">
+            <a:avLst/>
+          </a:prstGeom>
+          <a:noFill/>
+          <a:ln>
+            <a:solidFill>
+              <a:srgbClr val="FF0000"/>
+            </a:solidFill>
+          </a:ln>
+        </p:spPr>
+        <p:style>
+          <a:lnRef idx="2">
+            <a:schemeClr val="accent1">
+              <a:shade val="15000"/>
+            </a:schemeClr>
+          </a:lnRef>
+          <a:fillRef idx="1">
+            <a:schemeClr val="accent1"/>
+          </a:fillRef>
+          <a:effectRef idx="0">
+            <a:schemeClr val="accent1"/>
+          </a:effectRef>
+          <a:fontRef idx="minor">
+            <a:schemeClr val="lt1"/>
+          </a:fontRef>
+        </p:style>
+        <p:txBody>
+          <a:bodyPr rtlCol="0" anchor="ctr"/>
+          <a:lstStyle/>
+          <a:p>
+            <a:pPr algn="ctr"/>
+            <a:endParaRPr lang="en-GB"/>
+          </a:p>
+        </p:txBody>
+      </p:sp>
+      <p:sp>
+        <p:nvSpPr>
+          <p:cNvPr id="13" name="Rectangle 12">
+            <a:extLst>
+              <a:ext uri="{FF2B5EF4-FFF2-40B4-BE49-F238E27FC236}">
+                <a16:creationId xmlns:a16="http://schemas.microsoft.com/office/drawing/2014/main" id="{BBA828AF-3F17-D682-F6EC-3E01198E9147}"/>
+              </a:ext>
+            </a:extLst>
+          </p:cNvPr>
+          <p:cNvSpPr/>
+          <p:nvPr/>
+        </p:nvSpPr>
+        <p:spPr>
+          <a:xfrm>
+            <a:off x="4108125" y="2727325"/>
+            <a:ext cx="901700" cy="234950"/>
+          </a:xfrm>
+          <a:prstGeom prst="rect">
+            <a:avLst/>
+          </a:prstGeom>
+          <a:noFill/>
+          <a:ln>
+            <a:solidFill>
+              <a:srgbClr val="FF0000"/>
+            </a:solidFill>
+          </a:ln>
+        </p:spPr>
+        <p:style>
+          <a:lnRef idx="2">
+            <a:schemeClr val="accent1">
+              <a:shade val="15000"/>
+            </a:schemeClr>
+          </a:lnRef>
+          <a:fillRef idx="1">
+            <a:schemeClr val="accent1"/>
+          </a:fillRef>
+          <a:effectRef idx="0">
+            <a:schemeClr val="accent1"/>
+          </a:effectRef>
+          <a:fontRef idx="minor">
+            <a:schemeClr val="lt1"/>
+          </a:fontRef>
+        </p:style>
+        <p:txBody>
+          <a:bodyPr rtlCol="0" anchor="ctr"/>
+          <a:lstStyle/>
+          <a:p>
+            <a:pPr algn="ctr"/>
+            <a:endParaRPr lang="en-GB"/>
+          </a:p>
+        </p:txBody>
+      </p:sp>
+      <p:sp>
+        <p:nvSpPr>
+          <p:cNvPr id="14" name="Rectangle 13">
+            <a:extLst>
+              <a:ext uri="{FF2B5EF4-FFF2-40B4-BE49-F238E27FC236}">
+                <a16:creationId xmlns:a16="http://schemas.microsoft.com/office/drawing/2014/main" id="{4AF45523-2863-F422-1C1C-6DD0CE3423C6}"/>
+              </a:ext>
+            </a:extLst>
+          </p:cNvPr>
+          <p:cNvSpPr/>
+          <p:nvPr/>
+        </p:nvSpPr>
+        <p:spPr>
+          <a:xfrm>
+            <a:off x="6088926" y="3162300"/>
+            <a:ext cx="590550" cy="140732"/>
+          </a:xfrm>
+          <a:prstGeom prst="rect">
+            <a:avLst/>
+          </a:prstGeom>
+          <a:noFill/>
+          <a:ln>
+            <a:solidFill>
+              <a:srgbClr val="FF0000"/>
+            </a:solidFill>
+          </a:ln>
+        </p:spPr>
+        <p:style>
+          <a:lnRef idx="2">
+            <a:schemeClr val="accent1">
+              <a:shade val="15000"/>
+            </a:schemeClr>
+          </a:lnRef>
+          <a:fillRef idx="1">
+            <a:schemeClr val="accent1"/>
+          </a:fillRef>
+          <a:effectRef idx="0">
+            <a:schemeClr val="accent1"/>
+          </a:effectRef>
+          <a:fontRef idx="minor">
+            <a:schemeClr val="lt1"/>
+          </a:fontRef>
+        </p:style>
+        <p:txBody>
+          <a:bodyPr rtlCol="0" anchor="ctr"/>
+          <a:lstStyle/>
+          <a:p>
+            <a:pPr algn="ctr"/>
+            <a:endParaRPr lang="en-GB"/>
+          </a:p>
+        </p:txBody>
+      </p:sp>
+      <p:sp>
+        <p:nvSpPr>
+          <p:cNvPr id="15" name="Rectangle 14">
+            <a:extLst>
+              <a:ext uri="{FF2B5EF4-FFF2-40B4-BE49-F238E27FC236}">
+                <a16:creationId xmlns:a16="http://schemas.microsoft.com/office/drawing/2014/main" id="{C0D0A5A6-770F-B451-C8C9-81E10992950E}"/>
+              </a:ext>
+            </a:extLst>
+          </p:cNvPr>
+          <p:cNvSpPr/>
+          <p:nvPr/>
+        </p:nvSpPr>
+        <p:spPr>
+          <a:xfrm>
+            <a:off x="4266476" y="3994150"/>
+            <a:ext cx="412750" cy="234950"/>
+          </a:xfrm>
+          <a:prstGeom prst="rect">
+            <a:avLst/>
+          </a:prstGeom>
+          <a:noFill/>
+          <a:ln>
+            <a:solidFill>
+              <a:srgbClr val="FF0000"/>
+            </a:solidFill>
+          </a:ln>
+        </p:spPr>
+        <p:style>
+          <a:lnRef idx="2">
+            <a:schemeClr val="accent1">
+              <a:shade val="15000"/>
+            </a:schemeClr>
+          </a:lnRef>
+          <a:fillRef idx="1">
+            <a:schemeClr val="accent1"/>
+          </a:fillRef>
+          <a:effectRef idx="0">
+            <a:schemeClr val="accent1"/>
+          </a:effectRef>
+          <a:fontRef idx="minor">
+            <a:schemeClr val="lt1"/>
+          </a:fontRef>
+        </p:style>
+        <p:txBody>
+          <a:bodyPr rtlCol="0" anchor="ctr"/>
+          <a:lstStyle/>
+          <a:p>
+            <a:pPr algn="ctr"/>
+            <a:endParaRPr lang="en-GB"/>
+          </a:p>
+        </p:txBody>
+      </p:sp>
+      <p:sp>
+        <p:nvSpPr>
+          <p:cNvPr id="16" name="Rectangle 15">
+            <a:extLst>
+              <a:ext uri="{FF2B5EF4-FFF2-40B4-BE49-F238E27FC236}">
+                <a16:creationId xmlns:a16="http://schemas.microsoft.com/office/drawing/2014/main" id="{709538AD-1CA3-367B-E120-D8A2BCB9E423}"/>
+              </a:ext>
+            </a:extLst>
+          </p:cNvPr>
+          <p:cNvSpPr/>
+          <p:nvPr/>
+        </p:nvSpPr>
+        <p:spPr>
+          <a:xfrm>
+            <a:off x="3777526" y="5143500"/>
+            <a:ext cx="901700" cy="234950"/>
+          </a:xfrm>
+          <a:prstGeom prst="rect">
+            <a:avLst/>
+          </a:prstGeom>
+          <a:noFill/>
+          <a:ln>
+            <a:solidFill>
+              <a:srgbClr val="FF0000"/>
+            </a:solidFill>
+          </a:ln>
+        </p:spPr>
+        <p:style>
+          <a:lnRef idx="2">
+            <a:schemeClr val="accent1">
+              <a:shade val="15000"/>
+            </a:schemeClr>
+          </a:lnRef>
+          <a:fillRef idx="1">
+            <a:schemeClr val="accent1"/>
+          </a:fillRef>
+          <a:effectRef idx="0">
+            <a:schemeClr val="accent1"/>
+          </a:effectRef>
+          <a:fontRef idx="minor">
+            <a:schemeClr val="lt1"/>
+          </a:fontRef>
+        </p:style>
+        <p:txBody>
+          <a:bodyPr rtlCol="0" anchor="ctr"/>
+          <a:lstStyle/>
+          <a:p>
+            <a:pPr algn="ctr"/>
+            <a:endParaRPr lang="en-GB"/>
+          </a:p>
+        </p:txBody>
+      </p:sp>
+      <p:sp>
+        <p:nvSpPr>
+          <p:cNvPr id="17" name="Rectangle 16">
+            <a:extLst>
+              <a:ext uri="{FF2B5EF4-FFF2-40B4-BE49-F238E27FC236}">
+                <a16:creationId xmlns:a16="http://schemas.microsoft.com/office/drawing/2014/main" id="{7017B5C8-D1FA-FCC9-F0CA-049E18E928F5}"/>
+              </a:ext>
+            </a:extLst>
+          </p:cNvPr>
+          <p:cNvSpPr/>
+          <p:nvPr/>
+        </p:nvSpPr>
+        <p:spPr>
+          <a:xfrm>
+            <a:off x="5625376" y="5143500"/>
+            <a:ext cx="901700" cy="234950"/>
+          </a:xfrm>
+          <a:prstGeom prst="rect">
+            <a:avLst/>
+          </a:prstGeom>
+          <a:noFill/>
+          <a:ln>
+            <a:solidFill>
+              <a:srgbClr val="FF0000"/>
+            </a:solidFill>
+          </a:ln>
+        </p:spPr>
+        <p:style>
+          <a:lnRef idx="2">
+            <a:schemeClr val="accent1">
+              <a:shade val="15000"/>
+            </a:schemeClr>
+          </a:lnRef>
+          <a:fillRef idx="1">
+            <a:schemeClr val="accent1"/>
+          </a:fillRef>
+          <a:effectRef idx="0">
+            <a:schemeClr val="accent1"/>
+          </a:effectRef>
+          <a:fontRef idx="minor">
+            <a:schemeClr val="lt1"/>
+          </a:fontRef>
+        </p:style>
+        <p:txBody>
+          <a:bodyPr rtlCol="0" anchor="ctr"/>
+          <a:lstStyle/>
+          <a:p>
+            <a:pPr algn="ctr"/>
+            <a:endParaRPr lang="en-GB"/>
+          </a:p>
+        </p:txBody>
+      </p:sp>
+      <p:cxnSp>
+        <p:nvCxnSpPr>
+          <p:cNvPr id="19" name="Straight Arrow Connector 18">
+            <a:extLst>
+              <a:ext uri="{FF2B5EF4-FFF2-40B4-BE49-F238E27FC236}">
+                <a16:creationId xmlns:a16="http://schemas.microsoft.com/office/drawing/2014/main" id="{2FF95C9F-C6F7-5FE3-095F-BEE3DB66DE98}"/>
+              </a:ext>
+            </a:extLst>
+          </p:cNvPr>
+          <p:cNvCxnSpPr>
+            <a:endCxn id="14" idx="3"/>
+          </p:cNvCxnSpPr>
+          <p:nvPr/>
+        </p:nvCxnSpPr>
+        <p:spPr>
+          <a:xfrm flipH="1" flipV="1">
+            <a:off x="6679476" y="3232666"/>
+            <a:ext cx="279400" cy="386834"/>
+          </a:xfrm>
+          <a:prstGeom prst="straightConnector1">
+            <a:avLst/>
+          </a:prstGeom>
+          <a:ln>
+            <a:solidFill>
+              <a:srgbClr val="FF0000"/>
+            </a:solidFill>
+            <a:tailEnd type="triangle"/>
+          </a:ln>
+        </p:spPr>
+        <p:style>
+          <a:lnRef idx="2">
+            <a:schemeClr val="accent1"/>
+          </a:lnRef>
+          <a:fillRef idx="0">
+            <a:schemeClr val="accent1"/>
+          </a:fillRef>
+          <a:effectRef idx="1">
+            <a:schemeClr val="accent1"/>
+          </a:effectRef>
+          <a:fontRef idx="minor">
+            <a:schemeClr val="tx1"/>
+          </a:fontRef>
+        </p:style>
+      </p:cxnSp>
+      <p:sp>
+        <p:nvSpPr>
+          <p:cNvPr id="20" name="TextBox 19">
+            <a:extLst>
+              <a:ext uri="{FF2B5EF4-FFF2-40B4-BE49-F238E27FC236}">
+                <a16:creationId xmlns:a16="http://schemas.microsoft.com/office/drawing/2014/main" id="{5DADB918-190F-0739-EE5A-DE9ED4B48706}"/>
+              </a:ext>
+            </a:extLst>
+          </p:cNvPr>
+          <p:cNvSpPr txBox="1"/>
+          <p:nvPr/>
+        </p:nvSpPr>
+        <p:spPr>
+          <a:xfrm>
+            <a:off x="5718454" y="3632200"/>
+            <a:ext cx="1941653" cy="958850"/>
+          </a:xfrm>
+          <a:prstGeom prst="rect">
+            <a:avLst/>
+          </a:prstGeom>
+          <a:solidFill>
+            <a:schemeClr val="bg1"/>
+          </a:solidFill>
+        </p:spPr>
+        <p:txBody>
+          <a:bodyPr wrap="square" rtlCol="0">
+            <a:spAutoFit/>
+          </a:bodyPr>
+          <a:lstStyle/>
+          <a:p>
+            <a:r>
+              <a:rPr lang="en-GB" sz="1100" dirty="0"/>
+              <a:t>Once the rest are set all you need to edit in the UI is dragging objects into the objects section and edit this slider to edit the density.</a:t>
+            </a:r>
+          </a:p>
+        </p:txBody>
+      </p:sp>
+      <p:pic>
+        <p:nvPicPr>
+          <p:cNvPr id="22" name="Picture 21">
+            <a:extLst>
+              <a:ext uri="{FF2B5EF4-FFF2-40B4-BE49-F238E27FC236}">
+                <a16:creationId xmlns:a16="http://schemas.microsoft.com/office/drawing/2014/main" id="{0A3B5DD4-AB8F-29B0-695C-964A03BF9B0C}"/>
+              </a:ext>
+            </a:extLst>
+          </p:cNvPr>
+          <p:cNvPicPr>
+            <a:picLocks noChangeAspect="1"/>
+          </p:cNvPicPr>
+          <p:nvPr/>
+        </p:nvPicPr>
+        <p:blipFill>
+          <a:blip r:embed="rId3"/>
+          <a:stretch>
+            <a:fillRect/>
+          </a:stretch>
+        </p:blipFill>
+        <p:spPr>
+          <a:xfrm>
+            <a:off x="179513" y="884700"/>
+            <a:ext cx="3223024" cy="5338299"/>
+          </a:xfrm>
+          <a:prstGeom prst="rect">
+            <a:avLst/>
+          </a:prstGeom>
+        </p:spPr>
+      </p:pic>
+      <p:sp>
+        <p:nvSpPr>
+          <p:cNvPr id="23" name="Rectangle 22">
+            <a:extLst>
+              <a:ext uri="{FF2B5EF4-FFF2-40B4-BE49-F238E27FC236}">
+                <a16:creationId xmlns:a16="http://schemas.microsoft.com/office/drawing/2014/main" id="{2C6E4AA6-0B17-8E19-B480-29B0B06B21CA}"/>
+              </a:ext>
+            </a:extLst>
+          </p:cNvPr>
+          <p:cNvSpPr/>
+          <p:nvPr/>
+        </p:nvSpPr>
+        <p:spPr>
+          <a:xfrm>
+            <a:off x="4721623" y="6410325"/>
+            <a:ext cx="901700" cy="234950"/>
+          </a:xfrm>
+          <a:prstGeom prst="rect">
+            <a:avLst/>
+          </a:prstGeom>
+          <a:noFill/>
+          <a:ln>
+            <a:solidFill>
+              <a:srgbClr val="FF0000"/>
+            </a:solidFill>
+          </a:ln>
+        </p:spPr>
+        <p:style>
+          <a:lnRef idx="2">
+            <a:schemeClr val="accent1">
+              <a:shade val="15000"/>
+            </a:schemeClr>
+          </a:lnRef>
+          <a:fillRef idx="1">
+            <a:schemeClr val="accent1"/>
+          </a:fillRef>
+          <a:effectRef idx="0">
+            <a:schemeClr val="accent1"/>
+          </a:effectRef>
+          <a:fontRef idx="minor">
+            <a:schemeClr val="lt1"/>
+          </a:fontRef>
+        </p:style>
+        <p:txBody>
+          <a:bodyPr rtlCol="0" anchor="ctr"/>
+          <a:lstStyle/>
+          <a:p>
+            <a:pPr algn="ctr"/>
+            <a:endParaRPr lang="en-GB"/>
+          </a:p>
+        </p:txBody>
+      </p:sp>
+      <p:sp>
+        <p:nvSpPr>
+          <p:cNvPr id="24" name="Rectangle 23">
+            <a:extLst>
+              <a:ext uri="{FF2B5EF4-FFF2-40B4-BE49-F238E27FC236}">
+                <a16:creationId xmlns:a16="http://schemas.microsoft.com/office/drawing/2014/main" id="{F53B2B9C-1893-C95F-CE37-7DC520117389}"/>
+              </a:ext>
+            </a:extLst>
+          </p:cNvPr>
+          <p:cNvSpPr/>
+          <p:nvPr/>
+        </p:nvSpPr>
+        <p:spPr>
+          <a:xfrm>
+            <a:off x="958850" y="1104900"/>
+            <a:ext cx="285750" cy="234950"/>
+          </a:xfrm>
+          <a:prstGeom prst="rect">
+            <a:avLst/>
+          </a:prstGeom>
+          <a:noFill/>
+          <a:ln>
+            <a:solidFill>
+              <a:srgbClr val="FF0000"/>
+            </a:solidFill>
+          </a:ln>
+        </p:spPr>
+        <p:style>
+          <a:lnRef idx="2">
+            <a:schemeClr val="accent1">
+              <a:shade val="15000"/>
+            </a:schemeClr>
+          </a:lnRef>
+          <a:fillRef idx="1">
+            <a:schemeClr val="accent1"/>
+          </a:fillRef>
+          <a:effectRef idx="0">
+            <a:schemeClr val="accent1"/>
+          </a:effectRef>
+          <a:fontRef idx="minor">
+            <a:schemeClr val="lt1"/>
+          </a:fontRef>
+        </p:style>
+        <p:txBody>
+          <a:bodyPr rtlCol="0" anchor="ctr"/>
+          <a:lstStyle/>
+          <a:p>
+            <a:pPr algn="ctr"/>
+            <a:endParaRPr lang="en-GB"/>
+          </a:p>
+        </p:txBody>
+      </p:sp>
+      <p:sp>
+        <p:nvSpPr>
+          <p:cNvPr id="25" name="Rectangle 24">
+            <a:extLst>
+              <a:ext uri="{FF2B5EF4-FFF2-40B4-BE49-F238E27FC236}">
+                <a16:creationId xmlns:a16="http://schemas.microsoft.com/office/drawing/2014/main" id="{CCBA8DE8-80CF-755F-0D3A-7302980664F2}"/>
+              </a:ext>
+            </a:extLst>
+          </p:cNvPr>
+          <p:cNvSpPr/>
+          <p:nvPr/>
+        </p:nvSpPr>
+        <p:spPr>
+          <a:xfrm>
+            <a:off x="108144" y="1524774"/>
+            <a:ext cx="476056" cy="596126"/>
+          </a:xfrm>
+          <a:prstGeom prst="rect">
+            <a:avLst/>
+          </a:prstGeom>
+          <a:noFill/>
+          <a:ln>
+            <a:solidFill>
+              <a:srgbClr val="FF0000"/>
+            </a:solidFill>
+          </a:ln>
+        </p:spPr>
+        <p:style>
+          <a:lnRef idx="2">
+            <a:schemeClr val="accent1">
+              <a:shade val="15000"/>
+            </a:schemeClr>
+          </a:lnRef>
+          <a:fillRef idx="1">
+            <a:schemeClr val="accent1"/>
+          </a:fillRef>
+          <a:effectRef idx="0">
+            <a:schemeClr val="accent1"/>
+          </a:effectRef>
+          <a:fontRef idx="minor">
+            <a:schemeClr val="lt1"/>
+          </a:fontRef>
+        </p:style>
+        <p:txBody>
+          <a:bodyPr rtlCol="0" anchor="ctr"/>
+          <a:lstStyle/>
+          <a:p>
+            <a:pPr algn="ctr"/>
+            <a:endParaRPr lang="en-GB"/>
+          </a:p>
+        </p:txBody>
+      </p:sp>
+      <p:sp>
+        <p:nvSpPr>
+          <p:cNvPr id="26" name="Rectangle 25">
+            <a:extLst>
+              <a:ext uri="{FF2B5EF4-FFF2-40B4-BE49-F238E27FC236}">
+                <a16:creationId xmlns:a16="http://schemas.microsoft.com/office/drawing/2014/main" id="{8181A841-3F1B-8CC7-4AB8-CECC6B6B60E7}"/>
+              </a:ext>
+            </a:extLst>
+          </p:cNvPr>
+          <p:cNvSpPr/>
+          <p:nvPr/>
+        </p:nvSpPr>
+        <p:spPr>
+          <a:xfrm>
+            <a:off x="3079750" y="3162300"/>
+            <a:ext cx="322787" cy="234950"/>
+          </a:xfrm>
+          <a:prstGeom prst="rect">
+            <a:avLst/>
+          </a:prstGeom>
+          <a:noFill/>
+          <a:ln>
+            <a:solidFill>
+              <a:srgbClr val="FF0000"/>
+            </a:solidFill>
+          </a:ln>
+        </p:spPr>
+        <p:style>
+          <a:lnRef idx="2">
+            <a:schemeClr val="accent1">
+              <a:shade val="15000"/>
+            </a:schemeClr>
+          </a:lnRef>
+          <a:fillRef idx="1">
+            <a:schemeClr val="accent1"/>
+          </a:fillRef>
+          <a:effectRef idx="0">
+            <a:schemeClr val="accent1"/>
+          </a:effectRef>
+          <a:fontRef idx="minor">
+            <a:schemeClr val="lt1"/>
+          </a:fontRef>
+        </p:style>
+        <p:txBody>
+          <a:bodyPr rtlCol="0" anchor="ctr"/>
+          <a:lstStyle/>
+          <a:p>
+            <a:pPr algn="ctr"/>
+            <a:endParaRPr lang="en-GB"/>
+          </a:p>
+        </p:txBody>
+      </p:sp>
+      <p:cxnSp>
+        <p:nvCxnSpPr>
+          <p:cNvPr id="28" name="Straight Arrow Connector 27">
+            <a:extLst>
+              <a:ext uri="{FF2B5EF4-FFF2-40B4-BE49-F238E27FC236}">
+                <a16:creationId xmlns:a16="http://schemas.microsoft.com/office/drawing/2014/main" id="{CD466385-7CCC-B385-28D3-113363C7085F}"/>
+              </a:ext>
+            </a:extLst>
+          </p:cNvPr>
+          <p:cNvCxnSpPr>
+            <a:cxnSpLocks/>
+            <a:endCxn id="24" idx="3"/>
+          </p:cNvCxnSpPr>
+          <p:nvPr/>
+        </p:nvCxnSpPr>
+        <p:spPr>
+          <a:xfrm flipH="1">
+            <a:off x="1244600" y="723900"/>
+            <a:ext cx="946150" cy="498475"/>
+          </a:xfrm>
+          <a:prstGeom prst="straightConnector1">
+            <a:avLst/>
+          </a:prstGeom>
+          <a:ln>
+            <a:solidFill>
+              <a:srgbClr val="FF0000"/>
+            </a:solidFill>
+            <a:tailEnd type="triangle"/>
+          </a:ln>
+        </p:spPr>
+        <p:style>
+          <a:lnRef idx="2">
+            <a:schemeClr val="accent1"/>
+          </a:lnRef>
+          <a:fillRef idx="0">
+            <a:schemeClr val="accent1"/>
+          </a:fillRef>
+          <a:effectRef idx="1">
+            <a:schemeClr val="accent1"/>
+          </a:effectRef>
+          <a:fontRef idx="minor">
+            <a:schemeClr val="tx1"/>
+          </a:fontRef>
+        </p:style>
+      </p:cxnSp>
+      <p:sp>
+        <p:nvSpPr>
+          <p:cNvPr id="30" name="TextBox 29">
+            <a:extLst>
+              <a:ext uri="{FF2B5EF4-FFF2-40B4-BE49-F238E27FC236}">
+                <a16:creationId xmlns:a16="http://schemas.microsoft.com/office/drawing/2014/main" id="{BB21909B-24A5-75C1-EBA6-466721CDEB9D}"/>
+              </a:ext>
+            </a:extLst>
+          </p:cNvPr>
+          <p:cNvSpPr txBox="1"/>
+          <p:nvPr/>
+        </p:nvSpPr>
+        <p:spPr>
+          <a:xfrm>
+            <a:off x="2190749" y="400050"/>
+            <a:ext cx="1474721" cy="461665"/>
+          </a:xfrm>
+          <a:prstGeom prst="rect">
+            <a:avLst/>
+          </a:prstGeom>
+          <a:noFill/>
+        </p:spPr>
+        <p:txBody>
+          <a:bodyPr wrap="square" rtlCol="0">
+            <a:spAutoFit/>
+          </a:bodyPr>
+          <a:lstStyle/>
+          <a:p>
+            <a:r>
+              <a:rPr lang="en-GB" sz="1200" dirty="0"/>
+              <a:t>This will allow you to paint in scene</a:t>
+            </a:r>
+          </a:p>
+        </p:txBody>
+      </p:sp>
+      <p:pic>
+        <p:nvPicPr>
+          <p:cNvPr id="32" name="Picture 31">
+            <a:extLst>
+              <a:ext uri="{FF2B5EF4-FFF2-40B4-BE49-F238E27FC236}">
+                <a16:creationId xmlns:a16="http://schemas.microsoft.com/office/drawing/2014/main" id="{5FE9B3D5-8EA6-F855-09FA-527DC7315DD3}"/>
+              </a:ext>
+            </a:extLst>
+          </p:cNvPr>
+          <p:cNvPicPr>
+            <a:picLocks noChangeAspect="1"/>
+          </p:cNvPicPr>
+          <p:nvPr/>
+        </p:nvPicPr>
+        <p:blipFill>
+          <a:blip r:embed="rId4"/>
+          <a:stretch>
+            <a:fillRect/>
+          </a:stretch>
+        </p:blipFill>
+        <p:spPr>
+          <a:xfrm>
+            <a:off x="7019367" y="521732"/>
+            <a:ext cx="2483816" cy="2578480"/>
+          </a:xfrm>
+          <a:prstGeom prst="rect">
+            <a:avLst/>
+          </a:prstGeom>
+        </p:spPr>
+      </p:pic>
+      <p:sp>
+        <p:nvSpPr>
+          <p:cNvPr id="33" name="TextBox 32">
+            <a:extLst>
+              <a:ext uri="{FF2B5EF4-FFF2-40B4-BE49-F238E27FC236}">
+                <a16:creationId xmlns:a16="http://schemas.microsoft.com/office/drawing/2014/main" id="{29147147-271D-1434-BF28-55685725BB7F}"/>
+              </a:ext>
+            </a:extLst>
+          </p:cNvPr>
+          <p:cNvSpPr txBox="1"/>
+          <p:nvPr/>
+        </p:nvSpPr>
+        <p:spPr>
+          <a:xfrm>
+            <a:off x="9503183" y="521732"/>
+            <a:ext cx="2358617" cy="1938992"/>
+          </a:xfrm>
+          <a:prstGeom prst="rect">
+            <a:avLst/>
+          </a:prstGeom>
+          <a:noFill/>
+        </p:spPr>
+        <p:txBody>
+          <a:bodyPr wrap="square" rtlCol="0">
+            <a:spAutoFit/>
+          </a:bodyPr>
+          <a:lstStyle/>
+          <a:p>
+            <a:r>
+              <a:rPr lang="en-GB" sz="1200" dirty="0"/>
+              <a:t>Name palette</a:t>
+            </a:r>
+          </a:p>
+          <a:p>
+            <a:endParaRPr lang="en-GB" sz="1200" dirty="0"/>
+          </a:p>
+          <a:p>
+            <a:r>
+              <a:rPr lang="en-GB" sz="1200" dirty="0"/>
+              <a:t>Density slider - % fill</a:t>
+            </a:r>
+          </a:p>
+          <a:p>
+            <a:endParaRPr lang="en-GB" sz="1200" dirty="0"/>
+          </a:p>
+          <a:p>
+            <a:r>
+              <a:rPr lang="en-GB" sz="1200" dirty="0"/>
+              <a:t>Group weight – chance of that group being painted</a:t>
+            </a:r>
+          </a:p>
+          <a:p>
+            <a:endParaRPr lang="en-GB" sz="1200" dirty="0"/>
+          </a:p>
+          <a:p>
+            <a:r>
+              <a:rPr lang="en-GB" sz="1200" dirty="0"/>
+              <a:t>Object weight – chance of that object being painted when group is used</a:t>
+            </a:r>
+          </a:p>
+        </p:txBody>
+      </p:sp>
+      <p:pic>
+        <p:nvPicPr>
+          <p:cNvPr id="35" name="Picture 34">
+            <a:extLst>
+              <a:ext uri="{FF2B5EF4-FFF2-40B4-BE49-F238E27FC236}">
+                <a16:creationId xmlns:a16="http://schemas.microsoft.com/office/drawing/2014/main" id="{9109D0F1-C1AA-06F7-E275-10EDA317D775}"/>
+              </a:ext>
+            </a:extLst>
+          </p:cNvPr>
+          <p:cNvPicPr>
+            <a:picLocks noChangeAspect="1"/>
+          </p:cNvPicPr>
+          <p:nvPr/>
+        </p:nvPicPr>
+        <p:blipFill>
+          <a:blip r:embed="rId5"/>
+          <a:stretch>
+            <a:fillRect/>
+          </a:stretch>
+        </p:blipFill>
+        <p:spPr>
+          <a:xfrm>
+            <a:off x="7840078" y="3232666"/>
+            <a:ext cx="2621537" cy="2121280"/>
+          </a:xfrm>
+          <a:prstGeom prst="rect">
+            <a:avLst/>
+          </a:prstGeom>
+        </p:spPr>
+      </p:pic>
+      <p:sp>
+        <p:nvSpPr>
+          <p:cNvPr id="36" name="TextBox 35">
+            <a:extLst>
+              <a:ext uri="{FF2B5EF4-FFF2-40B4-BE49-F238E27FC236}">
+                <a16:creationId xmlns:a16="http://schemas.microsoft.com/office/drawing/2014/main" id="{18554E41-74F5-1A14-527D-98F305FEE73D}"/>
+              </a:ext>
+            </a:extLst>
+          </p:cNvPr>
+          <p:cNvSpPr txBox="1"/>
+          <p:nvPr/>
+        </p:nvSpPr>
+        <p:spPr>
+          <a:xfrm>
+            <a:off x="10461615" y="3341033"/>
+            <a:ext cx="1685935" cy="2492990"/>
+          </a:xfrm>
+          <a:prstGeom prst="rect">
+            <a:avLst/>
+          </a:prstGeom>
+          <a:noFill/>
+        </p:spPr>
+        <p:txBody>
+          <a:bodyPr wrap="square" rtlCol="0">
+            <a:spAutoFit/>
+          </a:bodyPr>
+          <a:lstStyle/>
+          <a:p>
+            <a:r>
+              <a:rPr lang="en-GB" sz="1200" dirty="0"/>
+              <a:t>Name the zone</a:t>
+            </a:r>
+          </a:p>
+          <a:p>
+            <a:endParaRPr lang="en-GB" sz="1200" dirty="0"/>
+          </a:p>
+          <a:p>
+            <a:r>
+              <a:rPr lang="en-GB" sz="1200" dirty="0"/>
+              <a:t>Assign it a saved palette</a:t>
+            </a:r>
+          </a:p>
+          <a:p>
+            <a:endParaRPr lang="en-GB" sz="1200" dirty="0"/>
+          </a:p>
+          <a:p>
+            <a:r>
+              <a:rPr lang="en-GB" sz="1200" dirty="0"/>
+              <a:t>Make a scene parent for the zone</a:t>
+            </a:r>
+          </a:p>
+          <a:p>
+            <a:endParaRPr lang="en-GB" sz="1200" dirty="0"/>
+          </a:p>
+          <a:p>
+            <a:r>
+              <a:rPr lang="en-GB" sz="1200" dirty="0"/>
+              <a:t>Create a sub zone for the active zone then press u to activate the brush tool to place its bounds in the scene</a:t>
+            </a:r>
+          </a:p>
+        </p:txBody>
+      </p:sp>
+      <p:cxnSp>
+        <p:nvCxnSpPr>
+          <p:cNvPr id="38" name="Straight Connector 37">
+            <a:extLst>
+              <a:ext uri="{FF2B5EF4-FFF2-40B4-BE49-F238E27FC236}">
+                <a16:creationId xmlns:a16="http://schemas.microsoft.com/office/drawing/2014/main" id="{486E0C2A-B0C8-D8B8-4929-94453EB70193}"/>
+              </a:ext>
+            </a:extLst>
+          </p:cNvPr>
+          <p:cNvCxnSpPr/>
+          <p:nvPr/>
+        </p:nvCxnSpPr>
+        <p:spPr>
+          <a:xfrm>
+            <a:off x="3594100" y="152400"/>
+            <a:ext cx="0" cy="6584950"/>
+          </a:xfrm>
+          <a:prstGeom prst="line">
+            <a:avLst/>
+          </a:prstGeom>
+        </p:spPr>
+        <p:style>
+          <a:lnRef idx="2">
+            <a:schemeClr val="accent1"/>
+          </a:lnRef>
+          <a:fillRef idx="0">
+            <a:schemeClr val="accent1"/>
+          </a:fillRef>
+          <a:effectRef idx="1">
+            <a:schemeClr val="accent1"/>
+          </a:effectRef>
+          <a:fontRef idx="minor">
+            <a:schemeClr val="tx1"/>
+          </a:fontRef>
+        </p:style>
+      </p:cxnSp>
+      <p:cxnSp>
+        <p:nvCxnSpPr>
+          <p:cNvPr id="40" name="Straight Connector 39">
+            <a:extLst>
+              <a:ext uri="{FF2B5EF4-FFF2-40B4-BE49-F238E27FC236}">
+                <a16:creationId xmlns:a16="http://schemas.microsoft.com/office/drawing/2014/main" id="{4D57D0EF-6F4D-3A8F-79D1-90FFCF66AAA9}"/>
+              </a:ext>
+            </a:extLst>
+          </p:cNvPr>
+          <p:cNvCxnSpPr/>
+          <p:nvPr/>
+        </p:nvCxnSpPr>
+        <p:spPr>
+          <a:xfrm>
+            <a:off x="6807200" y="152400"/>
+            <a:ext cx="151676" cy="3244850"/>
+          </a:xfrm>
+          <a:prstGeom prst="line">
+            <a:avLst/>
+          </a:prstGeom>
+        </p:spPr>
+        <p:style>
+          <a:lnRef idx="2">
+            <a:schemeClr val="accent1"/>
+          </a:lnRef>
+          <a:fillRef idx="0">
+            <a:schemeClr val="accent1"/>
+          </a:fillRef>
+          <a:effectRef idx="1">
+            <a:schemeClr val="accent1"/>
+          </a:effectRef>
+          <a:fontRef idx="minor">
+            <a:schemeClr val="tx1"/>
+          </a:fontRef>
+        </p:style>
+      </p:cxnSp>
+      <p:cxnSp>
+        <p:nvCxnSpPr>
+          <p:cNvPr id="42" name="Straight Connector 41">
+            <a:extLst>
+              <a:ext uri="{FF2B5EF4-FFF2-40B4-BE49-F238E27FC236}">
+                <a16:creationId xmlns:a16="http://schemas.microsoft.com/office/drawing/2014/main" id="{345BA78A-F1CE-F5F6-BE19-A2D1061A1C33}"/>
+              </a:ext>
+            </a:extLst>
+          </p:cNvPr>
+          <p:cNvCxnSpPr/>
+          <p:nvPr/>
+        </p:nvCxnSpPr>
+        <p:spPr>
+          <a:xfrm>
+            <a:off x="6958876" y="3397250"/>
+            <a:ext cx="635724" cy="101600"/>
+          </a:xfrm>
+          <a:prstGeom prst="line">
+            <a:avLst/>
+          </a:prstGeom>
+        </p:spPr>
+        <p:style>
+          <a:lnRef idx="2">
+            <a:schemeClr val="accent1"/>
+          </a:lnRef>
+          <a:fillRef idx="0">
+            <a:schemeClr val="accent1"/>
+          </a:fillRef>
+          <a:effectRef idx="1">
+            <a:schemeClr val="accent1"/>
+          </a:effectRef>
+          <a:fontRef idx="minor">
+            <a:schemeClr val="tx1"/>
+          </a:fontRef>
+        </p:style>
+      </p:cxnSp>
+      <p:cxnSp>
+        <p:nvCxnSpPr>
+          <p:cNvPr id="44" name="Straight Connector 43">
+            <a:extLst>
+              <a:ext uri="{FF2B5EF4-FFF2-40B4-BE49-F238E27FC236}">
+                <a16:creationId xmlns:a16="http://schemas.microsoft.com/office/drawing/2014/main" id="{C6A46CE8-6C5E-C4D8-1334-61319648D01C}"/>
+              </a:ext>
+            </a:extLst>
+          </p:cNvPr>
+          <p:cNvCxnSpPr/>
+          <p:nvPr/>
+        </p:nvCxnSpPr>
+        <p:spPr>
+          <a:xfrm>
+            <a:off x="7594600" y="3498850"/>
+            <a:ext cx="158750" cy="3146425"/>
+          </a:xfrm>
+          <a:prstGeom prst="line">
+            <a:avLst/>
+          </a:prstGeom>
+        </p:spPr>
+        <p:style>
+          <a:lnRef idx="2">
+            <a:schemeClr val="accent1"/>
+          </a:lnRef>
+          <a:fillRef idx="0">
+            <a:schemeClr val="accent1"/>
+          </a:fillRef>
+          <a:effectRef idx="1">
+            <a:schemeClr val="accent1"/>
+          </a:effectRef>
+          <a:fontRef idx="minor">
+            <a:schemeClr val="tx1"/>
+          </a:fontRef>
+        </p:style>
+      </p:cxnSp>
+      <p:sp>
+        <p:nvSpPr>
+          <p:cNvPr id="45" name="TextBox 44">
+            <a:extLst>
+              <a:ext uri="{FF2B5EF4-FFF2-40B4-BE49-F238E27FC236}">
+                <a16:creationId xmlns:a16="http://schemas.microsoft.com/office/drawing/2014/main" id="{DFFBA3EE-ECB2-4FB3-ACF7-AB2D70BE094C}"/>
+              </a:ext>
+            </a:extLst>
+          </p:cNvPr>
+          <p:cNvSpPr txBox="1"/>
+          <p:nvPr/>
+        </p:nvSpPr>
+        <p:spPr>
+          <a:xfrm>
+            <a:off x="1884222" y="4003166"/>
+            <a:ext cx="1941653" cy="769441"/>
+          </a:xfrm>
+          <a:prstGeom prst="rect">
+            <a:avLst/>
+          </a:prstGeom>
+          <a:solidFill>
+            <a:schemeClr val="bg1"/>
+          </a:solidFill>
+        </p:spPr>
+        <p:txBody>
+          <a:bodyPr wrap="square" rtlCol="0">
+            <a:spAutoFit/>
+          </a:bodyPr>
+          <a:lstStyle/>
+          <a:p>
+            <a:r>
+              <a:rPr lang="en-GB" sz="1100" dirty="0"/>
+              <a:t>This is the only setting that needs to be edited, altering the density of objects placed.</a:t>
+            </a:r>
+          </a:p>
+        </p:txBody>
+      </p:sp>
+      <p:cxnSp>
+        <p:nvCxnSpPr>
+          <p:cNvPr id="47" name="Straight Arrow Connector 46">
+            <a:extLst>
+              <a:ext uri="{FF2B5EF4-FFF2-40B4-BE49-F238E27FC236}">
+                <a16:creationId xmlns:a16="http://schemas.microsoft.com/office/drawing/2014/main" id="{ABCA5E34-53A7-CA17-C421-F137FFFC6289}"/>
+              </a:ext>
+            </a:extLst>
+          </p:cNvPr>
+          <p:cNvCxnSpPr>
+            <a:endCxn id="26" idx="2"/>
+          </p:cNvCxnSpPr>
+          <p:nvPr/>
+        </p:nvCxnSpPr>
+        <p:spPr>
+          <a:xfrm flipV="1">
+            <a:off x="2997200" y="3397250"/>
+            <a:ext cx="243944" cy="605916"/>
+          </a:xfrm>
+          <a:prstGeom prst="straightConnector1">
+            <a:avLst/>
+          </a:prstGeom>
+          <a:ln>
+            <a:solidFill>
+              <a:srgbClr val="FF0000"/>
+            </a:solidFill>
+            <a:tailEnd type="triangle"/>
+          </a:ln>
+        </p:spPr>
+        <p:style>
+          <a:lnRef idx="2">
+            <a:schemeClr val="accent1"/>
+          </a:lnRef>
+          <a:fillRef idx="0">
+            <a:schemeClr val="accent1"/>
+          </a:fillRef>
+          <a:effectRef idx="1">
+            <a:schemeClr val="accent1"/>
+          </a:effectRef>
+          <a:fontRef idx="minor">
+            <a:schemeClr val="tx1"/>
+          </a:fontRef>
+        </p:style>
+      </p:cxnSp>
+    </p:spTree>
+    <p:extLst>
+      <p:ext uri="{BB962C8B-B14F-4D97-AF65-F5344CB8AC3E}">
+        <p14:creationId xmlns:p14="http://schemas.microsoft.com/office/powerpoint/2010/main" val="80140700"/>
       </p:ext>
     </p:extLst>
   </p:cSld>

--- a/PaletteInstructions.pptx
+++ b/PaletteInstructions.pptx
@@ -8,6 +8,7 @@
     <p:sldId id="256" r:id="rId2"/>
     <p:sldId id="257" r:id="rId3"/>
     <p:sldId id="258" r:id="rId4"/>
+    <p:sldId id="259" r:id="rId5"/>
   </p:sldIdLst>
   <p:sldSz cx="12192000" cy="6858000"/>
   <p:notesSz cx="6858000" cy="9144000"/>
@@ -114,12 +115,20 @@
 </p:presentation>
 </file>
 
+<file path=ppt/revisionInfo.xml><?xml version="1.0" encoding="utf-8"?>
+<p1510:revInfo xmlns:a="http://schemas.openxmlformats.org/drawingml/2006/main" xmlns:r="http://schemas.openxmlformats.org/officeDocument/2006/relationships" xmlns:p1510="http://schemas.microsoft.com/office/powerpoint/2015/10/main">
+  <p1510:revLst>
+    <p1510:client id="{7D5027E6-3D61-40AE-B196-13DB84CC30F2}" v="16" dt="2026-01-30T11:35:55.100"/>
+  </p1510:revLst>
+</p1510:revInfo>
+</file>
+
 <file path=ppt/changesInfos/changesInfo1.xml><?xml version="1.0" encoding="utf-8"?>
 <pc:chgInfo xmlns:a="http://schemas.openxmlformats.org/drawingml/2006/main" xmlns:r="http://schemas.openxmlformats.org/officeDocument/2006/relationships" xmlns:ac="http://schemas.microsoft.com/office/drawing/2013/main/command" xmlns:pc="http://schemas.microsoft.com/office/powerpoint/2013/main/command">
   <pc:docChgLst>
     <pc:chgData name="Cayden Andrews" userId="a900b0b9c2d9fc9f" providerId="LiveId" clId="{6272F847-9BB4-417F-A861-A1D82C3E6007}"/>
-    <pc:docChg chg="modSld">
-      <pc:chgData name="Cayden Andrews" userId="a900b0b9c2d9fc9f" providerId="LiveId" clId="{6272F847-9BB4-417F-A861-A1D82C3E6007}" dt="2026-01-24T10:25:55.759" v="139" actId="20577"/>
+    <pc:docChg chg="undo custSel addSld modSld">
+      <pc:chgData name="Cayden Andrews" userId="a900b0b9c2d9fc9f" providerId="LiveId" clId="{6272F847-9BB4-417F-A861-A1D82C3E6007}" dt="2026-01-30T11:36:39.925" v="1061" actId="208"/>
       <pc:docMkLst>
         <pc:docMk/>
       </pc:docMkLst>
@@ -137,6 +146,284 @@
             <ac:spMk id="2" creationId="{C17A49C7-27F7-5264-9AAA-5DF7B36CA60B}"/>
           </ac:spMkLst>
         </pc:spChg>
+      </pc:sldChg>
+      <pc:sldChg chg="modSp mod">
+        <pc:chgData name="Cayden Andrews" userId="a900b0b9c2d9fc9f" providerId="LiveId" clId="{6272F847-9BB4-417F-A861-A1D82C3E6007}" dt="2026-01-30T11:10:24.742" v="266" actId="404"/>
+        <pc:sldMkLst>
+          <pc:docMk/>
+          <pc:sldMk cId="2287900787" sldId="258"/>
+        </pc:sldMkLst>
+        <pc:spChg chg="mod">
+          <ac:chgData name="Cayden Andrews" userId="a900b0b9c2d9fc9f" providerId="LiveId" clId="{6272F847-9BB4-417F-A861-A1D82C3E6007}" dt="2026-01-30T11:10:24.742" v="266" actId="404"/>
+          <ac:spMkLst>
+            <pc:docMk/>
+            <pc:sldMk cId="2287900787" sldId="258"/>
+            <ac:spMk id="4" creationId="{060FECD5-959D-3478-9F75-91B52DD75991}"/>
+          </ac:spMkLst>
+        </pc:spChg>
+      </pc:sldChg>
+      <pc:sldChg chg="addSp delSp modSp new mod">
+        <pc:chgData name="Cayden Andrews" userId="a900b0b9c2d9fc9f" providerId="LiveId" clId="{6272F847-9BB4-417F-A861-A1D82C3E6007}" dt="2026-01-30T11:36:39.925" v="1061" actId="208"/>
+        <pc:sldMkLst>
+          <pc:docMk/>
+          <pc:sldMk cId="80140700" sldId="259"/>
+        </pc:sldMkLst>
+        <pc:spChg chg="del">
+          <ac:chgData name="Cayden Andrews" userId="a900b0b9c2d9fc9f" providerId="LiveId" clId="{6272F847-9BB4-417F-A861-A1D82C3E6007}" dt="2026-01-30T11:09:15.080" v="141" actId="478"/>
+          <ac:spMkLst>
+            <pc:docMk/>
+            <pc:sldMk cId="80140700" sldId="259"/>
+            <ac:spMk id="2" creationId="{76D51EBE-8712-86CA-A26A-EF17AC472FDC}"/>
+          </ac:spMkLst>
+        </pc:spChg>
+        <pc:spChg chg="del">
+          <ac:chgData name="Cayden Andrews" userId="a900b0b9c2d9fc9f" providerId="LiveId" clId="{6272F847-9BB4-417F-A861-A1D82C3E6007}" dt="2026-01-30T11:09:15.080" v="141" actId="478"/>
+          <ac:spMkLst>
+            <pc:docMk/>
+            <pc:sldMk cId="80140700" sldId="259"/>
+            <ac:spMk id="3" creationId="{8C41A23B-0C7C-2A03-4A9A-8478FAFAE471}"/>
+          </ac:spMkLst>
+        </pc:spChg>
+        <pc:spChg chg="add mod">
+          <ac:chgData name="Cayden Andrews" userId="a900b0b9c2d9fc9f" providerId="LiveId" clId="{6272F847-9BB4-417F-A861-A1D82C3E6007}" dt="2026-01-30T11:34:40.925" v="938" actId="20577"/>
+          <ac:spMkLst>
+            <pc:docMk/>
+            <pc:sldMk cId="80140700" sldId="259"/>
+            <ac:spMk id="4" creationId="{00755088-3855-5A72-D832-7BACAFF9A9C9}"/>
+          </ac:spMkLst>
+        </pc:spChg>
+        <pc:spChg chg="add mod">
+          <ac:chgData name="Cayden Andrews" userId="a900b0b9c2d9fc9f" providerId="LiveId" clId="{6272F847-9BB4-417F-A861-A1D82C3E6007}" dt="2026-01-30T11:18:24.316" v="536" actId="1076"/>
+          <ac:spMkLst>
+            <pc:docMk/>
+            <pc:sldMk cId="80140700" sldId="259"/>
+            <ac:spMk id="7" creationId="{19F92180-E691-D7BC-E03C-E1A4F8594743}"/>
+          </ac:spMkLst>
+        </pc:spChg>
+        <pc:spChg chg="add mod">
+          <ac:chgData name="Cayden Andrews" userId="a900b0b9c2d9fc9f" providerId="LiveId" clId="{6272F847-9BB4-417F-A861-A1D82C3E6007}" dt="2026-01-30T11:18:24.316" v="536" actId="1076"/>
+          <ac:spMkLst>
+            <pc:docMk/>
+            <pc:sldMk cId="80140700" sldId="259"/>
+            <ac:spMk id="12" creationId="{41EBA784-3D82-20A7-10E7-ED77F31367AA}"/>
+          </ac:spMkLst>
+        </pc:spChg>
+        <pc:spChg chg="add mod">
+          <ac:chgData name="Cayden Andrews" userId="a900b0b9c2d9fc9f" providerId="LiveId" clId="{6272F847-9BB4-417F-A861-A1D82C3E6007}" dt="2026-01-30T11:18:24.316" v="536" actId="1076"/>
+          <ac:spMkLst>
+            <pc:docMk/>
+            <pc:sldMk cId="80140700" sldId="259"/>
+            <ac:spMk id="13" creationId="{BBA828AF-3F17-D682-F6EC-3E01198E9147}"/>
+          </ac:spMkLst>
+        </pc:spChg>
+        <pc:spChg chg="add mod">
+          <ac:chgData name="Cayden Andrews" userId="a900b0b9c2d9fc9f" providerId="LiveId" clId="{6272F847-9BB4-417F-A861-A1D82C3E6007}" dt="2026-01-30T11:18:24.316" v="536" actId="1076"/>
+          <ac:spMkLst>
+            <pc:docMk/>
+            <pc:sldMk cId="80140700" sldId="259"/>
+            <ac:spMk id="14" creationId="{4AF45523-2863-F422-1C1C-6DD0CE3423C6}"/>
+          </ac:spMkLst>
+        </pc:spChg>
+        <pc:spChg chg="add mod">
+          <ac:chgData name="Cayden Andrews" userId="a900b0b9c2d9fc9f" providerId="LiveId" clId="{6272F847-9BB4-417F-A861-A1D82C3E6007}" dt="2026-01-30T11:18:24.316" v="536" actId="1076"/>
+          <ac:spMkLst>
+            <pc:docMk/>
+            <pc:sldMk cId="80140700" sldId="259"/>
+            <ac:spMk id="15" creationId="{C0D0A5A6-770F-B451-C8C9-81E10992950E}"/>
+          </ac:spMkLst>
+        </pc:spChg>
+        <pc:spChg chg="add mod">
+          <ac:chgData name="Cayden Andrews" userId="a900b0b9c2d9fc9f" providerId="LiveId" clId="{6272F847-9BB4-417F-A861-A1D82C3E6007}" dt="2026-01-30T11:18:24.316" v="536" actId="1076"/>
+          <ac:spMkLst>
+            <pc:docMk/>
+            <pc:sldMk cId="80140700" sldId="259"/>
+            <ac:spMk id="16" creationId="{709538AD-1CA3-367B-E120-D8A2BCB9E423}"/>
+          </ac:spMkLst>
+        </pc:spChg>
+        <pc:spChg chg="add mod">
+          <ac:chgData name="Cayden Andrews" userId="a900b0b9c2d9fc9f" providerId="LiveId" clId="{6272F847-9BB4-417F-A861-A1D82C3E6007}" dt="2026-01-30T11:18:24.316" v="536" actId="1076"/>
+          <ac:spMkLst>
+            <pc:docMk/>
+            <pc:sldMk cId="80140700" sldId="259"/>
+            <ac:spMk id="17" creationId="{7017B5C8-D1FA-FCC9-F0CA-049E18E928F5}"/>
+          </ac:spMkLst>
+        </pc:spChg>
+        <pc:spChg chg="add mod">
+          <ac:chgData name="Cayden Andrews" userId="a900b0b9c2d9fc9f" providerId="LiveId" clId="{6272F847-9BB4-417F-A861-A1D82C3E6007}" dt="2026-01-30T11:33:15.755" v="731" actId="207"/>
+          <ac:spMkLst>
+            <pc:docMk/>
+            <pc:sldMk cId="80140700" sldId="259"/>
+            <ac:spMk id="20" creationId="{5DADB918-190F-0739-EE5A-DE9ED4B48706}"/>
+          </ac:spMkLst>
+        </pc:spChg>
+        <pc:spChg chg="add mod">
+          <ac:chgData name="Cayden Andrews" userId="a900b0b9c2d9fc9f" providerId="LiveId" clId="{6272F847-9BB4-417F-A861-A1D82C3E6007}" dt="2026-01-30T11:18:24.316" v="536" actId="1076"/>
+          <ac:spMkLst>
+            <pc:docMk/>
+            <pc:sldMk cId="80140700" sldId="259"/>
+            <ac:spMk id="23" creationId="{2C6E4AA6-0B17-8E19-B480-29B0B06B21CA}"/>
+          </ac:spMkLst>
+        </pc:spChg>
+        <pc:spChg chg="add mod">
+          <ac:chgData name="Cayden Andrews" userId="a900b0b9c2d9fc9f" providerId="LiveId" clId="{6272F847-9BB4-417F-A861-A1D82C3E6007}" dt="2026-01-30T11:17:37.907" v="485" actId="1076"/>
+          <ac:spMkLst>
+            <pc:docMk/>
+            <pc:sldMk cId="80140700" sldId="259"/>
+            <ac:spMk id="24" creationId="{F53B2B9C-1893-C95F-CE37-7DC520117389}"/>
+          </ac:spMkLst>
+        </pc:spChg>
+        <pc:spChg chg="add mod">
+          <ac:chgData name="Cayden Andrews" userId="a900b0b9c2d9fc9f" providerId="LiveId" clId="{6272F847-9BB4-417F-A861-A1D82C3E6007}" dt="2026-01-30T11:35:48.999" v="944" actId="14100"/>
+          <ac:spMkLst>
+            <pc:docMk/>
+            <pc:sldMk cId="80140700" sldId="259"/>
+            <ac:spMk id="25" creationId="{CCBA8DE8-80CF-755F-0D3A-7302980664F2}"/>
+          </ac:spMkLst>
+        </pc:spChg>
+        <pc:spChg chg="add mod">
+          <ac:chgData name="Cayden Andrews" userId="a900b0b9c2d9fc9f" providerId="LiveId" clId="{6272F847-9BB4-417F-A861-A1D82C3E6007}" dt="2026-01-30T11:17:52.059" v="492" actId="14100"/>
+          <ac:spMkLst>
+            <pc:docMk/>
+            <pc:sldMk cId="80140700" sldId="259"/>
+            <ac:spMk id="26" creationId="{8181A841-3F1B-8CC7-4AB8-CECC6B6B60E7}"/>
+          </ac:spMkLst>
+        </pc:spChg>
+        <pc:spChg chg="add mod">
+          <ac:chgData name="Cayden Andrews" userId="a900b0b9c2d9fc9f" providerId="LiveId" clId="{6272F847-9BB4-417F-A861-A1D82C3E6007}" dt="2026-01-30T11:24:45.639" v="546" actId="14100"/>
+          <ac:spMkLst>
+            <pc:docMk/>
+            <pc:sldMk cId="80140700" sldId="259"/>
+            <ac:spMk id="30" creationId="{BB21909B-24A5-75C1-EBA6-466721CDEB9D}"/>
+          </ac:spMkLst>
+        </pc:spChg>
+        <pc:spChg chg="add mod">
+          <ac:chgData name="Cayden Andrews" userId="a900b0b9c2d9fc9f" providerId="LiveId" clId="{6272F847-9BB4-417F-A861-A1D82C3E6007}" dt="2026-01-30T11:32:45.117" v="725" actId="14100"/>
+          <ac:spMkLst>
+            <pc:docMk/>
+            <pc:sldMk cId="80140700" sldId="259"/>
+            <ac:spMk id="33" creationId="{29147147-271D-1434-BF28-55685725BB7F}"/>
+          </ac:spMkLst>
+        </pc:spChg>
+        <pc:spChg chg="add mod">
+          <ac:chgData name="Cayden Andrews" userId="a900b0b9c2d9fc9f" providerId="LiveId" clId="{6272F847-9BB4-417F-A861-A1D82C3E6007}" dt="2026-01-30T11:34:25.682" v="933" actId="20577"/>
+          <ac:spMkLst>
+            <pc:docMk/>
+            <pc:sldMk cId="80140700" sldId="259"/>
+            <ac:spMk id="36" creationId="{18554E41-74F5-1A14-527D-98F305FEE73D}"/>
+          </ac:spMkLst>
+        </pc:spChg>
+        <pc:spChg chg="add mod">
+          <ac:chgData name="Cayden Andrews" userId="a900b0b9c2d9fc9f" providerId="LiveId" clId="{6272F847-9BB4-417F-A861-A1D82C3E6007}" dt="2026-01-30T11:36:26.066" v="1057" actId="20577"/>
+          <ac:spMkLst>
+            <pc:docMk/>
+            <pc:sldMk cId="80140700" sldId="259"/>
+            <ac:spMk id="45" creationId="{DFFBA3EE-ECB2-4FB3-ACF7-AB2D70BE094C}"/>
+          </ac:spMkLst>
+        </pc:spChg>
+        <pc:picChg chg="add del mod">
+          <ac:chgData name="Cayden Andrews" userId="a900b0b9c2d9fc9f" providerId="LiveId" clId="{6272F847-9BB4-417F-A861-A1D82C3E6007}" dt="2026-01-30T11:14:18.058" v="299" actId="478"/>
+          <ac:picMkLst>
+            <pc:docMk/>
+            <pc:sldMk cId="80140700" sldId="259"/>
+            <ac:picMk id="6" creationId="{2E3474B0-DFB7-F589-0C6B-78E1E7276C9F}"/>
+          </ac:picMkLst>
+        </pc:picChg>
+        <pc:picChg chg="add mod ord">
+          <ac:chgData name="Cayden Andrews" userId="a900b0b9c2d9fc9f" providerId="LiveId" clId="{6272F847-9BB4-417F-A861-A1D82C3E6007}" dt="2026-01-30T11:18:24.316" v="536" actId="1076"/>
+          <ac:picMkLst>
+            <pc:docMk/>
+            <pc:sldMk cId="80140700" sldId="259"/>
+            <ac:picMk id="9" creationId="{0BF2FFDA-486E-5A6C-ACF1-FB6663B54A29}"/>
+          </ac:picMkLst>
+        </pc:picChg>
+        <pc:picChg chg="add del">
+          <ac:chgData name="Cayden Andrews" userId="a900b0b9c2d9fc9f" providerId="LiveId" clId="{6272F847-9BB4-417F-A861-A1D82C3E6007}" dt="2026-01-30T11:14:34.053" v="307" actId="22"/>
+          <ac:picMkLst>
+            <pc:docMk/>
+            <pc:sldMk cId="80140700" sldId="259"/>
+            <ac:picMk id="11" creationId="{7873A720-AE90-237E-A46A-F0904D0210BF}"/>
+          </ac:picMkLst>
+        </pc:picChg>
+        <pc:picChg chg="add mod">
+          <ac:chgData name="Cayden Andrews" userId="a900b0b9c2d9fc9f" providerId="LiveId" clId="{6272F847-9BB4-417F-A861-A1D82C3E6007}" dt="2026-01-30T11:17:35.891" v="484" actId="1076"/>
+          <ac:picMkLst>
+            <pc:docMk/>
+            <pc:sldMk cId="80140700" sldId="259"/>
+            <ac:picMk id="22" creationId="{0A3B5DD4-AB8F-29B0-695C-964A03BF9B0C}"/>
+          </ac:picMkLst>
+        </pc:picChg>
+        <pc:picChg chg="add mod">
+          <ac:chgData name="Cayden Andrews" userId="a900b0b9c2d9fc9f" providerId="LiveId" clId="{6272F847-9BB4-417F-A861-A1D82C3E6007}" dt="2026-01-30T11:31:45.301" v="553" actId="1076"/>
+          <ac:picMkLst>
+            <pc:docMk/>
+            <pc:sldMk cId="80140700" sldId="259"/>
+            <ac:picMk id="32" creationId="{5FE9B3D5-8EA6-F855-09FA-527DC7315DD3}"/>
+          </ac:picMkLst>
+        </pc:picChg>
+        <pc:picChg chg="add mod">
+          <ac:chgData name="Cayden Andrews" userId="a900b0b9c2d9fc9f" providerId="LiveId" clId="{6272F847-9BB4-417F-A861-A1D82C3E6007}" dt="2026-01-30T11:33:20.161" v="732" actId="1076"/>
+          <ac:picMkLst>
+            <pc:docMk/>
+            <pc:sldMk cId="80140700" sldId="259"/>
+            <ac:picMk id="35" creationId="{9109D0F1-C1AA-06F7-E275-10EDA317D775}"/>
+          </ac:picMkLst>
+        </pc:picChg>
+        <pc:cxnChg chg="add mod">
+          <ac:chgData name="Cayden Andrews" userId="a900b0b9c2d9fc9f" providerId="LiveId" clId="{6272F847-9BB4-417F-A861-A1D82C3E6007}" dt="2026-01-30T11:36:37.853" v="1060" actId="208"/>
+          <ac:cxnSpMkLst>
+            <pc:docMk/>
+            <pc:sldMk cId="80140700" sldId="259"/>
+            <ac:cxnSpMk id="19" creationId="{2FF95C9F-C6F7-5FE3-095F-BEE3DB66DE98}"/>
+          </ac:cxnSpMkLst>
+        </pc:cxnChg>
+        <pc:cxnChg chg="add mod">
+          <ac:chgData name="Cayden Andrews" userId="a900b0b9c2d9fc9f" providerId="LiveId" clId="{6272F847-9BB4-417F-A861-A1D82C3E6007}" dt="2026-01-30T11:36:39.925" v="1061" actId="208"/>
+          <ac:cxnSpMkLst>
+            <pc:docMk/>
+            <pc:sldMk cId="80140700" sldId="259"/>
+            <ac:cxnSpMk id="28" creationId="{CD466385-7CCC-B385-28D3-113363C7085F}"/>
+          </ac:cxnSpMkLst>
+        </pc:cxnChg>
+        <pc:cxnChg chg="add">
+          <ac:chgData name="Cayden Andrews" userId="a900b0b9c2d9fc9f" providerId="LiveId" clId="{6272F847-9BB4-417F-A861-A1D82C3E6007}" dt="2026-01-30T11:34:47.290" v="939" actId="11529"/>
+          <ac:cxnSpMkLst>
+            <pc:docMk/>
+            <pc:sldMk cId="80140700" sldId="259"/>
+            <ac:cxnSpMk id="38" creationId="{486E0C2A-B0C8-D8B8-4929-94453EB70193}"/>
+          </ac:cxnSpMkLst>
+        </pc:cxnChg>
+        <pc:cxnChg chg="add">
+          <ac:chgData name="Cayden Andrews" userId="a900b0b9c2d9fc9f" providerId="LiveId" clId="{6272F847-9BB4-417F-A861-A1D82C3E6007}" dt="2026-01-30T11:34:51.754" v="940" actId="11529"/>
+          <ac:cxnSpMkLst>
+            <pc:docMk/>
+            <pc:sldMk cId="80140700" sldId="259"/>
+            <ac:cxnSpMk id="40" creationId="{4D57D0EF-6F4D-3A8F-79D1-90FFCF66AAA9}"/>
+          </ac:cxnSpMkLst>
+        </pc:cxnChg>
+        <pc:cxnChg chg="add">
+          <ac:chgData name="Cayden Andrews" userId="a900b0b9c2d9fc9f" providerId="LiveId" clId="{6272F847-9BB4-417F-A861-A1D82C3E6007}" dt="2026-01-30T11:34:56.472" v="941" actId="11529"/>
+          <ac:cxnSpMkLst>
+            <pc:docMk/>
+            <pc:sldMk cId="80140700" sldId="259"/>
+            <ac:cxnSpMk id="42" creationId="{345BA78A-F1CE-F5F6-BE19-A2D1061A1C33}"/>
+          </ac:cxnSpMkLst>
+        </pc:cxnChg>
+        <pc:cxnChg chg="add">
+          <ac:chgData name="Cayden Andrews" userId="a900b0b9c2d9fc9f" providerId="LiveId" clId="{6272F847-9BB4-417F-A861-A1D82C3E6007}" dt="2026-01-30T11:35:00.625" v="942" actId="11529"/>
+          <ac:cxnSpMkLst>
+            <pc:docMk/>
+            <pc:sldMk cId="80140700" sldId="259"/>
+            <ac:cxnSpMk id="44" creationId="{C6A46CE8-6C5E-C4D8-1334-61319648D01C}"/>
+          </ac:cxnSpMkLst>
+        </pc:cxnChg>
+        <pc:cxnChg chg="add mod">
+          <ac:chgData name="Cayden Andrews" userId="a900b0b9c2d9fc9f" providerId="LiveId" clId="{6272F847-9BB4-417F-A861-A1D82C3E6007}" dt="2026-01-30T11:36:35.747" v="1059" actId="208"/>
+          <ac:cxnSpMkLst>
+            <pc:docMk/>
+            <pc:sldMk cId="80140700" sldId="259"/>
+            <ac:cxnSpMk id="47" creationId="{ABCA5E34-53A7-CA17-C421-F137FFFC6289}"/>
+          </ac:cxnSpMkLst>
+        </pc:cxnChg>
       </pc:sldChg>
     </pc:docChg>
   </pc:docChgLst>
@@ -292,7 +579,7 @@
           <a:p>
             <a:fld id="{2D5F75EA-5DA0-4839-9D7D-A0FA68C3529A}" type="datetimeFigureOut">
               <a:rPr lang="en-GB" smtClean="0"/>
-              <a:t>24/01/2026</a:t>
+              <a:t>30/01/2026</a:t>
             </a:fld>
             <a:endParaRPr lang="en-GB"/>
           </a:p>
@@ -492,7 +779,7 @@
           <a:p>
             <a:fld id="{2D5F75EA-5DA0-4839-9D7D-A0FA68C3529A}" type="datetimeFigureOut">
               <a:rPr lang="en-GB" smtClean="0"/>
-              <a:t>24/01/2026</a:t>
+              <a:t>30/01/2026</a:t>
             </a:fld>
             <a:endParaRPr lang="en-GB"/>
           </a:p>
@@ -702,7 +989,7 @@
           <a:p>
             <a:fld id="{2D5F75EA-5DA0-4839-9D7D-A0FA68C3529A}" type="datetimeFigureOut">
               <a:rPr lang="en-GB" smtClean="0"/>
-              <a:t>24/01/2026</a:t>
+              <a:t>30/01/2026</a:t>
             </a:fld>
             <a:endParaRPr lang="en-GB"/>
           </a:p>
@@ -902,7 +1189,7 @@
           <a:p>
             <a:fld id="{2D5F75EA-5DA0-4839-9D7D-A0FA68C3529A}" type="datetimeFigureOut">
               <a:rPr lang="en-GB" smtClean="0"/>
-              <a:t>24/01/2026</a:t>
+              <a:t>30/01/2026</a:t>
             </a:fld>
             <a:endParaRPr lang="en-GB"/>
           </a:p>
@@ -1178,7 +1465,7 @@
           <a:p>
             <a:fld id="{2D5F75EA-5DA0-4839-9D7D-A0FA68C3529A}" type="datetimeFigureOut">
               <a:rPr lang="en-GB" smtClean="0"/>
-              <a:t>24/01/2026</a:t>
+              <a:t>30/01/2026</a:t>
             </a:fld>
             <a:endParaRPr lang="en-GB"/>
           </a:p>
@@ -1446,7 +1733,7 @@
           <a:p>
             <a:fld id="{2D5F75EA-5DA0-4839-9D7D-A0FA68C3529A}" type="datetimeFigureOut">
               <a:rPr lang="en-GB" smtClean="0"/>
-              <a:t>24/01/2026</a:t>
+              <a:t>30/01/2026</a:t>
             </a:fld>
             <a:endParaRPr lang="en-GB"/>
           </a:p>
@@ -1861,7 +2148,7 @@
           <a:p>
             <a:fld id="{2D5F75EA-5DA0-4839-9D7D-A0FA68C3529A}" type="datetimeFigureOut">
               <a:rPr lang="en-GB" smtClean="0"/>
-              <a:t>24/01/2026</a:t>
+              <a:t>30/01/2026</a:t>
             </a:fld>
             <a:endParaRPr lang="en-GB"/>
           </a:p>
@@ -2003,7 +2290,7 @@
           <a:p>
             <a:fld id="{2D5F75EA-5DA0-4839-9D7D-A0FA68C3529A}" type="datetimeFigureOut">
               <a:rPr lang="en-GB" smtClean="0"/>
-              <a:t>24/01/2026</a:t>
+              <a:t>30/01/2026</a:t>
             </a:fld>
             <a:endParaRPr lang="en-GB"/>
           </a:p>
@@ -2116,7 +2403,7 @@
           <a:p>
             <a:fld id="{2D5F75EA-5DA0-4839-9D7D-A0FA68C3529A}" type="datetimeFigureOut">
               <a:rPr lang="en-GB" smtClean="0"/>
-              <a:t>24/01/2026</a:t>
+              <a:t>30/01/2026</a:t>
             </a:fld>
             <a:endParaRPr lang="en-GB"/>
           </a:p>
@@ -2429,7 +2716,7 @@
           <a:p>
             <a:fld id="{2D5F75EA-5DA0-4839-9D7D-A0FA68C3529A}" type="datetimeFigureOut">
               <a:rPr lang="en-GB" smtClean="0"/>
-              <a:t>24/01/2026</a:t>
+              <a:t>30/01/2026</a:t>
             </a:fld>
             <a:endParaRPr lang="en-GB"/>
           </a:p>
@@ -2718,7 +3005,7 @@
           <a:p>
             <a:fld id="{2D5F75EA-5DA0-4839-9D7D-A0FA68C3529A}" type="datetimeFigureOut">
               <a:rPr lang="en-GB" smtClean="0"/>
-              <a:t>24/01/2026</a:t>
+              <a:t>30/01/2026</a:t>
             </a:fld>
             <a:endParaRPr lang="en-GB"/>
           </a:p>
@@ -2961,7 +3248,7 @@
           <a:p>
             <a:fld id="{2D5F75EA-5DA0-4839-9D7D-A0FA68C3529A}" type="datetimeFigureOut">
               <a:rPr lang="en-GB" smtClean="0"/>
-              <a:t>24/01/2026</a:t>
+              <a:t>30/01/2026</a:t>
             </a:fld>
             <a:endParaRPr lang="en-GB"/>
           </a:p>
@@ -5379,7 +5666,7 @@
         <p:spPr>
           <a:xfrm>
             <a:off x="7743217" y="1690688"/>
-            <a:ext cx="3702996" cy="2554545"/>
+            <a:ext cx="3702996" cy="4278094"/>
           </a:xfrm>
           <a:prstGeom prst="rect">
             <a:avLst/>
@@ -5395,6 +5682,15 @@
             <a:r>
               <a:rPr lang="en-GB" sz="3200" dirty="0"/>
               <a:t>Take as much time  as you need to learn each tool before starting to time the scenes.</a:t>
+            </a:r>
+          </a:p>
+          <a:p>
+            <a:endParaRPr lang="en-GB" sz="3200" dirty="0"/>
+          </a:p>
+          <a:p>
+            <a:r>
+              <a:rPr lang="en-GB" sz="2000" dirty="0"/>
+              <a:t>Note: clicking the terrain will activate the unity terrain tool – this is not any of the 3 tools so should not be used.</a:t>
             </a:r>
           </a:p>
         </p:txBody>
@@ -5403,6 +5699,1273 @@
     <p:extLst>
       <p:ext uri="{BB962C8B-B14F-4D97-AF65-F5344CB8AC3E}">
         <p14:creationId xmlns:p14="http://schemas.microsoft.com/office/powerpoint/2010/main" val="2287900787"/>
+      </p:ext>
+    </p:extLst>
+  </p:cSld>
+  <p:clrMapOvr>
+    <a:masterClrMapping/>
+  </p:clrMapOvr>
+</p:sld>
+</file>
+
+<file path=ppt/slides/slide4.xml><?xml version="1.0" encoding="utf-8"?>
+<p:sld xmlns:a="http://schemas.openxmlformats.org/drawingml/2006/main" xmlns:r="http://schemas.openxmlformats.org/officeDocument/2006/relationships" xmlns:p="http://schemas.openxmlformats.org/presentationml/2006/main">
+  <p:cSld>
+    <p:spTree>
+      <p:nvGrpSpPr>
+        <p:cNvPr id="1" name=""/>
+        <p:cNvGrpSpPr/>
+        <p:nvPr/>
+      </p:nvGrpSpPr>
+      <p:grpSpPr>
+        <a:xfrm>
+          <a:off x="0" y="0"/>
+          <a:ext cx="0" cy="0"/>
+          <a:chOff x="0" y="0"/>
+          <a:chExt cx="0" cy="0"/>
+        </a:xfrm>
+      </p:grpSpPr>
+      <p:pic>
+        <p:nvPicPr>
+          <p:cNvPr id="9" name="Picture 8">
+            <a:extLst>
+              <a:ext uri="{FF2B5EF4-FFF2-40B4-BE49-F238E27FC236}">
+                <a16:creationId xmlns:a16="http://schemas.microsoft.com/office/drawing/2014/main" id="{0BF2FFDA-486E-5A6C-ACF1-FB6663B54A29}"/>
+              </a:ext>
+            </a:extLst>
+          </p:cNvPr>
+          <p:cNvPicPr>
+            <a:picLocks noChangeAspect="1"/>
+          </p:cNvPicPr>
+          <p:nvPr/>
+        </p:nvPicPr>
+        <p:blipFill>
+          <a:blip r:embed="rId2"/>
+          <a:stretch>
+            <a:fillRect/>
+          </a:stretch>
+        </p:blipFill>
+        <p:spPr>
+          <a:xfrm>
+            <a:off x="3733874" y="723900"/>
+            <a:ext cx="2877199" cy="5880100"/>
+          </a:xfrm>
+          <a:prstGeom prst="rect">
+            <a:avLst/>
+          </a:prstGeom>
+        </p:spPr>
+      </p:pic>
+      <p:sp>
+        <p:nvSpPr>
+          <p:cNvPr id="4" name="TextBox 3">
+            <a:extLst>
+              <a:ext uri="{FF2B5EF4-FFF2-40B4-BE49-F238E27FC236}">
+                <a16:creationId xmlns:a16="http://schemas.microsoft.com/office/drawing/2014/main" id="{00755088-3855-5A72-D832-7BACAFF9A9C9}"/>
+              </a:ext>
+            </a:extLst>
+          </p:cNvPr>
+          <p:cNvSpPr txBox="1"/>
+          <p:nvPr/>
+        </p:nvSpPr>
+        <p:spPr>
+          <a:xfrm>
+            <a:off x="127000" y="152400"/>
+            <a:ext cx="11563350" cy="369332"/>
+          </a:xfrm>
+          <a:prstGeom prst="rect">
+            <a:avLst/>
+          </a:prstGeom>
+          <a:noFill/>
+        </p:spPr>
+        <p:txBody>
+          <a:bodyPr wrap="square" rtlCol="0">
+            <a:spAutoFit/>
+          </a:bodyPr>
+          <a:lstStyle/>
+          <a:p>
+            <a:r>
+              <a:rPr lang="en-GB" dirty="0"/>
+              <a:t>Tool1					Tool2					CAAPT</a:t>
+            </a:r>
+          </a:p>
+        </p:txBody>
+      </p:sp>
+      <p:sp>
+        <p:nvSpPr>
+          <p:cNvPr id="7" name="Rectangle 6">
+            <a:extLst>
+              <a:ext uri="{FF2B5EF4-FFF2-40B4-BE49-F238E27FC236}">
+                <a16:creationId xmlns:a16="http://schemas.microsoft.com/office/drawing/2014/main" id="{19F92180-E691-D7BC-E03C-E1A4F8594743}"/>
+              </a:ext>
+            </a:extLst>
+          </p:cNvPr>
+          <p:cNvSpPr/>
+          <p:nvPr/>
+        </p:nvSpPr>
+        <p:spPr>
+          <a:xfrm>
+            <a:off x="5244376" y="1041400"/>
+            <a:ext cx="901700" cy="234950"/>
+          </a:xfrm>
+          <a:prstGeom prst="rect">
+            <a:avLst/>
+          </a:prstGeom>
+          <a:noFill/>
+          <a:ln>
+            <a:solidFill>
+              <a:srgbClr val="FF0000"/>
+            </a:solidFill>
+          </a:ln>
+        </p:spPr>
+        <p:style>
+          <a:lnRef idx="2">
+            <a:schemeClr val="accent1">
+              <a:shade val="15000"/>
+            </a:schemeClr>
+          </a:lnRef>
+          <a:fillRef idx="1">
+            <a:schemeClr val="accent1"/>
+          </a:fillRef>
+          <a:effectRef idx="0">
+            <a:schemeClr val="accent1"/>
+          </a:effectRef>
+          <a:fontRef idx="minor">
+            <a:schemeClr val="lt1"/>
+          </a:fontRef>
+        </p:style>
+        <p:txBody>
+          <a:bodyPr rtlCol="0" anchor="ctr"/>
+          <a:lstStyle/>
+          <a:p>
+            <a:pPr algn="ctr"/>
+            <a:endParaRPr lang="en-GB"/>
+          </a:p>
+        </p:txBody>
+      </p:sp>
+      <p:sp>
+        <p:nvSpPr>
+          <p:cNvPr id="12" name="Rectangle 11">
+            <a:extLst>
+              <a:ext uri="{FF2B5EF4-FFF2-40B4-BE49-F238E27FC236}">
+                <a16:creationId xmlns:a16="http://schemas.microsoft.com/office/drawing/2014/main" id="{41EBA784-3D82-20A7-10E7-ED77F31367AA}"/>
+              </a:ext>
+            </a:extLst>
+          </p:cNvPr>
+          <p:cNvSpPr/>
+          <p:nvPr/>
+        </p:nvSpPr>
+        <p:spPr>
+          <a:xfrm>
+            <a:off x="5384076" y="2609850"/>
+            <a:ext cx="901700" cy="234950"/>
+          </a:xfrm>
+          <a:prstGeom prst="rect">
+            <a:avLst/>
+          </a:prstGeom>
+          <a:noFill/>
+          <a:ln>
+            <a:solidFill>
+              <a:srgbClr val="FF0000"/>
+            </a:solidFill>
+          </a:ln>
+        </p:spPr>
+        <p:style>
+          <a:lnRef idx="2">
+            <a:schemeClr val="accent1">
+              <a:shade val="15000"/>
+            </a:schemeClr>
+          </a:lnRef>
+          <a:fillRef idx="1">
+            <a:schemeClr val="accent1"/>
+          </a:fillRef>
+          <a:effectRef idx="0">
+            <a:schemeClr val="accent1"/>
+          </a:effectRef>
+          <a:fontRef idx="minor">
+            <a:schemeClr val="lt1"/>
+          </a:fontRef>
+        </p:style>
+        <p:txBody>
+          <a:bodyPr rtlCol="0" anchor="ctr"/>
+          <a:lstStyle/>
+          <a:p>
+            <a:pPr algn="ctr"/>
+            <a:endParaRPr lang="en-GB"/>
+          </a:p>
+        </p:txBody>
+      </p:sp>
+      <p:sp>
+        <p:nvSpPr>
+          <p:cNvPr id="13" name="Rectangle 12">
+            <a:extLst>
+              <a:ext uri="{FF2B5EF4-FFF2-40B4-BE49-F238E27FC236}">
+                <a16:creationId xmlns:a16="http://schemas.microsoft.com/office/drawing/2014/main" id="{BBA828AF-3F17-D682-F6EC-3E01198E9147}"/>
+              </a:ext>
+            </a:extLst>
+          </p:cNvPr>
+          <p:cNvSpPr/>
+          <p:nvPr/>
+        </p:nvSpPr>
+        <p:spPr>
+          <a:xfrm>
+            <a:off x="4108125" y="2727325"/>
+            <a:ext cx="901700" cy="234950"/>
+          </a:xfrm>
+          <a:prstGeom prst="rect">
+            <a:avLst/>
+          </a:prstGeom>
+          <a:noFill/>
+          <a:ln>
+            <a:solidFill>
+              <a:srgbClr val="FF0000"/>
+            </a:solidFill>
+          </a:ln>
+        </p:spPr>
+        <p:style>
+          <a:lnRef idx="2">
+            <a:schemeClr val="accent1">
+              <a:shade val="15000"/>
+            </a:schemeClr>
+          </a:lnRef>
+          <a:fillRef idx="1">
+            <a:schemeClr val="accent1"/>
+          </a:fillRef>
+          <a:effectRef idx="0">
+            <a:schemeClr val="accent1"/>
+          </a:effectRef>
+          <a:fontRef idx="minor">
+            <a:schemeClr val="lt1"/>
+          </a:fontRef>
+        </p:style>
+        <p:txBody>
+          <a:bodyPr rtlCol="0" anchor="ctr"/>
+          <a:lstStyle/>
+          <a:p>
+            <a:pPr algn="ctr"/>
+            <a:endParaRPr lang="en-GB"/>
+          </a:p>
+        </p:txBody>
+      </p:sp>
+      <p:sp>
+        <p:nvSpPr>
+          <p:cNvPr id="14" name="Rectangle 13">
+            <a:extLst>
+              <a:ext uri="{FF2B5EF4-FFF2-40B4-BE49-F238E27FC236}">
+                <a16:creationId xmlns:a16="http://schemas.microsoft.com/office/drawing/2014/main" id="{4AF45523-2863-F422-1C1C-6DD0CE3423C6}"/>
+              </a:ext>
+            </a:extLst>
+          </p:cNvPr>
+          <p:cNvSpPr/>
+          <p:nvPr/>
+        </p:nvSpPr>
+        <p:spPr>
+          <a:xfrm>
+            <a:off x="6088926" y="3162300"/>
+            <a:ext cx="590550" cy="140732"/>
+          </a:xfrm>
+          <a:prstGeom prst="rect">
+            <a:avLst/>
+          </a:prstGeom>
+          <a:noFill/>
+          <a:ln>
+            <a:solidFill>
+              <a:srgbClr val="FF0000"/>
+            </a:solidFill>
+          </a:ln>
+        </p:spPr>
+        <p:style>
+          <a:lnRef idx="2">
+            <a:schemeClr val="accent1">
+              <a:shade val="15000"/>
+            </a:schemeClr>
+          </a:lnRef>
+          <a:fillRef idx="1">
+            <a:schemeClr val="accent1"/>
+          </a:fillRef>
+          <a:effectRef idx="0">
+            <a:schemeClr val="accent1"/>
+          </a:effectRef>
+          <a:fontRef idx="minor">
+            <a:schemeClr val="lt1"/>
+          </a:fontRef>
+        </p:style>
+        <p:txBody>
+          <a:bodyPr rtlCol="0" anchor="ctr"/>
+          <a:lstStyle/>
+          <a:p>
+            <a:pPr algn="ctr"/>
+            <a:endParaRPr lang="en-GB"/>
+          </a:p>
+        </p:txBody>
+      </p:sp>
+      <p:sp>
+        <p:nvSpPr>
+          <p:cNvPr id="15" name="Rectangle 14">
+            <a:extLst>
+              <a:ext uri="{FF2B5EF4-FFF2-40B4-BE49-F238E27FC236}">
+                <a16:creationId xmlns:a16="http://schemas.microsoft.com/office/drawing/2014/main" id="{C0D0A5A6-770F-B451-C8C9-81E10992950E}"/>
+              </a:ext>
+            </a:extLst>
+          </p:cNvPr>
+          <p:cNvSpPr/>
+          <p:nvPr/>
+        </p:nvSpPr>
+        <p:spPr>
+          <a:xfrm>
+            <a:off x="4266476" y="3994150"/>
+            <a:ext cx="412750" cy="234950"/>
+          </a:xfrm>
+          <a:prstGeom prst="rect">
+            <a:avLst/>
+          </a:prstGeom>
+          <a:noFill/>
+          <a:ln>
+            <a:solidFill>
+              <a:srgbClr val="FF0000"/>
+            </a:solidFill>
+          </a:ln>
+        </p:spPr>
+        <p:style>
+          <a:lnRef idx="2">
+            <a:schemeClr val="accent1">
+              <a:shade val="15000"/>
+            </a:schemeClr>
+          </a:lnRef>
+          <a:fillRef idx="1">
+            <a:schemeClr val="accent1"/>
+          </a:fillRef>
+          <a:effectRef idx="0">
+            <a:schemeClr val="accent1"/>
+          </a:effectRef>
+          <a:fontRef idx="minor">
+            <a:schemeClr val="lt1"/>
+          </a:fontRef>
+        </p:style>
+        <p:txBody>
+          <a:bodyPr rtlCol="0" anchor="ctr"/>
+          <a:lstStyle/>
+          <a:p>
+            <a:pPr algn="ctr"/>
+            <a:endParaRPr lang="en-GB"/>
+          </a:p>
+        </p:txBody>
+      </p:sp>
+      <p:sp>
+        <p:nvSpPr>
+          <p:cNvPr id="16" name="Rectangle 15">
+            <a:extLst>
+              <a:ext uri="{FF2B5EF4-FFF2-40B4-BE49-F238E27FC236}">
+                <a16:creationId xmlns:a16="http://schemas.microsoft.com/office/drawing/2014/main" id="{709538AD-1CA3-367B-E120-D8A2BCB9E423}"/>
+              </a:ext>
+            </a:extLst>
+          </p:cNvPr>
+          <p:cNvSpPr/>
+          <p:nvPr/>
+        </p:nvSpPr>
+        <p:spPr>
+          <a:xfrm>
+            <a:off x="3777526" y="5143500"/>
+            <a:ext cx="901700" cy="234950"/>
+          </a:xfrm>
+          <a:prstGeom prst="rect">
+            <a:avLst/>
+          </a:prstGeom>
+          <a:noFill/>
+          <a:ln>
+            <a:solidFill>
+              <a:srgbClr val="FF0000"/>
+            </a:solidFill>
+          </a:ln>
+        </p:spPr>
+        <p:style>
+          <a:lnRef idx="2">
+            <a:schemeClr val="accent1">
+              <a:shade val="15000"/>
+            </a:schemeClr>
+          </a:lnRef>
+          <a:fillRef idx="1">
+            <a:schemeClr val="accent1"/>
+          </a:fillRef>
+          <a:effectRef idx="0">
+            <a:schemeClr val="accent1"/>
+          </a:effectRef>
+          <a:fontRef idx="minor">
+            <a:schemeClr val="lt1"/>
+          </a:fontRef>
+        </p:style>
+        <p:txBody>
+          <a:bodyPr rtlCol="0" anchor="ctr"/>
+          <a:lstStyle/>
+          <a:p>
+            <a:pPr algn="ctr"/>
+            <a:endParaRPr lang="en-GB"/>
+          </a:p>
+        </p:txBody>
+      </p:sp>
+      <p:sp>
+        <p:nvSpPr>
+          <p:cNvPr id="17" name="Rectangle 16">
+            <a:extLst>
+              <a:ext uri="{FF2B5EF4-FFF2-40B4-BE49-F238E27FC236}">
+                <a16:creationId xmlns:a16="http://schemas.microsoft.com/office/drawing/2014/main" id="{7017B5C8-D1FA-FCC9-F0CA-049E18E928F5}"/>
+              </a:ext>
+            </a:extLst>
+          </p:cNvPr>
+          <p:cNvSpPr/>
+          <p:nvPr/>
+        </p:nvSpPr>
+        <p:spPr>
+          <a:xfrm>
+            <a:off x="5625376" y="5143500"/>
+            <a:ext cx="901700" cy="234950"/>
+          </a:xfrm>
+          <a:prstGeom prst="rect">
+            <a:avLst/>
+          </a:prstGeom>
+          <a:noFill/>
+          <a:ln>
+            <a:solidFill>
+              <a:srgbClr val="FF0000"/>
+            </a:solidFill>
+          </a:ln>
+        </p:spPr>
+        <p:style>
+          <a:lnRef idx="2">
+            <a:schemeClr val="accent1">
+              <a:shade val="15000"/>
+            </a:schemeClr>
+          </a:lnRef>
+          <a:fillRef idx="1">
+            <a:schemeClr val="accent1"/>
+          </a:fillRef>
+          <a:effectRef idx="0">
+            <a:schemeClr val="accent1"/>
+          </a:effectRef>
+          <a:fontRef idx="minor">
+            <a:schemeClr val="lt1"/>
+          </a:fontRef>
+        </p:style>
+        <p:txBody>
+          <a:bodyPr rtlCol="0" anchor="ctr"/>
+          <a:lstStyle/>
+          <a:p>
+            <a:pPr algn="ctr"/>
+            <a:endParaRPr lang="en-GB"/>
+          </a:p>
+        </p:txBody>
+      </p:sp>
+      <p:cxnSp>
+        <p:nvCxnSpPr>
+          <p:cNvPr id="19" name="Straight Arrow Connector 18">
+            <a:extLst>
+              <a:ext uri="{FF2B5EF4-FFF2-40B4-BE49-F238E27FC236}">
+                <a16:creationId xmlns:a16="http://schemas.microsoft.com/office/drawing/2014/main" id="{2FF95C9F-C6F7-5FE3-095F-BEE3DB66DE98}"/>
+              </a:ext>
+            </a:extLst>
+          </p:cNvPr>
+          <p:cNvCxnSpPr>
+            <a:endCxn id="14" idx="3"/>
+          </p:cNvCxnSpPr>
+          <p:nvPr/>
+        </p:nvCxnSpPr>
+        <p:spPr>
+          <a:xfrm flipH="1" flipV="1">
+            <a:off x="6679476" y="3232666"/>
+            <a:ext cx="279400" cy="386834"/>
+          </a:xfrm>
+          <a:prstGeom prst="straightConnector1">
+            <a:avLst/>
+          </a:prstGeom>
+          <a:ln>
+            <a:solidFill>
+              <a:srgbClr val="FF0000"/>
+            </a:solidFill>
+            <a:tailEnd type="triangle"/>
+          </a:ln>
+        </p:spPr>
+        <p:style>
+          <a:lnRef idx="2">
+            <a:schemeClr val="accent1"/>
+          </a:lnRef>
+          <a:fillRef idx="0">
+            <a:schemeClr val="accent1"/>
+          </a:fillRef>
+          <a:effectRef idx="1">
+            <a:schemeClr val="accent1"/>
+          </a:effectRef>
+          <a:fontRef idx="minor">
+            <a:schemeClr val="tx1"/>
+          </a:fontRef>
+        </p:style>
+      </p:cxnSp>
+      <p:sp>
+        <p:nvSpPr>
+          <p:cNvPr id="20" name="TextBox 19">
+            <a:extLst>
+              <a:ext uri="{FF2B5EF4-FFF2-40B4-BE49-F238E27FC236}">
+                <a16:creationId xmlns:a16="http://schemas.microsoft.com/office/drawing/2014/main" id="{5DADB918-190F-0739-EE5A-DE9ED4B48706}"/>
+              </a:ext>
+            </a:extLst>
+          </p:cNvPr>
+          <p:cNvSpPr txBox="1"/>
+          <p:nvPr/>
+        </p:nvSpPr>
+        <p:spPr>
+          <a:xfrm>
+            <a:off x="5718454" y="3632200"/>
+            <a:ext cx="1941653" cy="958850"/>
+          </a:xfrm>
+          <a:prstGeom prst="rect">
+            <a:avLst/>
+          </a:prstGeom>
+          <a:solidFill>
+            <a:schemeClr val="bg1"/>
+          </a:solidFill>
+        </p:spPr>
+        <p:txBody>
+          <a:bodyPr wrap="square" rtlCol="0">
+            <a:spAutoFit/>
+          </a:bodyPr>
+          <a:lstStyle/>
+          <a:p>
+            <a:r>
+              <a:rPr lang="en-GB" sz="1100" dirty="0"/>
+              <a:t>Once the rest are set all you need to edit in the UI is dragging objects into the objects section and edit this slider to edit the density.</a:t>
+            </a:r>
+          </a:p>
+        </p:txBody>
+      </p:sp>
+      <p:pic>
+        <p:nvPicPr>
+          <p:cNvPr id="22" name="Picture 21">
+            <a:extLst>
+              <a:ext uri="{FF2B5EF4-FFF2-40B4-BE49-F238E27FC236}">
+                <a16:creationId xmlns:a16="http://schemas.microsoft.com/office/drawing/2014/main" id="{0A3B5DD4-AB8F-29B0-695C-964A03BF9B0C}"/>
+              </a:ext>
+            </a:extLst>
+          </p:cNvPr>
+          <p:cNvPicPr>
+            <a:picLocks noChangeAspect="1"/>
+          </p:cNvPicPr>
+          <p:nvPr/>
+        </p:nvPicPr>
+        <p:blipFill>
+          <a:blip r:embed="rId3"/>
+          <a:stretch>
+            <a:fillRect/>
+          </a:stretch>
+        </p:blipFill>
+        <p:spPr>
+          <a:xfrm>
+            <a:off x="179513" y="884700"/>
+            <a:ext cx="3223024" cy="5338299"/>
+          </a:xfrm>
+          <a:prstGeom prst="rect">
+            <a:avLst/>
+          </a:prstGeom>
+        </p:spPr>
+      </p:pic>
+      <p:sp>
+        <p:nvSpPr>
+          <p:cNvPr id="23" name="Rectangle 22">
+            <a:extLst>
+              <a:ext uri="{FF2B5EF4-FFF2-40B4-BE49-F238E27FC236}">
+                <a16:creationId xmlns:a16="http://schemas.microsoft.com/office/drawing/2014/main" id="{2C6E4AA6-0B17-8E19-B480-29B0B06B21CA}"/>
+              </a:ext>
+            </a:extLst>
+          </p:cNvPr>
+          <p:cNvSpPr/>
+          <p:nvPr/>
+        </p:nvSpPr>
+        <p:spPr>
+          <a:xfrm>
+            <a:off x="4721623" y="6410325"/>
+            <a:ext cx="901700" cy="234950"/>
+          </a:xfrm>
+          <a:prstGeom prst="rect">
+            <a:avLst/>
+          </a:prstGeom>
+          <a:noFill/>
+          <a:ln>
+            <a:solidFill>
+              <a:srgbClr val="FF0000"/>
+            </a:solidFill>
+          </a:ln>
+        </p:spPr>
+        <p:style>
+          <a:lnRef idx="2">
+            <a:schemeClr val="accent1">
+              <a:shade val="15000"/>
+            </a:schemeClr>
+          </a:lnRef>
+          <a:fillRef idx="1">
+            <a:schemeClr val="accent1"/>
+          </a:fillRef>
+          <a:effectRef idx="0">
+            <a:schemeClr val="accent1"/>
+          </a:effectRef>
+          <a:fontRef idx="minor">
+            <a:schemeClr val="lt1"/>
+          </a:fontRef>
+        </p:style>
+        <p:txBody>
+          <a:bodyPr rtlCol="0" anchor="ctr"/>
+          <a:lstStyle/>
+          <a:p>
+            <a:pPr algn="ctr"/>
+            <a:endParaRPr lang="en-GB"/>
+          </a:p>
+        </p:txBody>
+      </p:sp>
+      <p:sp>
+        <p:nvSpPr>
+          <p:cNvPr id="24" name="Rectangle 23">
+            <a:extLst>
+              <a:ext uri="{FF2B5EF4-FFF2-40B4-BE49-F238E27FC236}">
+                <a16:creationId xmlns:a16="http://schemas.microsoft.com/office/drawing/2014/main" id="{F53B2B9C-1893-C95F-CE37-7DC520117389}"/>
+              </a:ext>
+            </a:extLst>
+          </p:cNvPr>
+          <p:cNvSpPr/>
+          <p:nvPr/>
+        </p:nvSpPr>
+        <p:spPr>
+          <a:xfrm>
+            <a:off x="958850" y="1104900"/>
+            <a:ext cx="285750" cy="234950"/>
+          </a:xfrm>
+          <a:prstGeom prst="rect">
+            <a:avLst/>
+          </a:prstGeom>
+          <a:noFill/>
+          <a:ln>
+            <a:solidFill>
+              <a:srgbClr val="FF0000"/>
+            </a:solidFill>
+          </a:ln>
+        </p:spPr>
+        <p:style>
+          <a:lnRef idx="2">
+            <a:schemeClr val="accent1">
+              <a:shade val="15000"/>
+            </a:schemeClr>
+          </a:lnRef>
+          <a:fillRef idx="1">
+            <a:schemeClr val="accent1"/>
+          </a:fillRef>
+          <a:effectRef idx="0">
+            <a:schemeClr val="accent1"/>
+          </a:effectRef>
+          <a:fontRef idx="minor">
+            <a:schemeClr val="lt1"/>
+          </a:fontRef>
+        </p:style>
+        <p:txBody>
+          <a:bodyPr rtlCol="0" anchor="ctr"/>
+          <a:lstStyle/>
+          <a:p>
+            <a:pPr algn="ctr"/>
+            <a:endParaRPr lang="en-GB"/>
+          </a:p>
+        </p:txBody>
+      </p:sp>
+      <p:sp>
+        <p:nvSpPr>
+          <p:cNvPr id="25" name="Rectangle 24">
+            <a:extLst>
+              <a:ext uri="{FF2B5EF4-FFF2-40B4-BE49-F238E27FC236}">
+                <a16:creationId xmlns:a16="http://schemas.microsoft.com/office/drawing/2014/main" id="{CCBA8DE8-80CF-755F-0D3A-7302980664F2}"/>
+              </a:ext>
+            </a:extLst>
+          </p:cNvPr>
+          <p:cNvSpPr/>
+          <p:nvPr/>
+        </p:nvSpPr>
+        <p:spPr>
+          <a:xfrm>
+            <a:off x="108144" y="1524774"/>
+            <a:ext cx="476056" cy="596126"/>
+          </a:xfrm>
+          <a:prstGeom prst="rect">
+            <a:avLst/>
+          </a:prstGeom>
+          <a:noFill/>
+          <a:ln>
+            <a:solidFill>
+              <a:srgbClr val="FF0000"/>
+            </a:solidFill>
+          </a:ln>
+        </p:spPr>
+        <p:style>
+          <a:lnRef idx="2">
+            <a:schemeClr val="accent1">
+              <a:shade val="15000"/>
+            </a:schemeClr>
+          </a:lnRef>
+          <a:fillRef idx="1">
+            <a:schemeClr val="accent1"/>
+          </a:fillRef>
+          <a:effectRef idx="0">
+            <a:schemeClr val="accent1"/>
+          </a:effectRef>
+          <a:fontRef idx="minor">
+            <a:schemeClr val="lt1"/>
+          </a:fontRef>
+        </p:style>
+        <p:txBody>
+          <a:bodyPr rtlCol="0" anchor="ctr"/>
+          <a:lstStyle/>
+          <a:p>
+            <a:pPr algn="ctr"/>
+            <a:endParaRPr lang="en-GB"/>
+          </a:p>
+        </p:txBody>
+      </p:sp>
+      <p:sp>
+        <p:nvSpPr>
+          <p:cNvPr id="26" name="Rectangle 25">
+            <a:extLst>
+              <a:ext uri="{FF2B5EF4-FFF2-40B4-BE49-F238E27FC236}">
+                <a16:creationId xmlns:a16="http://schemas.microsoft.com/office/drawing/2014/main" id="{8181A841-3F1B-8CC7-4AB8-CECC6B6B60E7}"/>
+              </a:ext>
+            </a:extLst>
+          </p:cNvPr>
+          <p:cNvSpPr/>
+          <p:nvPr/>
+        </p:nvSpPr>
+        <p:spPr>
+          <a:xfrm>
+            <a:off x="3079750" y="3162300"/>
+            <a:ext cx="322787" cy="234950"/>
+          </a:xfrm>
+          <a:prstGeom prst="rect">
+            <a:avLst/>
+          </a:prstGeom>
+          <a:noFill/>
+          <a:ln>
+            <a:solidFill>
+              <a:srgbClr val="FF0000"/>
+            </a:solidFill>
+          </a:ln>
+        </p:spPr>
+        <p:style>
+          <a:lnRef idx="2">
+            <a:schemeClr val="accent1">
+              <a:shade val="15000"/>
+            </a:schemeClr>
+          </a:lnRef>
+          <a:fillRef idx="1">
+            <a:schemeClr val="accent1"/>
+          </a:fillRef>
+          <a:effectRef idx="0">
+            <a:schemeClr val="accent1"/>
+          </a:effectRef>
+          <a:fontRef idx="minor">
+            <a:schemeClr val="lt1"/>
+          </a:fontRef>
+        </p:style>
+        <p:txBody>
+          <a:bodyPr rtlCol="0" anchor="ctr"/>
+          <a:lstStyle/>
+          <a:p>
+            <a:pPr algn="ctr"/>
+            <a:endParaRPr lang="en-GB"/>
+          </a:p>
+        </p:txBody>
+      </p:sp>
+      <p:cxnSp>
+        <p:nvCxnSpPr>
+          <p:cNvPr id="28" name="Straight Arrow Connector 27">
+            <a:extLst>
+              <a:ext uri="{FF2B5EF4-FFF2-40B4-BE49-F238E27FC236}">
+                <a16:creationId xmlns:a16="http://schemas.microsoft.com/office/drawing/2014/main" id="{CD466385-7CCC-B385-28D3-113363C7085F}"/>
+              </a:ext>
+            </a:extLst>
+          </p:cNvPr>
+          <p:cNvCxnSpPr>
+            <a:cxnSpLocks/>
+            <a:endCxn id="24" idx="3"/>
+          </p:cNvCxnSpPr>
+          <p:nvPr/>
+        </p:nvCxnSpPr>
+        <p:spPr>
+          <a:xfrm flipH="1">
+            <a:off x="1244600" y="723900"/>
+            <a:ext cx="946150" cy="498475"/>
+          </a:xfrm>
+          <a:prstGeom prst="straightConnector1">
+            <a:avLst/>
+          </a:prstGeom>
+          <a:ln>
+            <a:solidFill>
+              <a:srgbClr val="FF0000"/>
+            </a:solidFill>
+            <a:tailEnd type="triangle"/>
+          </a:ln>
+        </p:spPr>
+        <p:style>
+          <a:lnRef idx="2">
+            <a:schemeClr val="accent1"/>
+          </a:lnRef>
+          <a:fillRef idx="0">
+            <a:schemeClr val="accent1"/>
+          </a:fillRef>
+          <a:effectRef idx="1">
+            <a:schemeClr val="accent1"/>
+          </a:effectRef>
+          <a:fontRef idx="minor">
+            <a:schemeClr val="tx1"/>
+          </a:fontRef>
+        </p:style>
+      </p:cxnSp>
+      <p:sp>
+        <p:nvSpPr>
+          <p:cNvPr id="30" name="TextBox 29">
+            <a:extLst>
+              <a:ext uri="{FF2B5EF4-FFF2-40B4-BE49-F238E27FC236}">
+                <a16:creationId xmlns:a16="http://schemas.microsoft.com/office/drawing/2014/main" id="{BB21909B-24A5-75C1-EBA6-466721CDEB9D}"/>
+              </a:ext>
+            </a:extLst>
+          </p:cNvPr>
+          <p:cNvSpPr txBox="1"/>
+          <p:nvPr/>
+        </p:nvSpPr>
+        <p:spPr>
+          <a:xfrm>
+            <a:off x="2190749" y="400050"/>
+            <a:ext cx="1474721" cy="461665"/>
+          </a:xfrm>
+          <a:prstGeom prst="rect">
+            <a:avLst/>
+          </a:prstGeom>
+          <a:noFill/>
+        </p:spPr>
+        <p:txBody>
+          <a:bodyPr wrap="square" rtlCol="0">
+            <a:spAutoFit/>
+          </a:bodyPr>
+          <a:lstStyle/>
+          <a:p>
+            <a:r>
+              <a:rPr lang="en-GB" sz="1200" dirty="0"/>
+              <a:t>This will allow you to paint in scene</a:t>
+            </a:r>
+          </a:p>
+        </p:txBody>
+      </p:sp>
+      <p:pic>
+        <p:nvPicPr>
+          <p:cNvPr id="32" name="Picture 31">
+            <a:extLst>
+              <a:ext uri="{FF2B5EF4-FFF2-40B4-BE49-F238E27FC236}">
+                <a16:creationId xmlns:a16="http://schemas.microsoft.com/office/drawing/2014/main" id="{5FE9B3D5-8EA6-F855-09FA-527DC7315DD3}"/>
+              </a:ext>
+            </a:extLst>
+          </p:cNvPr>
+          <p:cNvPicPr>
+            <a:picLocks noChangeAspect="1"/>
+          </p:cNvPicPr>
+          <p:nvPr/>
+        </p:nvPicPr>
+        <p:blipFill>
+          <a:blip r:embed="rId4"/>
+          <a:stretch>
+            <a:fillRect/>
+          </a:stretch>
+        </p:blipFill>
+        <p:spPr>
+          <a:xfrm>
+            <a:off x="7019367" y="521732"/>
+            <a:ext cx="2483816" cy="2578480"/>
+          </a:xfrm>
+          <a:prstGeom prst="rect">
+            <a:avLst/>
+          </a:prstGeom>
+        </p:spPr>
+      </p:pic>
+      <p:sp>
+        <p:nvSpPr>
+          <p:cNvPr id="33" name="TextBox 32">
+            <a:extLst>
+              <a:ext uri="{FF2B5EF4-FFF2-40B4-BE49-F238E27FC236}">
+                <a16:creationId xmlns:a16="http://schemas.microsoft.com/office/drawing/2014/main" id="{29147147-271D-1434-BF28-55685725BB7F}"/>
+              </a:ext>
+            </a:extLst>
+          </p:cNvPr>
+          <p:cNvSpPr txBox="1"/>
+          <p:nvPr/>
+        </p:nvSpPr>
+        <p:spPr>
+          <a:xfrm>
+            <a:off x="9503183" y="521732"/>
+            <a:ext cx="2358617" cy="1938992"/>
+          </a:xfrm>
+          <a:prstGeom prst="rect">
+            <a:avLst/>
+          </a:prstGeom>
+          <a:noFill/>
+        </p:spPr>
+        <p:txBody>
+          <a:bodyPr wrap="square" rtlCol="0">
+            <a:spAutoFit/>
+          </a:bodyPr>
+          <a:lstStyle/>
+          <a:p>
+            <a:r>
+              <a:rPr lang="en-GB" sz="1200" dirty="0"/>
+              <a:t>Name palette</a:t>
+            </a:r>
+          </a:p>
+          <a:p>
+            <a:endParaRPr lang="en-GB" sz="1200" dirty="0"/>
+          </a:p>
+          <a:p>
+            <a:r>
+              <a:rPr lang="en-GB" sz="1200" dirty="0"/>
+              <a:t>Density slider - % fill</a:t>
+            </a:r>
+          </a:p>
+          <a:p>
+            <a:endParaRPr lang="en-GB" sz="1200" dirty="0"/>
+          </a:p>
+          <a:p>
+            <a:r>
+              <a:rPr lang="en-GB" sz="1200" dirty="0"/>
+              <a:t>Group weight – chance of that group being painted</a:t>
+            </a:r>
+          </a:p>
+          <a:p>
+            <a:endParaRPr lang="en-GB" sz="1200" dirty="0"/>
+          </a:p>
+          <a:p>
+            <a:r>
+              <a:rPr lang="en-GB" sz="1200" dirty="0"/>
+              <a:t>Object weight – chance of that object being painted when group is used</a:t>
+            </a:r>
+          </a:p>
+        </p:txBody>
+      </p:sp>
+      <p:pic>
+        <p:nvPicPr>
+          <p:cNvPr id="35" name="Picture 34">
+            <a:extLst>
+              <a:ext uri="{FF2B5EF4-FFF2-40B4-BE49-F238E27FC236}">
+                <a16:creationId xmlns:a16="http://schemas.microsoft.com/office/drawing/2014/main" id="{9109D0F1-C1AA-06F7-E275-10EDA317D775}"/>
+              </a:ext>
+            </a:extLst>
+          </p:cNvPr>
+          <p:cNvPicPr>
+            <a:picLocks noChangeAspect="1"/>
+          </p:cNvPicPr>
+          <p:nvPr/>
+        </p:nvPicPr>
+        <p:blipFill>
+          <a:blip r:embed="rId5"/>
+          <a:stretch>
+            <a:fillRect/>
+          </a:stretch>
+        </p:blipFill>
+        <p:spPr>
+          <a:xfrm>
+            <a:off x="7840078" y="3232666"/>
+            <a:ext cx="2621537" cy="2121280"/>
+          </a:xfrm>
+          <a:prstGeom prst="rect">
+            <a:avLst/>
+          </a:prstGeom>
+        </p:spPr>
+      </p:pic>
+      <p:sp>
+        <p:nvSpPr>
+          <p:cNvPr id="36" name="TextBox 35">
+            <a:extLst>
+              <a:ext uri="{FF2B5EF4-FFF2-40B4-BE49-F238E27FC236}">
+                <a16:creationId xmlns:a16="http://schemas.microsoft.com/office/drawing/2014/main" id="{18554E41-74F5-1A14-527D-98F305FEE73D}"/>
+              </a:ext>
+            </a:extLst>
+          </p:cNvPr>
+          <p:cNvSpPr txBox="1"/>
+          <p:nvPr/>
+        </p:nvSpPr>
+        <p:spPr>
+          <a:xfrm>
+            <a:off x="10461615" y="3341033"/>
+            <a:ext cx="1685935" cy="2492990"/>
+          </a:xfrm>
+          <a:prstGeom prst="rect">
+            <a:avLst/>
+          </a:prstGeom>
+          <a:noFill/>
+        </p:spPr>
+        <p:txBody>
+          <a:bodyPr wrap="square" rtlCol="0">
+            <a:spAutoFit/>
+          </a:bodyPr>
+          <a:lstStyle/>
+          <a:p>
+            <a:r>
+              <a:rPr lang="en-GB" sz="1200" dirty="0"/>
+              <a:t>Name the zone</a:t>
+            </a:r>
+          </a:p>
+          <a:p>
+            <a:endParaRPr lang="en-GB" sz="1200" dirty="0"/>
+          </a:p>
+          <a:p>
+            <a:r>
+              <a:rPr lang="en-GB" sz="1200" dirty="0"/>
+              <a:t>Assign it a saved palette</a:t>
+            </a:r>
+          </a:p>
+          <a:p>
+            <a:endParaRPr lang="en-GB" sz="1200" dirty="0"/>
+          </a:p>
+          <a:p>
+            <a:r>
+              <a:rPr lang="en-GB" sz="1200" dirty="0"/>
+              <a:t>Make a scene parent for the zone</a:t>
+            </a:r>
+          </a:p>
+          <a:p>
+            <a:endParaRPr lang="en-GB" sz="1200" dirty="0"/>
+          </a:p>
+          <a:p>
+            <a:r>
+              <a:rPr lang="en-GB" sz="1200" dirty="0"/>
+              <a:t>Create a sub zone for the active zone then press u to activate the brush tool to place its bounds in the scene</a:t>
+            </a:r>
+          </a:p>
+        </p:txBody>
+      </p:sp>
+      <p:cxnSp>
+        <p:nvCxnSpPr>
+          <p:cNvPr id="38" name="Straight Connector 37">
+            <a:extLst>
+              <a:ext uri="{FF2B5EF4-FFF2-40B4-BE49-F238E27FC236}">
+                <a16:creationId xmlns:a16="http://schemas.microsoft.com/office/drawing/2014/main" id="{486E0C2A-B0C8-D8B8-4929-94453EB70193}"/>
+              </a:ext>
+            </a:extLst>
+          </p:cNvPr>
+          <p:cNvCxnSpPr/>
+          <p:nvPr/>
+        </p:nvCxnSpPr>
+        <p:spPr>
+          <a:xfrm>
+            <a:off x="3594100" y="152400"/>
+            <a:ext cx="0" cy="6584950"/>
+          </a:xfrm>
+          <a:prstGeom prst="line">
+            <a:avLst/>
+          </a:prstGeom>
+        </p:spPr>
+        <p:style>
+          <a:lnRef idx="2">
+            <a:schemeClr val="accent1"/>
+          </a:lnRef>
+          <a:fillRef idx="0">
+            <a:schemeClr val="accent1"/>
+          </a:fillRef>
+          <a:effectRef idx="1">
+            <a:schemeClr val="accent1"/>
+          </a:effectRef>
+          <a:fontRef idx="minor">
+            <a:schemeClr val="tx1"/>
+          </a:fontRef>
+        </p:style>
+      </p:cxnSp>
+      <p:cxnSp>
+        <p:nvCxnSpPr>
+          <p:cNvPr id="40" name="Straight Connector 39">
+            <a:extLst>
+              <a:ext uri="{FF2B5EF4-FFF2-40B4-BE49-F238E27FC236}">
+                <a16:creationId xmlns:a16="http://schemas.microsoft.com/office/drawing/2014/main" id="{4D57D0EF-6F4D-3A8F-79D1-90FFCF66AAA9}"/>
+              </a:ext>
+            </a:extLst>
+          </p:cNvPr>
+          <p:cNvCxnSpPr/>
+          <p:nvPr/>
+        </p:nvCxnSpPr>
+        <p:spPr>
+          <a:xfrm>
+            <a:off x="6807200" y="152400"/>
+            <a:ext cx="151676" cy="3244850"/>
+          </a:xfrm>
+          <a:prstGeom prst="line">
+            <a:avLst/>
+          </a:prstGeom>
+        </p:spPr>
+        <p:style>
+          <a:lnRef idx="2">
+            <a:schemeClr val="accent1"/>
+          </a:lnRef>
+          <a:fillRef idx="0">
+            <a:schemeClr val="accent1"/>
+          </a:fillRef>
+          <a:effectRef idx="1">
+            <a:schemeClr val="accent1"/>
+          </a:effectRef>
+          <a:fontRef idx="minor">
+            <a:schemeClr val="tx1"/>
+          </a:fontRef>
+        </p:style>
+      </p:cxnSp>
+      <p:cxnSp>
+        <p:nvCxnSpPr>
+          <p:cNvPr id="42" name="Straight Connector 41">
+            <a:extLst>
+              <a:ext uri="{FF2B5EF4-FFF2-40B4-BE49-F238E27FC236}">
+                <a16:creationId xmlns:a16="http://schemas.microsoft.com/office/drawing/2014/main" id="{345BA78A-F1CE-F5F6-BE19-A2D1061A1C33}"/>
+              </a:ext>
+            </a:extLst>
+          </p:cNvPr>
+          <p:cNvCxnSpPr/>
+          <p:nvPr/>
+        </p:nvCxnSpPr>
+        <p:spPr>
+          <a:xfrm>
+            <a:off x="6958876" y="3397250"/>
+            <a:ext cx="635724" cy="101600"/>
+          </a:xfrm>
+          <a:prstGeom prst="line">
+            <a:avLst/>
+          </a:prstGeom>
+        </p:spPr>
+        <p:style>
+          <a:lnRef idx="2">
+            <a:schemeClr val="accent1"/>
+          </a:lnRef>
+          <a:fillRef idx="0">
+            <a:schemeClr val="accent1"/>
+          </a:fillRef>
+          <a:effectRef idx="1">
+            <a:schemeClr val="accent1"/>
+          </a:effectRef>
+          <a:fontRef idx="minor">
+            <a:schemeClr val="tx1"/>
+          </a:fontRef>
+        </p:style>
+      </p:cxnSp>
+      <p:cxnSp>
+        <p:nvCxnSpPr>
+          <p:cNvPr id="44" name="Straight Connector 43">
+            <a:extLst>
+              <a:ext uri="{FF2B5EF4-FFF2-40B4-BE49-F238E27FC236}">
+                <a16:creationId xmlns:a16="http://schemas.microsoft.com/office/drawing/2014/main" id="{C6A46CE8-6C5E-C4D8-1334-61319648D01C}"/>
+              </a:ext>
+            </a:extLst>
+          </p:cNvPr>
+          <p:cNvCxnSpPr/>
+          <p:nvPr/>
+        </p:nvCxnSpPr>
+        <p:spPr>
+          <a:xfrm>
+            <a:off x="7594600" y="3498850"/>
+            <a:ext cx="158750" cy="3146425"/>
+          </a:xfrm>
+          <a:prstGeom prst="line">
+            <a:avLst/>
+          </a:prstGeom>
+        </p:spPr>
+        <p:style>
+          <a:lnRef idx="2">
+            <a:schemeClr val="accent1"/>
+          </a:lnRef>
+          <a:fillRef idx="0">
+            <a:schemeClr val="accent1"/>
+          </a:fillRef>
+          <a:effectRef idx="1">
+            <a:schemeClr val="accent1"/>
+          </a:effectRef>
+          <a:fontRef idx="minor">
+            <a:schemeClr val="tx1"/>
+          </a:fontRef>
+        </p:style>
+      </p:cxnSp>
+      <p:sp>
+        <p:nvSpPr>
+          <p:cNvPr id="45" name="TextBox 44">
+            <a:extLst>
+              <a:ext uri="{FF2B5EF4-FFF2-40B4-BE49-F238E27FC236}">
+                <a16:creationId xmlns:a16="http://schemas.microsoft.com/office/drawing/2014/main" id="{DFFBA3EE-ECB2-4FB3-ACF7-AB2D70BE094C}"/>
+              </a:ext>
+            </a:extLst>
+          </p:cNvPr>
+          <p:cNvSpPr txBox="1"/>
+          <p:nvPr/>
+        </p:nvSpPr>
+        <p:spPr>
+          <a:xfrm>
+            <a:off x="1884222" y="4003166"/>
+            <a:ext cx="1941653" cy="769441"/>
+          </a:xfrm>
+          <a:prstGeom prst="rect">
+            <a:avLst/>
+          </a:prstGeom>
+          <a:solidFill>
+            <a:schemeClr val="bg1"/>
+          </a:solidFill>
+        </p:spPr>
+        <p:txBody>
+          <a:bodyPr wrap="square" rtlCol="0">
+            <a:spAutoFit/>
+          </a:bodyPr>
+          <a:lstStyle/>
+          <a:p>
+            <a:r>
+              <a:rPr lang="en-GB" sz="1100" dirty="0"/>
+              <a:t>This is the only setting that needs to be edited, altering the density of objects placed.</a:t>
+            </a:r>
+          </a:p>
+        </p:txBody>
+      </p:sp>
+      <p:cxnSp>
+        <p:nvCxnSpPr>
+          <p:cNvPr id="47" name="Straight Arrow Connector 46">
+            <a:extLst>
+              <a:ext uri="{FF2B5EF4-FFF2-40B4-BE49-F238E27FC236}">
+                <a16:creationId xmlns:a16="http://schemas.microsoft.com/office/drawing/2014/main" id="{ABCA5E34-53A7-CA17-C421-F137FFFC6289}"/>
+              </a:ext>
+            </a:extLst>
+          </p:cNvPr>
+          <p:cNvCxnSpPr>
+            <a:endCxn id="26" idx="2"/>
+          </p:cNvCxnSpPr>
+          <p:nvPr/>
+        </p:nvCxnSpPr>
+        <p:spPr>
+          <a:xfrm flipV="1">
+            <a:off x="2997200" y="3397250"/>
+            <a:ext cx="243944" cy="605916"/>
+          </a:xfrm>
+          <a:prstGeom prst="straightConnector1">
+            <a:avLst/>
+          </a:prstGeom>
+          <a:ln>
+            <a:solidFill>
+              <a:srgbClr val="FF0000"/>
+            </a:solidFill>
+            <a:tailEnd type="triangle"/>
+          </a:ln>
+        </p:spPr>
+        <p:style>
+          <a:lnRef idx="2">
+            <a:schemeClr val="accent1"/>
+          </a:lnRef>
+          <a:fillRef idx="0">
+            <a:schemeClr val="accent1"/>
+          </a:fillRef>
+          <a:effectRef idx="1">
+            <a:schemeClr val="accent1"/>
+          </a:effectRef>
+          <a:fontRef idx="minor">
+            <a:schemeClr val="tx1"/>
+          </a:fontRef>
+        </p:style>
+      </p:cxnSp>
+    </p:spTree>
+    <p:extLst>
+      <p:ext uri="{BB962C8B-B14F-4D97-AF65-F5344CB8AC3E}">
+        <p14:creationId xmlns:p14="http://schemas.microsoft.com/office/powerpoint/2010/main" val="80140700"/>
       </p:ext>
     </p:extLst>
   </p:cSld>

--- a/PaletteInstructions.pptx
+++ b/PaletteInstructions.pptx
@@ -118,7 +118,7 @@
 <file path=ppt/revisionInfo.xml><?xml version="1.0" encoding="utf-8"?>
 <p1510:revInfo xmlns:a="http://schemas.openxmlformats.org/drawingml/2006/main" xmlns:r="http://schemas.openxmlformats.org/officeDocument/2006/relationships" xmlns:p1510="http://schemas.microsoft.com/office/powerpoint/2015/10/main">
   <p1510:revLst>
-    <p1510:client id="{7D5027E6-3D61-40AE-B196-13DB84CC30F2}" v="16" dt="2026-01-30T11:35:55.100"/>
+    <p1510:client id="{7D5027E6-3D61-40AE-B196-13DB84CC30F2}" v="18" dt="2026-01-30T11:52:31.885"/>
   </p1510:revLst>
 </p1510:revInfo>
 </file>
@@ -128,7 +128,7 @@
   <pc:docChgLst>
     <pc:chgData name="Cayden Andrews" userId="a900b0b9c2d9fc9f" providerId="LiveId" clId="{6272F847-9BB4-417F-A861-A1D82C3E6007}"/>
     <pc:docChg chg="undo custSel addSld modSld">
-      <pc:chgData name="Cayden Andrews" userId="a900b0b9c2d9fc9f" providerId="LiveId" clId="{6272F847-9BB4-417F-A861-A1D82C3E6007}" dt="2026-01-30T11:36:39.925" v="1061" actId="208"/>
+      <pc:chgData name="Cayden Andrews" userId="a900b0b9c2d9fc9f" providerId="LiveId" clId="{6272F847-9BB4-417F-A861-A1D82C3E6007}" dt="2026-01-30T11:53:12.938" v="1260" actId="27636"/>
       <pc:docMkLst>
         <pc:docMk/>
       </pc:docMkLst>
@@ -144,6 +144,29 @@
             <pc:docMk/>
             <pc:sldMk cId="3541877911" sldId="256"/>
             <ac:spMk id="2" creationId="{C17A49C7-27F7-5264-9AAA-5DF7B36CA60B}"/>
+          </ac:spMkLst>
+        </pc:spChg>
+      </pc:sldChg>
+      <pc:sldChg chg="addSp modSp mod">
+        <pc:chgData name="Cayden Andrews" userId="a900b0b9c2d9fc9f" providerId="LiveId" clId="{6272F847-9BB4-417F-A861-A1D82C3E6007}" dt="2026-01-30T11:53:12.938" v="1260" actId="27636"/>
+        <pc:sldMkLst>
+          <pc:docMk/>
+          <pc:sldMk cId="3658050002" sldId="257"/>
+        </pc:sldMkLst>
+        <pc:spChg chg="mod">
+          <ac:chgData name="Cayden Andrews" userId="a900b0b9c2d9fc9f" providerId="LiveId" clId="{6272F847-9BB4-417F-A861-A1D82C3E6007}" dt="2026-01-30T11:53:12.938" v="1260" actId="27636"/>
+          <ac:spMkLst>
+            <pc:docMk/>
+            <pc:sldMk cId="3658050002" sldId="257"/>
+            <ac:spMk id="3" creationId="{053EF046-E325-9BA1-B94B-585349065372}"/>
+          </ac:spMkLst>
+        </pc:spChg>
+        <pc:spChg chg="add mod">
+          <ac:chgData name="Cayden Andrews" userId="a900b0b9c2d9fc9f" providerId="LiveId" clId="{6272F847-9BB4-417F-A861-A1D82C3E6007}" dt="2026-01-30T11:52:49.119" v="1197" actId="20577"/>
+          <ac:spMkLst>
+            <pc:docMk/>
+            <pc:sldMk cId="3658050002" sldId="257"/>
+            <ac:spMk id="4" creationId="{2B9AAB93-DB9D-98EB-5153-0BDEECA532CF}"/>
           </ac:spMkLst>
         </pc:spChg>
       </pc:sldChg>
@@ -5470,19 +5493,19 @@
         </p:spPr>
         <p:txBody>
           <a:bodyPr>
-            <a:normAutofit/>
+            <a:normAutofit fontScale="92500" lnSpcReduction="10000"/>
           </a:bodyPr>
           <a:lstStyle/>
           <a:p>
             <a:r>
               <a:rPr lang="en-GB" dirty="0"/>
-              <a:t>T1 - stones random</a:t>
+              <a:t>T1 – should have stones random selected</a:t>
             </a:r>
           </a:p>
           <a:p>
             <a:r>
               <a:rPr lang="en-GB" dirty="0"/>
-              <a:t>- spacing = density</a:t>
+              <a:t>- spacing  is used for density</a:t>
             </a:r>
           </a:p>
           <a:p>
@@ -5491,13 +5514,13 @@
           <a:p>
             <a:r>
               <a:rPr lang="en-GB" dirty="0"/>
-              <a:t>T2 - grid</a:t>
+              <a:t>T2 - should have grid selected</a:t>
             </a:r>
           </a:p>
           <a:p>
             <a:r>
               <a:rPr lang="en-GB" dirty="0"/>
-              <a:t>- place on surface</a:t>
+              <a:t>- place on surface - true</a:t>
             </a:r>
           </a:p>
           <a:p>
@@ -5523,7 +5546,22 @@
           <a:p>
             <a:r>
               <a:rPr lang="en-GB" dirty="0"/>
-              <a:t>- fill rate for density</a:t>
+              <a:t>- fill rate is used for density</a:t>
+            </a:r>
+          </a:p>
+          <a:p>
+            <a:pPr marL="0" indent="0">
+              <a:buNone/>
+            </a:pPr>
+            <a:endParaRPr lang="en-GB" sz="1600" dirty="0"/>
+          </a:p>
+          <a:p>
+            <a:pPr marL="0" indent="0">
+              <a:buNone/>
+            </a:pPr>
+            <a:r>
+              <a:rPr lang="en-GB" sz="1600" dirty="0"/>
+              <a:t>For both tools the brush size is free to change.</a:t>
             </a:r>
           </a:p>
         </p:txBody>
@@ -5559,6 +5597,41 @@
             <a:r>
               <a:rPr lang="en-GB" sz="4800" b="1" dirty="0"/>
               <a:t>Settings to change for tool 1 and 2</a:t>
+            </a:r>
+          </a:p>
+        </p:txBody>
+      </p:sp>
+      <p:sp>
+        <p:nvSpPr>
+          <p:cNvPr id="4" name="TextBox 3">
+            <a:extLst>
+              <a:ext uri="{FF2B5EF4-FFF2-40B4-BE49-F238E27FC236}">
+                <a16:creationId xmlns:a16="http://schemas.microsoft.com/office/drawing/2014/main" id="{2B9AAB93-DB9D-98EB-5153-0BDEECA532CF}"/>
+              </a:ext>
+            </a:extLst>
+          </p:cNvPr>
+          <p:cNvSpPr txBox="1"/>
+          <p:nvPr/>
+        </p:nvSpPr>
+        <p:spPr>
+          <a:xfrm>
+            <a:off x="158750" y="6280150"/>
+            <a:ext cx="8477250" cy="370327"/>
+          </a:xfrm>
+          <a:prstGeom prst="rect">
+            <a:avLst/>
+          </a:prstGeom>
+          <a:noFill/>
+        </p:spPr>
+        <p:txBody>
+          <a:bodyPr wrap="square" rtlCol="0">
+            <a:spAutoFit/>
+          </a:bodyPr>
+          <a:lstStyle/>
+          <a:p>
+            <a:r>
+              <a:rPr lang="en-GB" dirty="0"/>
+              <a:t>Please do not edit any other settings as this may cause data discrepancy.</a:t>
             </a:r>
           </a:p>
         </p:txBody>
